--- a/JavaLecture/LectureFile/java 4강.pptx
+++ b/JavaLecture/LectureFile/java 4강.pptx
@@ -234,7 +234,7 @@
           <a:p>
             <a:fld id="{D79F2C30-10E1-4C46-91DC-BBDB9629E720}" type="datetimeFigureOut">
               <a:rPr lang="ko-KR" altLang="en-US" smtClean="0"/>
-              <a:t>2023-01-15</a:t>
+              <a:t>2023-01-28 Saturday</a:t>
             </a:fld>
             <a:endParaRPr lang="ko-KR" altLang="en-US"/>
           </a:p>
@@ -546,10 +546,9 @@
           <a:lstStyle/>
           <a:p>
             <a:r>
-              <a:rPr lang="ko-KR" altLang="en-US" smtClean="0"/>
+              <a:rPr lang="ko-KR" altLang="en-US"/>
               <a:t>값 증가 되는거 따라가면서 설명해주기</a:t>
             </a:r>
-            <a:endParaRPr lang="ko-KR" altLang="en-US"/>
           </a:p>
         </p:txBody>
       </p:sp>
@@ -852,7 +851,7 @@
           <a:p>
             <a:fld id="{F8166F1F-CE9B-4651-A6AA-CD717754106B}" type="datetimeFigureOut">
               <a:rPr lang="en-US" smtClean="0"/>
-              <a:t>1/15/2023</a:t>
+              <a:t>1/28/2023</a:t>
             </a:fld>
             <a:endParaRPr lang="en-US"/>
           </a:p>
@@ -1015,7 +1014,7 @@
           <a:p>
             <a:fld id="{A76116CE-C4A3-4A05-B2D7-7C2E9A889C0F}" type="datetimeFigureOut">
               <a:rPr lang="en-US" smtClean="0"/>
-              <a:t>1/15/2023</a:t>
+              <a:t>1/28/2023</a:t>
             </a:fld>
             <a:endParaRPr lang="en-US"/>
           </a:p>
@@ -1188,7 +1187,7 @@
           <a:p>
             <a:fld id="{A76116CE-C4A3-4A05-B2D7-7C2E9A889C0F}" type="datetimeFigureOut">
               <a:rPr lang="en-US" smtClean="0"/>
-              <a:t>1/15/2023</a:t>
+              <a:t>1/28/2023</a:t>
             </a:fld>
             <a:endParaRPr lang="en-US"/>
           </a:p>
@@ -1353,7 +1352,7 @@
           <a:p>
             <a:fld id="{A76116CE-C4A3-4A05-B2D7-7C2E9A889C0F}" type="datetimeFigureOut">
               <a:rPr lang="en-US" smtClean="0"/>
-              <a:t>1/15/2023</a:t>
+              <a:t>1/28/2023</a:t>
             </a:fld>
             <a:endParaRPr lang="en-US"/>
           </a:p>
@@ -1593,7 +1592,7 @@
           <a:p>
             <a:fld id="{A76116CE-C4A3-4A05-B2D7-7C2E9A889C0F}" type="datetimeFigureOut">
               <a:rPr lang="en-US" smtClean="0"/>
-              <a:t>1/15/2023</a:t>
+              <a:t>1/28/2023</a:t>
             </a:fld>
             <a:endParaRPr lang="en-US"/>
           </a:p>
@@ -1873,7 +1872,7 @@
           <a:p>
             <a:fld id="{A76116CE-C4A3-4A05-B2D7-7C2E9A889C0F}" type="datetimeFigureOut">
               <a:rPr lang="en-US" smtClean="0"/>
-              <a:t>1/15/2023</a:t>
+              <a:t>1/28/2023</a:t>
             </a:fld>
             <a:endParaRPr lang="en-US"/>
           </a:p>
@@ -2287,7 +2286,7 @@
           <a:p>
             <a:fld id="{A76116CE-C4A3-4A05-B2D7-7C2E9A889C0F}" type="datetimeFigureOut">
               <a:rPr lang="en-US" smtClean="0"/>
-              <a:t>1/15/2023</a:t>
+              <a:t>1/28/2023</a:t>
             </a:fld>
             <a:endParaRPr lang="en-US"/>
           </a:p>
@@ -2399,7 +2398,7 @@
           <a:p>
             <a:fld id="{A76116CE-C4A3-4A05-B2D7-7C2E9A889C0F}" type="datetimeFigureOut">
               <a:rPr lang="en-US" smtClean="0"/>
-              <a:t>1/15/2023</a:t>
+              <a:t>1/28/2023</a:t>
             </a:fld>
             <a:endParaRPr lang="en-US"/>
           </a:p>
@@ -2489,7 +2488,7 @@
           <a:p>
             <a:fld id="{A76116CE-C4A3-4A05-B2D7-7C2E9A889C0F}" type="datetimeFigureOut">
               <a:rPr lang="en-US" smtClean="0"/>
-              <a:t>1/15/2023</a:t>
+              <a:t>1/28/2023</a:t>
             </a:fld>
             <a:endParaRPr lang="en-US"/>
           </a:p>
@@ -2759,7 +2758,7 @@
           <a:p>
             <a:fld id="{A76116CE-C4A3-4A05-B2D7-7C2E9A889C0F}" type="datetimeFigureOut">
               <a:rPr lang="en-US" smtClean="0"/>
-              <a:t>1/15/2023</a:t>
+              <a:t>1/28/2023</a:t>
             </a:fld>
             <a:endParaRPr lang="en-US"/>
           </a:p>
@@ -3006,7 +3005,7 @@
           <a:p>
             <a:fld id="{A76116CE-C4A3-4A05-B2D7-7C2E9A889C0F}" type="datetimeFigureOut">
               <a:rPr lang="en-US" smtClean="0"/>
-              <a:t>1/15/2023</a:t>
+              <a:t>1/28/2023</a:t>
             </a:fld>
             <a:endParaRPr lang="en-US"/>
           </a:p>
@@ -3212,7 +3211,7 @@
           <a:p>
             <a:fld id="{F8166F1F-CE9B-4651-A6AA-CD717754106B}" type="datetimeFigureOut">
               <a:rPr lang="en-US" smtClean="0"/>
-              <a:t>1/15/2023</a:t>
+              <a:t>1/28/2023</a:t>
             </a:fld>
             <a:endParaRPr lang="en-US"/>
           </a:p>
@@ -3868,7 +3867,7 @@
           <p:cNvPr id="2" name="TextBox 1">
             <a:extLst>
               <a:ext uri="{FF2B5EF4-FFF2-40B4-BE49-F238E27FC236}">
-                <a16:creationId xmlns="" xmlns:a16="http://schemas.microsoft.com/office/drawing/2014/main" id="{E9A453A8-9968-67AB-7B4A-83EEB4662AA6}"/>
+                <a16:creationId xmlns:a16="http://schemas.microsoft.com/office/drawing/2014/main" id="{E9A453A8-9968-67AB-7B4A-83EEB4662AA6}"/>
               </a:ext>
             </a:extLst>
           </p:cNvPr>
@@ -3916,7 +3915,7 @@
           <p:cNvPr id="4" name="TextBox 3">
             <a:extLst>
               <a:ext uri="{FF2B5EF4-FFF2-40B4-BE49-F238E27FC236}">
-                <a16:creationId xmlns="" xmlns:a16="http://schemas.microsoft.com/office/drawing/2014/main" id="{F4B7A35A-8AAC-4622-64BC-CAD1472D4115}"/>
+                <a16:creationId xmlns:a16="http://schemas.microsoft.com/office/drawing/2014/main" id="{F4B7A35A-8AAC-4622-64BC-CAD1472D4115}"/>
               </a:ext>
             </a:extLst>
           </p:cNvPr>
@@ -3988,7 +3987,7 @@
           <p:cNvPr id="7" name="TextBox 6">
             <a:extLst>
               <a:ext uri="{FF2B5EF4-FFF2-40B4-BE49-F238E27FC236}">
-                <a16:creationId xmlns="" xmlns:a16="http://schemas.microsoft.com/office/drawing/2014/main" id="{3ACE900A-D779-4343-6623-8588B376F0A1}"/>
+                <a16:creationId xmlns:a16="http://schemas.microsoft.com/office/drawing/2014/main" id="{3ACE900A-D779-4343-6623-8588B376F0A1}"/>
               </a:ext>
             </a:extLst>
           </p:cNvPr>
@@ -4052,7 +4051,7 @@
           <p:cNvPr id="4" name="TextBox 3">
             <a:extLst>
               <a:ext uri="{FF2B5EF4-FFF2-40B4-BE49-F238E27FC236}">
-                <a16:creationId xmlns="" xmlns:a16="http://schemas.microsoft.com/office/drawing/2014/main" id="{FC45ADBF-CAA8-348D-E57F-358AF9FAC5C1}"/>
+                <a16:creationId xmlns:a16="http://schemas.microsoft.com/office/drawing/2014/main" id="{FC45ADBF-CAA8-348D-E57F-358AF9FAC5C1}"/>
               </a:ext>
             </a:extLst>
           </p:cNvPr>
@@ -4076,7 +4075,7 @@
           <a:lstStyle/>
           <a:p>
             <a:r>
-              <a:rPr lang="ko-KR" altLang="en-US" sz="4800" smtClean="0">
+              <a:rPr lang="ko-KR" altLang="en-US" sz="4800">
                 <a:solidFill>
                   <a:srgbClr val="4C50BC"/>
                 </a:solidFill>
@@ -4100,7 +4099,7 @@
           <p:cNvPr id="5" name="TextBox 4">
             <a:extLst>
               <a:ext uri="{FF2B5EF4-FFF2-40B4-BE49-F238E27FC236}">
-                <a16:creationId xmlns="" xmlns:a16="http://schemas.microsoft.com/office/drawing/2014/main" id="{9B6AB948-57E9-D33B-D848-3E89213C4BC0}"/>
+                <a16:creationId xmlns:a16="http://schemas.microsoft.com/office/drawing/2014/main" id="{9B6AB948-57E9-D33B-D848-3E89213C4BC0}"/>
               </a:ext>
             </a:extLst>
           </p:cNvPr>
@@ -4124,7 +4123,7 @@
           <a:lstStyle/>
           <a:p>
             <a:r>
-              <a:rPr lang="en-US" altLang="ko-KR" sz="3200" smtClean="0">
+              <a:rPr lang="en-US" altLang="ko-KR" sz="3200">
                 <a:solidFill>
                   <a:schemeClr val="tx1">
                     <a:lumMod val="50000"/>
@@ -4137,7 +4136,7 @@
               <a:t>1. For </a:t>
             </a:r>
             <a:r>
-              <a:rPr lang="ko-KR" altLang="en-US" sz="3200" smtClean="0">
+              <a:rPr lang="ko-KR" altLang="en-US" sz="3200">
                 <a:solidFill>
                   <a:schemeClr val="tx1">
                     <a:lumMod val="50000"/>
@@ -4150,7 +4149,7 @@
               <a:t>반복문을 이용하여 숫자를 </a:t>
             </a:r>
             <a:r>
-              <a:rPr lang="en-US" altLang="ko-KR" sz="3200" smtClean="0">
+              <a:rPr lang="en-US" altLang="ko-KR" sz="3200">
                 <a:solidFill>
                   <a:schemeClr val="tx1">
                     <a:lumMod val="50000"/>
@@ -4163,7 +4162,7 @@
               <a:t>0</a:t>
             </a:r>
             <a:r>
-              <a:rPr lang="ko-KR" altLang="en-US" sz="3200" smtClean="0">
+              <a:rPr lang="ko-KR" altLang="en-US" sz="3200">
                 <a:solidFill>
                   <a:schemeClr val="tx1">
                     <a:lumMod val="50000"/>
@@ -4176,7 +4175,7 @@
               <a:t>부터 </a:t>
             </a:r>
             <a:r>
-              <a:rPr lang="en-US" altLang="ko-KR" sz="3200" smtClean="0">
+              <a:rPr lang="en-US" altLang="ko-KR" sz="3200">
                 <a:solidFill>
                   <a:schemeClr val="tx1">
                     <a:lumMod val="50000"/>
@@ -4189,7 +4188,7 @@
               <a:t>5</a:t>
             </a:r>
             <a:r>
-              <a:rPr lang="ko-KR" altLang="en-US" sz="3200" smtClean="0">
+              <a:rPr lang="ko-KR" altLang="en-US" sz="3200">
                 <a:solidFill>
                   <a:schemeClr val="tx1">
                     <a:lumMod val="50000"/>
@@ -4291,7 +4290,7 @@
           <p:cNvPr id="13" name="TextBox 12">
             <a:extLst>
               <a:ext uri="{FF2B5EF4-FFF2-40B4-BE49-F238E27FC236}">
-                <a16:creationId xmlns="" xmlns:a16="http://schemas.microsoft.com/office/drawing/2014/main" id="{9B6AB948-57E9-D33B-D848-3E89213C4BC0}"/>
+                <a16:creationId xmlns:a16="http://schemas.microsoft.com/office/drawing/2014/main" id="{9B6AB948-57E9-D33B-D848-3E89213C4BC0}"/>
               </a:ext>
             </a:extLst>
           </p:cNvPr>
@@ -4315,7 +4314,7 @@
           <a:lstStyle/>
           <a:p>
             <a:r>
-              <a:rPr lang="en-US" altLang="ko-KR" sz="3200" smtClean="0">
+              <a:rPr lang="en-US" altLang="ko-KR" sz="3200">
                 <a:solidFill>
                   <a:schemeClr val="tx1">
                     <a:lumMod val="50000"/>
@@ -4328,7 +4327,7 @@
               <a:t>2. </a:t>
             </a:r>
             <a:r>
-              <a:rPr lang="ko-KR" altLang="en-US" sz="3200" smtClean="0">
+              <a:rPr lang="ko-KR" altLang="en-US" sz="3200">
                 <a:solidFill>
                   <a:schemeClr val="tx1">
                     <a:lumMod val="50000"/>
@@ -4351,10 +4350,10 @@
                 <a:latin typeface="G마켓 산스 Medium" panose="02000000000000000000" pitchFamily="50" charset="-127"/>
                 <a:ea typeface="G마켓 산스 Medium" panose="02000000000000000000" pitchFamily="50" charset="-127"/>
               </a:rPr>
-              <a:t>1</a:t>
-            </a:r>
-            <a:r>
-              <a:rPr lang="en-US" altLang="ko-KR" sz="3200" smtClean="0">
+              <a:t>1 </a:t>
+            </a:r>
+            <a:r>
+              <a:rPr lang="ko-KR" altLang="en-US" sz="3200">
                 <a:solidFill>
                   <a:schemeClr val="tx1">
                     <a:lumMod val="50000"/>
@@ -4364,10 +4363,10 @@
                 <a:latin typeface="G마켓 산스 Medium" panose="02000000000000000000" pitchFamily="50" charset="-127"/>
                 <a:ea typeface="G마켓 산스 Medium" panose="02000000000000000000" pitchFamily="50" charset="-127"/>
               </a:rPr>
-              <a:t> </a:t>
-            </a:r>
-            <a:r>
-              <a:rPr lang="ko-KR" altLang="en-US" sz="3200" smtClean="0">
+              <a:t>부터 </a:t>
+            </a:r>
+            <a:r>
+              <a:rPr lang="en-US" altLang="ko-KR" sz="3200">
                 <a:solidFill>
                   <a:schemeClr val="tx1">
                     <a:lumMod val="50000"/>
@@ -4377,23 +4376,10 @@
                 <a:latin typeface="G마켓 산스 Medium" panose="02000000000000000000" pitchFamily="50" charset="-127"/>
                 <a:ea typeface="G마켓 산스 Medium" panose="02000000000000000000" pitchFamily="50" charset="-127"/>
               </a:rPr>
-              <a:t>부터 </a:t>
-            </a:r>
-            <a:r>
-              <a:rPr lang="en-US" altLang="ko-KR" sz="3200" smtClean="0">
-                <a:solidFill>
-                  <a:schemeClr val="tx1">
-                    <a:lumMod val="50000"/>
-                    <a:lumOff val="50000"/>
-                  </a:schemeClr>
-                </a:solidFill>
-                <a:latin typeface="G마켓 산스 Medium" panose="02000000000000000000" pitchFamily="50" charset="-127"/>
-                <a:ea typeface="G마켓 산스 Medium" panose="02000000000000000000" pitchFamily="50" charset="-127"/>
-              </a:rPr>
               <a:t>10</a:t>
             </a:r>
             <a:r>
-              <a:rPr lang="ko-KR" altLang="en-US" sz="3200" smtClean="0">
+              <a:rPr lang="ko-KR" altLang="en-US" sz="3200">
                 <a:solidFill>
                   <a:schemeClr val="tx1">
                     <a:lumMod val="50000"/>
@@ -4471,7 +4457,7 @@
           <p:cNvPr id="16" name="TextBox 15">
             <a:extLst>
               <a:ext uri="{FF2B5EF4-FFF2-40B4-BE49-F238E27FC236}">
-                <a16:creationId xmlns="" xmlns:a16="http://schemas.microsoft.com/office/drawing/2014/main" id="{9B6AB948-57E9-D33B-D848-3E89213C4BC0}"/>
+                <a16:creationId xmlns:a16="http://schemas.microsoft.com/office/drawing/2014/main" id="{9B6AB948-57E9-D33B-D848-3E89213C4BC0}"/>
               </a:ext>
             </a:extLst>
           </p:cNvPr>
@@ -4495,7 +4481,7 @@
           <a:lstStyle/>
           <a:p>
             <a:r>
-              <a:rPr lang="en-US" altLang="ko-KR" sz="3200" smtClean="0">
+              <a:rPr lang="en-US" altLang="ko-KR" sz="3200">
                 <a:solidFill>
                   <a:schemeClr val="tx1">
                     <a:lumMod val="50000"/>
@@ -4508,7 +4494,7 @@
               <a:t>3. 0</a:t>
             </a:r>
             <a:r>
-              <a:rPr lang="ko-KR" altLang="en-US" sz="3200" smtClean="0">
+              <a:rPr lang="ko-KR" altLang="en-US" sz="3200">
                 <a:solidFill>
                   <a:schemeClr val="tx1">
                     <a:lumMod val="50000"/>
@@ -4521,7 +4507,7 @@
               <a:t>부터 </a:t>
             </a:r>
             <a:r>
-              <a:rPr lang="en-US" altLang="ko-KR" sz="3200" smtClean="0">
+              <a:rPr lang="en-US" altLang="ko-KR" sz="3200">
                 <a:solidFill>
                   <a:schemeClr val="tx1">
                     <a:lumMod val="50000"/>
@@ -4534,7 +4520,7 @@
               <a:t>10</a:t>
             </a:r>
             <a:r>
-              <a:rPr lang="ko-KR" altLang="en-US" sz="3200" smtClean="0">
+              <a:rPr lang="ko-KR" altLang="en-US" sz="3200">
                 <a:solidFill>
                   <a:schemeClr val="tx1">
                     <a:lumMod val="50000"/>
@@ -4547,7 +4533,7 @@
               <a:t>까지 증가 하는 값과 </a:t>
             </a:r>
             <a:r>
-              <a:rPr lang="en-US" altLang="ko-KR" sz="3200" smtClean="0">
+              <a:rPr lang="en-US" altLang="ko-KR" sz="3200">
                 <a:solidFill>
                   <a:schemeClr val="tx1">
                     <a:lumMod val="50000"/>
@@ -4560,7 +4546,7 @@
               <a:t>10</a:t>
             </a:r>
             <a:r>
-              <a:rPr lang="ko-KR" altLang="en-US" sz="3200" smtClean="0">
+              <a:rPr lang="ko-KR" altLang="en-US" sz="3200">
                 <a:solidFill>
                   <a:schemeClr val="tx1">
                     <a:lumMod val="50000"/>
@@ -4586,7 +4572,7 @@
               <a:t>0</a:t>
             </a:r>
             <a:r>
-              <a:rPr lang="ko-KR" altLang="en-US" sz="3200" smtClean="0">
+              <a:rPr lang="ko-KR" altLang="en-US" sz="3200">
                 <a:solidFill>
                   <a:schemeClr val="tx1">
                     <a:lumMod val="50000"/>
@@ -4859,7 +4845,7 @@
           <p:cNvPr id="2" name="TextBox 1">
             <a:extLst>
               <a:ext uri="{FF2B5EF4-FFF2-40B4-BE49-F238E27FC236}">
-                <a16:creationId xmlns="" xmlns:a16="http://schemas.microsoft.com/office/drawing/2014/main" id="{FC45ADBF-CAA8-348D-E57F-358AF9FAC5C1}"/>
+                <a16:creationId xmlns:a16="http://schemas.microsoft.com/office/drawing/2014/main" id="{FC45ADBF-CAA8-348D-E57F-358AF9FAC5C1}"/>
               </a:ext>
             </a:extLst>
           </p:cNvPr>
@@ -4883,7 +4869,7 @@
           <a:lstStyle/>
           <a:p>
             <a:r>
-              <a:rPr lang="ko-KR" altLang="en-US" sz="4800" smtClean="0">
+              <a:rPr lang="ko-KR" altLang="en-US" sz="4800">
                 <a:solidFill>
                   <a:srgbClr val="4C50BC"/>
                 </a:solidFill>
@@ -4955,7 +4941,7 @@
           <p:cNvPr id="8" name="직선 화살표 연결선 7">
             <a:extLst>
               <a:ext uri="{FF2B5EF4-FFF2-40B4-BE49-F238E27FC236}">
-                <a16:creationId xmlns:a16="http://schemas.microsoft.com/office/drawing/2014/main" xmlns="" id="{299DF5EC-9DF4-5255-06AC-0A7CE4FF58C3}"/>
+                <a16:creationId xmlns:a16="http://schemas.microsoft.com/office/drawing/2014/main" id="{299DF5EC-9DF4-5255-06AC-0A7CE4FF58C3}"/>
               </a:ext>
             </a:extLst>
           </p:cNvPr>
@@ -4996,7 +4982,7 @@
           <p:cNvPr id="9" name="직사각형 8">
             <a:extLst>
               <a:ext uri="{FF2B5EF4-FFF2-40B4-BE49-F238E27FC236}">
-                <a16:creationId xmlns:a16="http://schemas.microsoft.com/office/drawing/2014/main" xmlns="" id="{FFF506F9-840A-0508-4CAF-3AC711D8D5CE}"/>
+                <a16:creationId xmlns:a16="http://schemas.microsoft.com/office/drawing/2014/main" id="{FFF506F9-840A-0508-4CAF-3AC711D8D5CE}"/>
               </a:ext>
             </a:extLst>
           </p:cNvPr>
@@ -5048,7 +5034,7 @@
           <p:cNvPr id="10" name="TextBox 9">
             <a:extLst>
               <a:ext uri="{FF2B5EF4-FFF2-40B4-BE49-F238E27FC236}">
-                <a16:creationId xmlns:a16="http://schemas.microsoft.com/office/drawing/2014/main" xmlns="" id="{C6D113C6-EA5C-788F-0C77-E7CE6EBB865F}"/>
+                <a16:creationId xmlns:a16="http://schemas.microsoft.com/office/drawing/2014/main" id="{C6D113C6-EA5C-788F-0C77-E7CE6EBB865F}"/>
               </a:ext>
             </a:extLst>
           </p:cNvPr>
@@ -5072,7 +5058,7 @@
           <a:lstStyle/>
           <a:p>
             <a:r>
-              <a:rPr lang="ko-KR" altLang="en-US" sz="4800" smtClean="0">
+              <a:rPr lang="ko-KR" altLang="en-US" sz="4800">
                 <a:solidFill>
                   <a:srgbClr val="FF0000"/>
                 </a:solidFill>
@@ -5082,7 +5068,7 @@
               <a:t>이미 선언된 변수이다</a:t>
             </a:r>
             <a:r>
-              <a:rPr lang="en-US" altLang="ko-KR" sz="4800" smtClean="0">
+              <a:rPr lang="en-US" altLang="ko-KR" sz="4800">
                 <a:solidFill>
                   <a:srgbClr val="FF0000"/>
                 </a:solidFill>
@@ -5235,7 +5221,7 @@
           <p:cNvPr id="4" name="TextBox 3">
             <a:extLst>
               <a:ext uri="{FF2B5EF4-FFF2-40B4-BE49-F238E27FC236}">
-                <a16:creationId xmlns="" xmlns:a16="http://schemas.microsoft.com/office/drawing/2014/main" id="{FC45ADBF-CAA8-348D-E57F-358AF9FAC5C1}"/>
+                <a16:creationId xmlns:a16="http://schemas.microsoft.com/office/drawing/2014/main" id="{FC45ADBF-CAA8-348D-E57F-358AF9FAC5C1}"/>
               </a:ext>
             </a:extLst>
           </p:cNvPr>
@@ -5259,7 +5245,7 @@
           <a:lstStyle/>
           <a:p>
             <a:r>
-              <a:rPr lang="ko-KR" altLang="en-US" sz="4800" smtClean="0">
+              <a:rPr lang="ko-KR" altLang="en-US" sz="4800">
                 <a:solidFill>
                   <a:srgbClr val="4C50BC"/>
                 </a:solidFill>
@@ -5269,7 +5255,7 @@
               <a:t>실습문제</a:t>
             </a:r>
             <a:r>
-              <a:rPr lang="en-US" altLang="ko-KR" sz="4800" smtClean="0">
+              <a:rPr lang="en-US" altLang="ko-KR" sz="4800">
                 <a:solidFill>
                   <a:srgbClr val="4C50BC"/>
                 </a:solidFill>
@@ -5293,7 +5279,7 @@
           <p:cNvPr id="5" name="TextBox 4">
             <a:extLst>
               <a:ext uri="{FF2B5EF4-FFF2-40B4-BE49-F238E27FC236}">
-                <a16:creationId xmlns="" xmlns:a16="http://schemas.microsoft.com/office/drawing/2014/main" id="{A56A5DDA-8708-D8BE-1148-536DAE867ED1}"/>
+                <a16:creationId xmlns:a16="http://schemas.microsoft.com/office/drawing/2014/main" id="{A56A5DDA-8708-D8BE-1148-536DAE867ED1}"/>
               </a:ext>
             </a:extLst>
           </p:cNvPr>
@@ -5317,7 +5303,7 @@
           <a:lstStyle/>
           <a:p>
             <a:r>
-              <a:rPr lang="en-US" altLang="ko-KR" sz="3200" smtClean="0">
+              <a:rPr lang="en-US" altLang="ko-KR" sz="3200">
                 <a:solidFill>
                   <a:schemeClr val="tx1">
                     <a:lumMod val="50000"/>
@@ -5330,7 +5316,7 @@
               <a:t>1. </a:t>
             </a:r>
             <a:r>
-              <a:rPr lang="ko-KR" altLang="en-US" sz="3200" smtClean="0">
+              <a:rPr lang="ko-KR" altLang="en-US" sz="3200">
                 <a:solidFill>
                   <a:schemeClr val="tx1">
                     <a:lumMod val="50000"/>
@@ -5384,7 +5370,7 @@
           <p:cNvPr id="7" name="TextBox 6">
             <a:extLst>
               <a:ext uri="{FF2B5EF4-FFF2-40B4-BE49-F238E27FC236}">
-                <a16:creationId xmlns="" xmlns:a16="http://schemas.microsoft.com/office/drawing/2014/main" id="{A56A5DDA-8708-D8BE-1148-536DAE867ED1}"/>
+                <a16:creationId xmlns:a16="http://schemas.microsoft.com/office/drawing/2014/main" id="{A56A5DDA-8708-D8BE-1148-536DAE867ED1}"/>
               </a:ext>
             </a:extLst>
           </p:cNvPr>
@@ -5408,7 +5394,7 @@
           <a:lstStyle/>
           <a:p>
             <a:r>
-              <a:rPr lang="en-US" altLang="ko-KR" sz="3200" smtClean="0">
+              <a:rPr lang="en-US" altLang="ko-KR" sz="3200">
                 <a:solidFill>
                   <a:schemeClr val="tx1">
                     <a:lumMod val="50000"/>
@@ -5421,7 +5407,7 @@
               <a:t>2. </a:t>
             </a:r>
             <a:r>
-              <a:rPr lang="ko-KR" altLang="en-US" sz="3200" smtClean="0">
+              <a:rPr lang="ko-KR" altLang="en-US" sz="3200">
                 <a:solidFill>
                   <a:schemeClr val="tx1">
                     <a:lumMod val="50000"/>
@@ -5434,7 +5420,7 @@
               <a:t>아래의 그림과 같이 구구단을 출력하시오</a:t>
             </a:r>
             <a:r>
-              <a:rPr lang="en-US" altLang="ko-KR" sz="3200" smtClean="0">
+              <a:rPr lang="en-US" altLang="ko-KR" sz="3200">
                 <a:solidFill>
                   <a:schemeClr val="tx1">
                     <a:lumMod val="50000"/>
@@ -5447,7 +5433,7 @@
               <a:t>(9</a:t>
             </a:r>
             <a:r>
-              <a:rPr lang="ko-KR" altLang="en-US" sz="3200" smtClean="0">
+              <a:rPr lang="ko-KR" altLang="en-US" sz="3200">
                 <a:solidFill>
                   <a:schemeClr val="tx1">
                     <a:lumMod val="50000"/>
@@ -5460,7 +5446,7 @@
               <a:t>단까지</a:t>
             </a:r>
             <a:r>
-              <a:rPr lang="en-US" altLang="ko-KR" sz="3200" smtClean="0">
+              <a:rPr lang="en-US" altLang="ko-KR" sz="3200">
                 <a:solidFill>
                   <a:schemeClr val="tx1">
                     <a:lumMod val="50000"/>
@@ -5538,7 +5524,7 @@
           <p:cNvPr id="10" name="TextBox 9">
             <a:extLst>
               <a:ext uri="{FF2B5EF4-FFF2-40B4-BE49-F238E27FC236}">
-                <a16:creationId xmlns="" xmlns:a16="http://schemas.microsoft.com/office/drawing/2014/main" id="{A56A5DDA-8708-D8BE-1148-536DAE867ED1}"/>
+                <a16:creationId xmlns:a16="http://schemas.microsoft.com/office/drawing/2014/main" id="{A56A5DDA-8708-D8BE-1148-536DAE867ED1}"/>
               </a:ext>
             </a:extLst>
           </p:cNvPr>
@@ -5572,23 +5558,10 @@
                 <a:latin typeface="G마켓 산스 Medium" panose="02000000000000000000" pitchFamily="50" charset="-127"/>
                 <a:ea typeface="G마켓 산스 Medium" panose="02000000000000000000" pitchFamily="50" charset="-127"/>
               </a:rPr>
-              <a:t>3</a:t>
-            </a:r>
-            <a:r>
-              <a:rPr lang="en-US" altLang="ko-KR" sz="3200" smtClean="0">
-                <a:solidFill>
-                  <a:schemeClr val="tx1">
-                    <a:lumMod val="50000"/>
-                    <a:lumOff val="50000"/>
-                  </a:schemeClr>
-                </a:solidFill>
-                <a:latin typeface="G마켓 산스 Medium" panose="02000000000000000000" pitchFamily="50" charset="-127"/>
-                <a:ea typeface="G마켓 산스 Medium" panose="02000000000000000000" pitchFamily="50" charset="-127"/>
-              </a:rPr>
-              <a:t>. </a:t>
-            </a:r>
-            <a:r>
-              <a:rPr lang="ko-KR" altLang="en-US" sz="3200" smtClean="0">
+              <a:t>3. </a:t>
+            </a:r>
+            <a:r>
+              <a:rPr lang="ko-KR" altLang="en-US" sz="3200">
                 <a:solidFill>
                   <a:schemeClr val="tx1">
                     <a:lumMod val="50000"/>
@@ -5623,13 +5596,6 @@
   <p:clrMapOvr>
     <a:masterClrMapping/>
   </p:clrMapOvr>
-  <p:timing>
-    <p:tnLst>
-      <p:par>
-        <p:cTn id="1" dur="indefinite" restart="never" nodeType="tmRoot"/>
-      </p:par>
-    </p:tnLst>
-  </p:timing>
 </p:sld>
 </file>
 
@@ -5843,7 +5809,7 @@
           <p:cNvPr id="2" name="TextBox 1">
             <a:extLst>
               <a:ext uri="{FF2B5EF4-FFF2-40B4-BE49-F238E27FC236}">
-                <a16:creationId xmlns="" xmlns:a16="http://schemas.microsoft.com/office/drawing/2014/main" id="{76F36AE5-79B5-0B9F-E510-1C27AAC4B649}"/>
+                <a16:creationId xmlns:a16="http://schemas.microsoft.com/office/drawing/2014/main" id="{76F36AE5-79B5-0B9F-E510-1C27AAC4B649}"/>
               </a:ext>
             </a:extLst>
           </p:cNvPr>
@@ -5867,7 +5833,7 @@
           <a:lstStyle/>
           <a:p>
             <a:r>
-              <a:rPr lang="en-US" altLang="ko-KR" sz="6600" smtClean="0">
+              <a:rPr lang="en-US" altLang="ko-KR" sz="6600">
                 <a:solidFill>
                   <a:schemeClr val="bg1"/>
                 </a:solidFill>
@@ -5896,13 +5862,6 @@
   <p:clrMapOvr>
     <a:masterClrMapping/>
   </p:clrMapOvr>
-  <p:timing>
-    <p:tnLst>
-      <p:par>
-        <p:cTn id="1" dur="indefinite" restart="never" nodeType="tmRoot"/>
-      </p:par>
-    </p:tnLst>
-  </p:timing>
 </p:sld>
 </file>
 
@@ -5928,7 +5887,7 @@
           <p:cNvPr id="4" name="TextBox 3">
             <a:extLst>
               <a:ext uri="{FF2B5EF4-FFF2-40B4-BE49-F238E27FC236}">
-                <a16:creationId xmlns="" xmlns:a16="http://schemas.microsoft.com/office/drawing/2014/main" id="{FC45ADBF-CAA8-348D-E57F-358AF9FAC5C1}"/>
+                <a16:creationId xmlns:a16="http://schemas.microsoft.com/office/drawing/2014/main" id="{FC45ADBF-CAA8-348D-E57F-358AF9FAC5C1}"/>
               </a:ext>
             </a:extLst>
           </p:cNvPr>
@@ -5952,7 +5911,7 @@
           <a:lstStyle/>
           <a:p>
             <a:r>
-              <a:rPr lang="en-US" altLang="ko-KR" sz="4800" smtClean="0">
+              <a:rPr lang="en-US" altLang="ko-KR" sz="4800">
                 <a:solidFill>
                   <a:srgbClr val="4C50BC"/>
                 </a:solidFill>
@@ -6000,7 +5959,7 @@
           <p:cNvPr id="6" name="직선 화살표 연결선 5">
             <a:extLst>
               <a:ext uri="{FF2B5EF4-FFF2-40B4-BE49-F238E27FC236}">
-                <a16:creationId xmlns:a16="http://schemas.microsoft.com/office/drawing/2014/main" xmlns="" id="{299DF5EC-9DF4-5255-06AC-0A7CE4FF58C3}"/>
+                <a16:creationId xmlns:a16="http://schemas.microsoft.com/office/drawing/2014/main" id="{299DF5EC-9DF4-5255-06AC-0A7CE4FF58C3}"/>
               </a:ext>
             </a:extLst>
           </p:cNvPr>
@@ -6041,7 +6000,7 @@
           <p:cNvPr id="7" name="직사각형 6">
             <a:extLst>
               <a:ext uri="{FF2B5EF4-FFF2-40B4-BE49-F238E27FC236}">
-                <a16:creationId xmlns:a16="http://schemas.microsoft.com/office/drawing/2014/main" xmlns="" id="{FFF506F9-840A-0508-4CAF-3AC711D8D5CE}"/>
+                <a16:creationId xmlns:a16="http://schemas.microsoft.com/office/drawing/2014/main" id="{FFF506F9-840A-0508-4CAF-3AC711D8D5CE}"/>
               </a:ext>
             </a:extLst>
           </p:cNvPr>
@@ -6093,7 +6052,7 @@
           <p:cNvPr id="8" name="TextBox 7">
             <a:extLst>
               <a:ext uri="{FF2B5EF4-FFF2-40B4-BE49-F238E27FC236}">
-                <a16:creationId xmlns:a16="http://schemas.microsoft.com/office/drawing/2014/main" xmlns="" id="{EDC0CEAC-03B0-6CA0-B904-A9724C34AA11}"/>
+                <a16:creationId xmlns:a16="http://schemas.microsoft.com/office/drawing/2014/main" id="{EDC0CEAC-03B0-6CA0-B904-A9724C34AA11}"/>
               </a:ext>
             </a:extLst>
           </p:cNvPr>
@@ -6117,7 +6076,7 @@
           <a:lstStyle/>
           <a:p>
             <a:r>
-              <a:rPr lang="ko-KR" altLang="en-US" sz="3200" smtClean="0">
+              <a:rPr lang="ko-KR" altLang="en-US" sz="3200">
                 <a:solidFill>
                   <a:srgbClr val="FF0000"/>
                 </a:solidFill>
@@ -6141,7 +6100,7 @@
           <p:cNvPr id="9" name="직선 화살표 연결선 8">
             <a:extLst>
               <a:ext uri="{FF2B5EF4-FFF2-40B4-BE49-F238E27FC236}">
-                <a16:creationId xmlns:a16="http://schemas.microsoft.com/office/drawing/2014/main" xmlns="" id="{299DF5EC-9DF4-5255-06AC-0A7CE4FF58C3}"/>
+                <a16:creationId xmlns:a16="http://schemas.microsoft.com/office/drawing/2014/main" id="{299DF5EC-9DF4-5255-06AC-0A7CE4FF58C3}"/>
               </a:ext>
             </a:extLst>
           </p:cNvPr>
@@ -6182,7 +6141,7 @@
           <p:cNvPr id="10" name="직사각형 9">
             <a:extLst>
               <a:ext uri="{FF2B5EF4-FFF2-40B4-BE49-F238E27FC236}">
-                <a16:creationId xmlns:a16="http://schemas.microsoft.com/office/drawing/2014/main" xmlns="" id="{FFF506F9-840A-0508-4CAF-3AC711D8D5CE}"/>
+                <a16:creationId xmlns:a16="http://schemas.microsoft.com/office/drawing/2014/main" id="{FFF506F9-840A-0508-4CAF-3AC711D8D5CE}"/>
               </a:ext>
             </a:extLst>
           </p:cNvPr>
@@ -6234,7 +6193,7 @@
           <p:cNvPr id="11" name="TextBox 10">
             <a:extLst>
               <a:ext uri="{FF2B5EF4-FFF2-40B4-BE49-F238E27FC236}">
-                <a16:creationId xmlns:a16="http://schemas.microsoft.com/office/drawing/2014/main" xmlns="" id="{EDC0CEAC-03B0-6CA0-B904-A9724C34AA11}"/>
+                <a16:creationId xmlns:a16="http://schemas.microsoft.com/office/drawing/2014/main" id="{EDC0CEAC-03B0-6CA0-B904-A9724C34AA11}"/>
               </a:ext>
             </a:extLst>
           </p:cNvPr>
@@ -6258,7 +6217,7 @@
           <a:lstStyle/>
           <a:p>
             <a:r>
-              <a:rPr lang="ko-KR" altLang="en-US" sz="3200" smtClean="0">
+              <a:rPr lang="ko-KR" altLang="en-US" sz="3200">
                 <a:solidFill>
                   <a:srgbClr val="FF0000"/>
                 </a:solidFill>
@@ -6282,7 +6241,7 @@
           <p:cNvPr id="12" name="직선 화살표 연결선 11">
             <a:extLst>
               <a:ext uri="{FF2B5EF4-FFF2-40B4-BE49-F238E27FC236}">
-                <a16:creationId xmlns:a16="http://schemas.microsoft.com/office/drawing/2014/main" xmlns="" id="{299DF5EC-9DF4-5255-06AC-0A7CE4FF58C3}"/>
+                <a16:creationId xmlns:a16="http://schemas.microsoft.com/office/drawing/2014/main" id="{299DF5EC-9DF4-5255-06AC-0A7CE4FF58C3}"/>
               </a:ext>
             </a:extLst>
           </p:cNvPr>
@@ -6323,7 +6282,7 @@
           <p:cNvPr id="13" name="직사각형 12">
             <a:extLst>
               <a:ext uri="{FF2B5EF4-FFF2-40B4-BE49-F238E27FC236}">
-                <a16:creationId xmlns:a16="http://schemas.microsoft.com/office/drawing/2014/main" xmlns="" id="{FFF506F9-840A-0508-4CAF-3AC711D8D5CE}"/>
+                <a16:creationId xmlns:a16="http://schemas.microsoft.com/office/drawing/2014/main" id="{FFF506F9-840A-0508-4CAF-3AC711D8D5CE}"/>
               </a:ext>
             </a:extLst>
           </p:cNvPr>
@@ -6375,7 +6334,7 @@
           <p:cNvPr id="14" name="TextBox 13">
             <a:extLst>
               <a:ext uri="{FF2B5EF4-FFF2-40B4-BE49-F238E27FC236}">
-                <a16:creationId xmlns:a16="http://schemas.microsoft.com/office/drawing/2014/main" xmlns="" id="{EDC0CEAC-03B0-6CA0-B904-A9724C34AA11}"/>
+                <a16:creationId xmlns:a16="http://schemas.microsoft.com/office/drawing/2014/main" id="{EDC0CEAC-03B0-6CA0-B904-A9724C34AA11}"/>
               </a:ext>
             </a:extLst>
           </p:cNvPr>
@@ -6399,7 +6358,7 @@
           <a:lstStyle/>
           <a:p>
             <a:r>
-              <a:rPr lang="ko-KR" altLang="en-US" sz="3200" smtClean="0">
+              <a:rPr lang="ko-KR" altLang="en-US" sz="3200">
                 <a:solidFill>
                   <a:srgbClr val="FF0000"/>
                 </a:solidFill>
@@ -6881,7 +6840,7 @@
           <p:cNvPr id="5" name="직선 화살표 연결선 4">
             <a:extLst>
               <a:ext uri="{FF2B5EF4-FFF2-40B4-BE49-F238E27FC236}">
-                <a16:creationId xmlns:a16="http://schemas.microsoft.com/office/drawing/2014/main" xmlns="" id="{299DF5EC-9DF4-5255-06AC-0A7CE4FF58C3}"/>
+                <a16:creationId xmlns:a16="http://schemas.microsoft.com/office/drawing/2014/main" id="{299DF5EC-9DF4-5255-06AC-0A7CE4FF58C3}"/>
               </a:ext>
             </a:extLst>
           </p:cNvPr>
@@ -6922,7 +6881,7 @@
           <p:cNvPr id="6" name="직사각형 5">
             <a:extLst>
               <a:ext uri="{FF2B5EF4-FFF2-40B4-BE49-F238E27FC236}">
-                <a16:creationId xmlns:a16="http://schemas.microsoft.com/office/drawing/2014/main" xmlns="" id="{FFF506F9-840A-0508-4CAF-3AC711D8D5CE}"/>
+                <a16:creationId xmlns:a16="http://schemas.microsoft.com/office/drawing/2014/main" id="{FFF506F9-840A-0508-4CAF-3AC711D8D5CE}"/>
               </a:ext>
             </a:extLst>
           </p:cNvPr>
@@ -6974,7 +6933,7 @@
           <p:cNvPr id="7" name="TextBox 6">
             <a:extLst>
               <a:ext uri="{FF2B5EF4-FFF2-40B4-BE49-F238E27FC236}">
-                <a16:creationId xmlns:a16="http://schemas.microsoft.com/office/drawing/2014/main" xmlns="" id="{C6D113C6-EA5C-788F-0C77-E7CE6EBB865F}"/>
+                <a16:creationId xmlns:a16="http://schemas.microsoft.com/office/drawing/2014/main" id="{C6D113C6-EA5C-788F-0C77-E7CE6EBB865F}"/>
               </a:ext>
             </a:extLst>
           </p:cNvPr>
@@ -6998,7 +6957,7 @@
           <a:lstStyle/>
           <a:p>
             <a:r>
-              <a:rPr lang="ko-KR" altLang="en-US" sz="4800" smtClean="0">
+              <a:rPr lang="ko-KR" altLang="en-US" sz="4800">
                 <a:solidFill>
                   <a:srgbClr val="FF0000"/>
                 </a:solidFill>
@@ -7046,7 +7005,7 @@
           <p:cNvPr id="9" name="직선 화살표 연결선 8">
             <a:extLst>
               <a:ext uri="{FF2B5EF4-FFF2-40B4-BE49-F238E27FC236}">
-                <a16:creationId xmlns:a16="http://schemas.microsoft.com/office/drawing/2014/main" xmlns="" id="{299DF5EC-9DF4-5255-06AC-0A7CE4FF58C3}"/>
+                <a16:creationId xmlns:a16="http://schemas.microsoft.com/office/drawing/2014/main" id="{299DF5EC-9DF4-5255-06AC-0A7CE4FF58C3}"/>
               </a:ext>
             </a:extLst>
           </p:cNvPr>
@@ -7087,7 +7046,7 @@
           <p:cNvPr id="10" name="직사각형 9">
             <a:extLst>
               <a:ext uri="{FF2B5EF4-FFF2-40B4-BE49-F238E27FC236}">
-                <a16:creationId xmlns:a16="http://schemas.microsoft.com/office/drawing/2014/main" xmlns="" id="{FFF506F9-840A-0508-4CAF-3AC711D8D5CE}"/>
+                <a16:creationId xmlns:a16="http://schemas.microsoft.com/office/drawing/2014/main" id="{FFF506F9-840A-0508-4CAF-3AC711D8D5CE}"/>
               </a:ext>
             </a:extLst>
           </p:cNvPr>
@@ -7139,7 +7098,7 @@
           <p:cNvPr id="11" name="TextBox 10">
             <a:extLst>
               <a:ext uri="{FF2B5EF4-FFF2-40B4-BE49-F238E27FC236}">
-                <a16:creationId xmlns:a16="http://schemas.microsoft.com/office/drawing/2014/main" xmlns="" id="{C6D113C6-EA5C-788F-0C77-E7CE6EBB865F}"/>
+                <a16:creationId xmlns:a16="http://schemas.microsoft.com/office/drawing/2014/main" id="{C6D113C6-EA5C-788F-0C77-E7CE6EBB865F}"/>
               </a:ext>
             </a:extLst>
           </p:cNvPr>
@@ -7163,7 +7122,7 @@
           <a:lstStyle/>
           <a:p>
             <a:r>
-              <a:rPr lang="ko-KR" altLang="en-US" sz="4800" smtClean="0">
+              <a:rPr lang="ko-KR" altLang="en-US" sz="4800">
                 <a:solidFill>
                   <a:srgbClr val="FF0000"/>
                 </a:solidFill>
@@ -7192,13 +7151,6 @@
   <p:clrMapOvr>
     <a:masterClrMapping/>
   </p:clrMapOvr>
-  <p:timing>
-    <p:tnLst>
-      <p:par>
-        <p:cTn id="1" dur="indefinite" restart="never" nodeType="tmRoot"/>
-      </p:par>
-    </p:tnLst>
-  </p:timing>
 </p:sld>
 </file>
 
@@ -7224,7 +7176,7 @@
           <p:cNvPr id="4" name="TextBox 3">
             <a:extLst>
               <a:ext uri="{FF2B5EF4-FFF2-40B4-BE49-F238E27FC236}">
-                <a16:creationId xmlns="" xmlns:a16="http://schemas.microsoft.com/office/drawing/2014/main" id="{FC45ADBF-CAA8-348D-E57F-358AF9FAC5C1}"/>
+                <a16:creationId xmlns:a16="http://schemas.microsoft.com/office/drawing/2014/main" id="{FC45ADBF-CAA8-348D-E57F-358AF9FAC5C1}"/>
               </a:ext>
             </a:extLst>
           </p:cNvPr>
@@ -7248,7 +7200,7 @@
           <a:lstStyle/>
           <a:p>
             <a:r>
-              <a:rPr lang="en-US" altLang="ko-KR" sz="6600" smtClean="0">
+              <a:rPr lang="en-US" altLang="ko-KR" sz="6600">
                 <a:solidFill>
                   <a:srgbClr val="4C50BC"/>
                 </a:solidFill>
@@ -7258,7 +7210,7 @@
               <a:t>for</a:t>
             </a:r>
             <a:r>
-              <a:rPr lang="ko-KR" altLang="en-US" sz="6600" smtClean="0">
+              <a:rPr lang="ko-KR" altLang="en-US" sz="6600">
                 <a:solidFill>
                   <a:srgbClr val="4C50BC"/>
                 </a:solidFill>
@@ -7268,7 +7220,7 @@
               <a:t>문이 있는데  왜 </a:t>
             </a:r>
             <a:r>
-              <a:rPr lang="en-US" altLang="ko-KR" sz="6600" smtClean="0">
+              <a:rPr lang="en-US" altLang="ko-KR" sz="6600">
                 <a:solidFill>
                   <a:srgbClr val="4C50BC"/>
                 </a:solidFill>
@@ -7278,7 +7230,7 @@
               <a:t>while</a:t>
             </a:r>
             <a:r>
-              <a:rPr lang="ko-KR" altLang="en-US" sz="6600" smtClean="0">
+              <a:rPr lang="ko-KR" altLang="en-US" sz="6600">
                 <a:solidFill>
                   <a:srgbClr val="4C50BC"/>
                 </a:solidFill>
@@ -7288,7 +7240,7 @@
               <a:t>문이 필요할까</a:t>
             </a:r>
             <a:r>
-              <a:rPr lang="en-US" altLang="ko-KR" sz="6600" smtClean="0">
+              <a:rPr lang="en-US" altLang="ko-KR" sz="6600">
                 <a:solidFill>
                   <a:srgbClr val="4C50BC"/>
                 </a:solidFill>
@@ -7317,13 +7269,6 @@
   <p:clrMapOvr>
     <a:masterClrMapping/>
   </p:clrMapOvr>
-  <p:timing>
-    <p:tnLst>
-      <p:par>
-        <p:cTn id="1" dur="indefinite" restart="never" nodeType="tmRoot"/>
-      </p:par>
-    </p:tnLst>
-  </p:timing>
 </p:sld>
 </file>
 
@@ -7607,7 +7552,7 @@
           <p:cNvPr id="81" name="TextBox 80">
             <a:extLst>
               <a:ext uri="{FF2B5EF4-FFF2-40B4-BE49-F238E27FC236}">
-                <a16:creationId xmlns="" xmlns:a16="http://schemas.microsoft.com/office/drawing/2014/main" id="{FC45ADBF-CAA8-348D-E57F-358AF9FAC5C1}"/>
+                <a16:creationId xmlns:a16="http://schemas.microsoft.com/office/drawing/2014/main" id="{FC45ADBF-CAA8-348D-E57F-358AF9FAC5C1}"/>
               </a:ext>
             </a:extLst>
           </p:cNvPr>
@@ -7631,7 +7576,7 @@
           <a:lstStyle/>
           <a:p>
             <a:r>
-              <a:rPr lang="en-US" altLang="ko-KR" sz="6600" smtClean="0">
+              <a:rPr lang="en-US" altLang="ko-KR" sz="6600">
                 <a:solidFill>
                   <a:srgbClr val="4C50BC"/>
                 </a:solidFill>
@@ -7655,7 +7600,7 @@
           <p:cNvPr id="82" name="TextBox 81">
             <a:extLst>
               <a:ext uri="{FF2B5EF4-FFF2-40B4-BE49-F238E27FC236}">
-                <a16:creationId xmlns="" xmlns:a16="http://schemas.microsoft.com/office/drawing/2014/main" id="{FC45ADBF-CAA8-348D-E57F-358AF9FAC5C1}"/>
+                <a16:creationId xmlns:a16="http://schemas.microsoft.com/office/drawing/2014/main" id="{FC45ADBF-CAA8-348D-E57F-358AF9FAC5C1}"/>
               </a:ext>
             </a:extLst>
           </p:cNvPr>
@@ -7679,7 +7624,7 @@
           <a:lstStyle/>
           <a:p>
             <a:r>
-              <a:rPr lang="en-US" altLang="ko-KR" sz="6600" smtClean="0">
+              <a:rPr lang="en-US" altLang="ko-KR" sz="6600">
                 <a:solidFill>
                   <a:srgbClr val="4C50BC"/>
                 </a:solidFill>
@@ -7703,7 +7648,7 @@
           <p:cNvPr id="83" name="TextBox 82">
             <a:extLst>
               <a:ext uri="{FF2B5EF4-FFF2-40B4-BE49-F238E27FC236}">
-                <a16:creationId xmlns="" xmlns:a16="http://schemas.microsoft.com/office/drawing/2014/main" id="{A56A5DDA-8708-D8BE-1148-536DAE867ED1}"/>
+                <a16:creationId xmlns:a16="http://schemas.microsoft.com/office/drawing/2014/main" id="{A56A5DDA-8708-D8BE-1148-536DAE867ED1}"/>
               </a:ext>
             </a:extLst>
           </p:cNvPr>
@@ -7727,7 +7672,7 @@
           <a:lstStyle/>
           <a:p>
             <a:r>
-              <a:rPr lang="ko-KR" altLang="en-US" sz="3200" smtClean="0">
+              <a:rPr lang="ko-KR" altLang="en-US" sz="3200">
                 <a:solidFill>
                   <a:schemeClr val="tx1">
                     <a:lumMod val="50000"/>
@@ -7739,7 +7684,7 @@
               </a:rPr>
               <a:t>횟수가 정해져 있을때 사용한다</a:t>
             </a:r>
-            <a:endParaRPr lang="en-US" altLang="ko-KR" sz="3200" smtClean="0">
+            <a:endParaRPr lang="en-US" altLang="ko-KR" sz="3200">
               <a:solidFill>
                 <a:schemeClr val="tx1">
                   <a:lumMod val="50000"/>
@@ -7757,7 +7702,7 @@
           <p:cNvPr id="84" name="TextBox 83">
             <a:extLst>
               <a:ext uri="{FF2B5EF4-FFF2-40B4-BE49-F238E27FC236}">
-                <a16:creationId xmlns="" xmlns:a16="http://schemas.microsoft.com/office/drawing/2014/main" id="{A56A5DDA-8708-D8BE-1148-536DAE867ED1}"/>
+                <a16:creationId xmlns:a16="http://schemas.microsoft.com/office/drawing/2014/main" id="{A56A5DDA-8708-D8BE-1148-536DAE867ED1}"/>
               </a:ext>
             </a:extLst>
           </p:cNvPr>
@@ -7781,7 +7726,7 @@
           <a:lstStyle/>
           <a:p>
             <a:r>
-              <a:rPr lang="ko-KR" altLang="en-US" sz="3200" smtClean="0">
+              <a:rPr lang="ko-KR" altLang="en-US" sz="3200">
                 <a:solidFill>
                   <a:schemeClr val="tx1">
                     <a:lumMod val="50000"/>
@@ -7864,13 +7809,6 @@
   <p:clrMapOvr>
     <a:masterClrMapping/>
   </p:clrMapOvr>
-  <p:timing>
-    <p:tnLst>
-      <p:par>
-        <p:cTn id="1" dur="indefinite" restart="never" nodeType="tmRoot"/>
-      </p:par>
-    </p:tnLst>
-  </p:timing>
 </p:sld>
 </file>
 
@@ -7920,7 +7858,7 @@
           <p:cNvPr id="5" name="TextBox 4">
             <a:extLst>
               <a:ext uri="{FF2B5EF4-FFF2-40B4-BE49-F238E27FC236}">
-                <a16:creationId xmlns="" xmlns:a16="http://schemas.microsoft.com/office/drawing/2014/main" id="{FC45ADBF-CAA8-348D-E57F-358AF9FAC5C1}"/>
+                <a16:creationId xmlns:a16="http://schemas.microsoft.com/office/drawing/2014/main" id="{FC45ADBF-CAA8-348D-E57F-358AF9FAC5C1}"/>
               </a:ext>
             </a:extLst>
           </p:cNvPr>
@@ -7944,7 +7882,7 @@
           <a:lstStyle/>
           <a:p>
             <a:r>
-              <a:rPr lang="ko-KR" altLang="en-US" sz="6600" smtClean="0">
+              <a:rPr lang="ko-KR" altLang="en-US" sz="6600">
                 <a:solidFill>
                   <a:srgbClr val="4C50BC"/>
                 </a:solidFill>
@@ -7954,7 +7892,7 @@
               <a:t>횟수를 정해놓고 </a:t>
             </a:r>
             <a:r>
-              <a:rPr lang="en-US" altLang="ko-KR" sz="6600" smtClean="0">
+              <a:rPr lang="en-US" altLang="ko-KR" sz="6600">
                 <a:solidFill>
                   <a:srgbClr val="4C50BC"/>
                 </a:solidFill>
@@ -7964,7 +7902,7 @@
               <a:t>for</a:t>
             </a:r>
             <a:r>
-              <a:rPr lang="ko-KR" altLang="en-US" sz="6600" smtClean="0">
+              <a:rPr lang="ko-KR" altLang="en-US" sz="6600">
                 <a:solidFill>
                   <a:srgbClr val="4C50BC"/>
                 </a:solidFill>
@@ -8038,7 +7976,7 @@
           <p:cNvPr id="7" name="직선 화살표 연결선 6">
             <a:extLst>
               <a:ext uri="{FF2B5EF4-FFF2-40B4-BE49-F238E27FC236}">
-                <a16:creationId xmlns:a16="http://schemas.microsoft.com/office/drawing/2014/main" xmlns="" id="{299DF5EC-9DF4-5255-06AC-0A7CE4FF58C3}"/>
+                <a16:creationId xmlns:a16="http://schemas.microsoft.com/office/drawing/2014/main" id="{299DF5EC-9DF4-5255-06AC-0A7CE4FF58C3}"/>
               </a:ext>
             </a:extLst>
           </p:cNvPr>
@@ -8079,7 +8017,7 @@
           <p:cNvPr id="8" name="TextBox 7">
             <a:extLst>
               <a:ext uri="{FF2B5EF4-FFF2-40B4-BE49-F238E27FC236}">
-                <a16:creationId xmlns:a16="http://schemas.microsoft.com/office/drawing/2014/main" xmlns="" id="{C6D113C6-EA5C-788F-0C77-E7CE6EBB865F}"/>
+                <a16:creationId xmlns:a16="http://schemas.microsoft.com/office/drawing/2014/main" id="{C6D113C6-EA5C-788F-0C77-E7CE6EBB865F}"/>
               </a:ext>
             </a:extLst>
           </p:cNvPr>
@@ -8103,7 +8041,7 @@
           <a:lstStyle/>
           <a:p>
             <a:r>
-              <a:rPr lang="ko-KR" altLang="en-US" sz="4800" smtClean="0">
+              <a:rPr lang="ko-KR" altLang="en-US" sz="4800">
                 <a:solidFill>
                   <a:srgbClr val="FF0000"/>
                 </a:solidFill>
@@ -8113,7 +8051,7 @@
               <a:t>이럴거면 </a:t>
             </a:r>
             <a:r>
-              <a:rPr lang="en-US" altLang="ko-KR" sz="4800" smtClean="0">
+              <a:rPr lang="en-US" altLang="ko-KR" sz="4800">
                 <a:solidFill>
                   <a:srgbClr val="FF0000"/>
                 </a:solidFill>
@@ -8123,7 +8061,7 @@
               <a:t>for</a:t>
             </a:r>
             <a:r>
-              <a:rPr lang="ko-KR" altLang="en-US" sz="4800" smtClean="0">
+              <a:rPr lang="ko-KR" altLang="en-US" sz="4800">
                 <a:solidFill>
                   <a:srgbClr val="FF0000"/>
                 </a:solidFill>
@@ -8310,7 +8248,7 @@
           <p:cNvPr id="4" name="TextBox 3">
             <a:extLst>
               <a:ext uri="{FF2B5EF4-FFF2-40B4-BE49-F238E27FC236}">
-                <a16:creationId xmlns="" xmlns:a16="http://schemas.microsoft.com/office/drawing/2014/main" id="{FC45ADBF-CAA8-348D-E57F-358AF9FAC5C1}"/>
+                <a16:creationId xmlns:a16="http://schemas.microsoft.com/office/drawing/2014/main" id="{FC45ADBF-CAA8-348D-E57F-358AF9FAC5C1}"/>
               </a:ext>
             </a:extLst>
           </p:cNvPr>
@@ -8334,7 +8272,7 @@
           <a:lstStyle/>
           <a:p>
             <a:r>
-              <a:rPr lang="ko-KR" altLang="en-US" sz="4800" smtClean="0">
+              <a:rPr lang="ko-KR" altLang="en-US" sz="4800">
                 <a:solidFill>
                   <a:srgbClr val="4C50BC"/>
                 </a:solidFill>
@@ -8368,7 +8306,7 @@
           <p:cNvPr id="5" name="TextBox 4">
             <a:extLst>
               <a:ext uri="{FF2B5EF4-FFF2-40B4-BE49-F238E27FC236}">
-                <a16:creationId xmlns="" xmlns:a16="http://schemas.microsoft.com/office/drawing/2014/main" id="{A56A5DDA-8708-D8BE-1148-536DAE867ED1}"/>
+                <a16:creationId xmlns:a16="http://schemas.microsoft.com/office/drawing/2014/main" id="{A56A5DDA-8708-D8BE-1148-536DAE867ED1}"/>
               </a:ext>
             </a:extLst>
           </p:cNvPr>
@@ -8378,7 +8316,7 @@
         <p:spPr>
           <a:xfrm>
             <a:off x="609600" y="5320725"/>
-            <a:ext cx="13792200" cy="584775"/>
+            <a:ext cx="15468600" cy="584775"/>
           </a:xfrm>
           <a:prstGeom prst="rect">
             <a:avLst/>
@@ -8392,7 +8330,7 @@
           <a:lstStyle/>
           <a:p>
             <a:r>
-              <a:rPr lang="en-US" altLang="ko-KR" sz="3200">
+              <a:rPr lang="en-US" altLang="ko-KR" sz="3200" dirty="0">
                 <a:solidFill>
                   <a:schemeClr val="tx1">
                     <a:lumMod val="50000"/>
@@ -8402,10 +8340,10 @@
                 <a:latin typeface="G마켓 산스 Medium" panose="02000000000000000000" pitchFamily="50" charset="-127"/>
                 <a:ea typeface="G마켓 산스 Medium" panose="02000000000000000000" pitchFamily="50" charset="-127"/>
               </a:rPr>
-              <a:t>2</a:t>
-            </a:r>
-            <a:r>
-              <a:rPr lang="en-US" altLang="ko-KR" sz="3200" smtClean="0">
+              <a:t>2. </a:t>
+            </a:r>
+            <a:r>
+              <a:rPr lang="ko-KR" altLang="en-US" sz="3200" dirty="0">
                 <a:solidFill>
                   <a:schemeClr val="tx1">
                     <a:lumMod val="50000"/>
@@ -8415,10 +8353,10 @@
                 <a:latin typeface="G마켓 산스 Medium" panose="02000000000000000000" pitchFamily="50" charset="-127"/>
                 <a:ea typeface="G마켓 산스 Medium" panose="02000000000000000000" pitchFamily="50" charset="-127"/>
               </a:rPr>
-              <a:t>. </a:t>
-            </a:r>
-            <a:r>
-              <a:rPr lang="ko-KR" altLang="en-US" sz="3200" smtClean="0">
+              <a:t>사용자로부터 숫자를 입력 받아 </a:t>
+            </a:r>
+            <a:r>
+              <a:rPr lang="en-US" altLang="ko-KR" sz="3200" dirty="0">
                 <a:solidFill>
                   <a:schemeClr val="tx1">
                     <a:lumMod val="50000"/>
@@ -8428,10 +8366,10 @@
                 <a:latin typeface="G마켓 산스 Medium" panose="02000000000000000000" pitchFamily="50" charset="-127"/>
                 <a:ea typeface="G마켓 산스 Medium" panose="02000000000000000000" pitchFamily="50" charset="-127"/>
               </a:rPr>
-              <a:t>사용자로부터 숫자를 입력 받아 </a:t>
-            </a:r>
-            <a:r>
-              <a:rPr lang="en-US" altLang="ko-KR" sz="3200" smtClean="0">
+              <a:t>while</a:t>
+            </a:r>
+            <a:r>
+              <a:rPr lang="ko-KR" altLang="en-US" sz="3200" dirty="0">
                 <a:solidFill>
                   <a:schemeClr val="tx1">
                     <a:lumMod val="50000"/>
@@ -8441,10 +8379,10 @@
                 <a:latin typeface="G마켓 산스 Medium" panose="02000000000000000000" pitchFamily="50" charset="-127"/>
                 <a:ea typeface="G마켓 산스 Medium" panose="02000000000000000000" pitchFamily="50" charset="-127"/>
               </a:rPr>
-              <a:t>while</a:t>
-            </a:r>
-            <a:r>
-              <a:rPr lang="ko-KR" altLang="en-US" sz="3200" smtClean="0">
+              <a:t>을 이용해 각 자리의 합을 </a:t>
+            </a:r>
+            <a:r>
+              <a:rPr lang="ko-KR" altLang="en-US" sz="3200" dirty="0" err="1">
                 <a:solidFill>
                   <a:schemeClr val="tx1">
                     <a:lumMod val="50000"/>
@@ -8454,7 +8392,7 @@
                 <a:latin typeface="G마켓 산스 Medium" panose="02000000000000000000" pitchFamily="50" charset="-127"/>
                 <a:ea typeface="G마켓 산스 Medium" panose="02000000000000000000" pitchFamily="50" charset="-127"/>
               </a:rPr>
-              <a:t>을 이용해 각 자리의 합을 구하시오</a:t>
+              <a:t>구하시오</a:t>
             </a:r>
             <a:endParaRPr lang="en-US" altLang="ko-KR" sz="3200" dirty="0">
               <a:solidFill>
@@ -8474,7 +8412,7 @@
           <p:cNvPr id="6" name="TextBox 5">
             <a:extLst>
               <a:ext uri="{FF2B5EF4-FFF2-40B4-BE49-F238E27FC236}">
-                <a16:creationId xmlns="" xmlns:a16="http://schemas.microsoft.com/office/drawing/2014/main" id="{FC45ADBF-CAA8-348D-E57F-358AF9FAC5C1}"/>
+                <a16:creationId xmlns:a16="http://schemas.microsoft.com/office/drawing/2014/main" id="{FC45ADBF-CAA8-348D-E57F-358AF9FAC5C1}"/>
               </a:ext>
             </a:extLst>
           </p:cNvPr>
@@ -8498,7 +8436,7 @@
           <a:lstStyle/>
           <a:p>
             <a:r>
-              <a:rPr lang="ko-KR" altLang="en-US" sz="3200" smtClean="0">
+              <a:rPr lang="ko-KR" altLang="en-US" sz="3200">
                 <a:solidFill>
                   <a:srgbClr val="4C50BC"/>
                 </a:solidFill>
@@ -8508,7 +8446,7 @@
               <a:t>예</a:t>
             </a:r>
             <a:r>
-              <a:rPr lang="en-US" altLang="ko-KR" sz="3200" smtClean="0">
+              <a:rPr lang="en-US" altLang="ko-KR" sz="3200">
                 <a:solidFill>
                   <a:srgbClr val="4C50BC"/>
                 </a:solidFill>
@@ -8532,7 +8470,7 @@
           <p:cNvPr id="7" name="TextBox 6">
             <a:extLst>
               <a:ext uri="{FF2B5EF4-FFF2-40B4-BE49-F238E27FC236}">
-                <a16:creationId xmlns="" xmlns:a16="http://schemas.microsoft.com/office/drawing/2014/main" id="{A56A5DDA-8708-D8BE-1148-536DAE867ED1}"/>
+                <a16:creationId xmlns:a16="http://schemas.microsoft.com/office/drawing/2014/main" id="{A56A5DDA-8708-D8BE-1148-536DAE867ED1}"/>
               </a:ext>
             </a:extLst>
           </p:cNvPr>
@@ -8556,7 +8494,7 @@
           <a:lstStyle/>
           <a:p>
             <a:r>
-              <a:rPr lang="en-US" altLang="ko-KR" sz="3200" smtClean="0">
+              <a:rPr lang="en-US" altLang="ko-KR" sz="3200">
                 <a:solidFill>
                   <a:schemeClr val="tx1">
                     <a:lumMod val="50000"/>
@@ -8566,10 +8504,10 @@
                 <a:latin typeface="G마켓 산스 Medium" panose="02000000000000000000" pitchFamily="50" charset="-127"/>
                 <a:ea typeface="G마켓 산스 Medium" panose="02000000000000000000" pitchFamily="50" charset="-127"/>
               </a:rPr>
-              <a:t>1. </a:t>
-            </a:r>
-            <a:r>
-              <a:rPr lang="en-US" altLang="ko-KR" sz="3200" smtClean="0">
+              <a:t>1. While </a:t>
+            </a:r>
+            <a:r>
+              <a:rPr lang="ko-KR" altLang="en-US" sz="3200">
                 <a:solidFill>
                   <a:schemeClr val="tx1">
                     <a:lumMod val="50000"/>
@@ -8579,10 +8517,10 @@
                 <a:latin typeface="G마켓 산스 Medium" panose="02000000000000000000" pitchFamily="50" charset="-127"/>
                 <a:ea typeface="G마켓 산스 Medium" panose="02000000000000000000" pitchFamily="50" charset="-127"/>
               </a:rPr>
-              <a:t>While </a:t>
-            </a:r>
-            <a:r>
-              <a:rPr lang="ko-KR" altLang="en-US" sz="3200" smtClean="0">
+              <a:t>문을 이용해  </a:t>
+            </a:r>
+            <a:r>
+              <a:rPr lang="en-US" altLang="ko-KR" sz="3200">
                 <a:solidFill>
                   <a:schemeClr val="tx1">
                     <a:lumMod val="50000"/>
@@ -8592,10 +8530,10 @@
                 <a:latin typeface="G마켓 산스 Medium" panose="02000000000000000000" pitchFamily="50" charset="-127"/>
                 <a:ea typeface="G마켓 산스 Medium" panose="02000000000000000000" pitchFamily="50" charset="-127"/>
               </a:rPr>
-              <a:t>문을 이용해  </a:t>
-            </a:r>
-            <a:r>
-              <a:rPr lang="en-US" altLang="ko-KR" sz="3200" smtClean="0">
+              <a:t>1</a:t>
+            </a:r>
+            <a:r>
+              <a:rPr lang="ko-KR" altLang="en-US" sz="3200">
                 <a:solidFill>
                   <a:schemeClr val="tx1">
                     <a:lumMod val="50000"/>
@@ -8605,10 +8543,10 @@
                 <a:latin typeface="G마켓 산스 Medium" panose="02000000000000000000" pitchFamily="50" charset="-127"/>
                 <a:ea typeface="G마켓 산스 Medium" panose="02000000000000000000" pitchFamily="50" charset="-127"/>
               </a:rPr>
-              <a:t>1</a:t>
-            </a:r>
-            <a:r>
-              <a:rPr lang="ko-KR" altLang="en-US" sz="3200" smtClean="0">
+              <a:t>부터 </a:t>
+            </a:r>
+            <a:r>
+              <a:rPr lang="en-US" altLang="ko-KR" sz="3200">
                 <a:solidFill>
                   <a:schemeClr val="tx1">
                     <a:lumMod val="50000"/>
@@ -8618,23 +8556,10 @@
                 <a:latin typeface="G마켓 산스 Medium" panose="02000000000000000000" pitchFamily="50" charset="-127"/>
                 <a:ea typeface="G마켓 산스 Medium" panose="02000000000000000000" pitchFamily="50" charset="-127"/>
               </a:rPr>
-              <a:t>부터 </a:t>
-            </a:r>
-            <a:r>
-              <a:rPr lang="en-US" altLang="ko-KR" sz="3200" smtClean="0">
-                <a:solidFill>
-                  <a:schemeClr val="tx1">
-                    <a:lumMod val="50000"/>
-                    <a:lumOff val="50000"/>
-                  </a:schemeClr>
-                </a:solidFill>
-                <a:latin typeface="G마켓 산스 Medium" panose="02000000000000000000" pitchFamily="50" charset="-127"/>
-                <a:ea typeface="G마켓 산스 Medium" panose="02000000000000000000" pitchFamily="50" charset="-127"/>
-              </a:rPr>
               <a:t>10</a:t>
             </a:r>
             <a:r>
-              <a:rPr lang="ko-KR" altLang="en-US" sz="3200" smtClean="0">
+              <a:rPr lang="ko-KR" altLang="en-US" sz="3200">
                 <a:solidFill>
                   <a:schemeClr val="tx1">
                     <a:lumMod val="50000"/>
@@ -8712,7 +8637,7 @@
           <p:cNvPr id="10" name="TextBox 9">
             <a:extLst>
               <a:ext uri="{FF2B5EF4-FFF2-40B4-BE49-F238E27FC236}">
-                <a16:creationId xmlns="" xmlns:a16="http://schemas.microsoft.com/office/drawing/2014/main" id="{A56A5DDA-8708-D8BE-1148-536DAE867ED1}"/>
+                <a16:creationId xmlns:a16="http://schemas.microsoft.com/office/drawing/2014/main" id="{A56A5DDA-8708-D8BE-1148-536DAE867ED1}"/>
               </a:ext>
             </a:extLst>
           </p:cNvPr>
@@ -8722,7 +8647,7 @@
         <p:spPr>
           <a:xfrm>
             <a:off x="9454662" y="952500"/>
-            <a:ext cx="8833338" cy="1077218"/>
+            <a:ext cx="9366738" cy="1077218"/>
           </a:xfrm>
           <a:prstGeom prst="rect">
             <a:avLst/>
@@ -8736,7 +8661,7 @@
           <a:lstStyle/>
           <a:p>
             <a:r>
-              <a:rPr lang="en-US" altLang="ko-KR" sz="3200" smtClean="0">
+              <a:rPr lang="en-US" altLang="ko-KR" sz="3200" dirty="0">
                 <a:solidFill>
                   <a:schemeClr val="tx1">
                     <a:lumMod val="50000"/>
@@ -8749,7 +8674,7 @@
               <a:t>3. 1+2+3+4…  </a:t>
             </a:r>
             <a:r>
-              <a:rPr lang="ko-KR" altLang="en-US" sz="3200" smtClean="0">
+              <a:rPr lang="ko-KR" altLang="en-US" sz="3200" dirty="0">
                 <a:solidFill>
                   <a:schemeClr val="tx1">
                     <a:lumMod val="50000"/>
@@ -8762,7 +8687,7 @@
               <a:t>합계를 누적하여 몇까지 올라가야 누적합계가 </a:t>
             </a:r>
             <a:r>
-              <a:rPr lang="en-US" altLang="ko-KR" sz="3200" smtClean="0">
+              <a:rPr lang="en-US" altLang="ko-KR" sz="3200" dirty="0">
                 <a:solidFill>
                   <a:schemeClr val="tx1">
                     <a:lumMod val="50000"/>
@@ -8775,7 +8700,7 @@
               <a:t>150</a:t>
             </a:r>
             <a:r>
-              <a:rPr lang="ko-KR" altLang="en-US" sz="3200" smtClean="0">
+              <a:rPr lang="ko-KR" altLang="en-US" sz="3200" dirty="0">
                 <a:solidFill>
                   <a:schemeClr val="tx1">
                     <a:lumMod val="50000"/>
@@ -8785,10 +8710,10 @@
                 <a:latin typeface="G마켓 산스 Medium" panose="02000000000000000000" pitchFamily="50" charset="-127"/>
                 <a:ea typeface="G마켓 산스 Medium" panose="02000000000000000000" pitchFamily="50" charset="-127"/>
               </a:rPr>
-              <a:t>이상 되는지를 출력하시오</a:t>
-            </a:r>
-            <a:r>
-              <a:rPr lang="en-US" altLang="ko-KR" sz="3200" smtClean="0">
+              <a:t>이상 되는지를 </a:t>
+            </a:r>
+            <a:r>
+              <a:rPr lang="ko-KR" altLang="en-US" sz="3200" dirty="0" err="1">
                 <a:solidFill>
                   <a:schemeClr val="tx1">
                     <a:lumMod val="50000"/>
@@ -8798,18 +8723,21 @@
                 <a:latin typeface="G마켓 산스 Medium" panose="02000000000000000000" pitchFamily="50" charset="-127"/>
                 <a:ea typeface="G마켓 산스 Medium" panose="02000000000000000000" pitchFamily="50" charset="-127"/>
               </a:rPr>
+              <a:t>출력하시오</a:t>
+            </a:r>
+            <a:r>
+              <a:rPr lang="en-US" altLang="ko-KR" sz="3200" dirty="0">
+                <a:solidFill>
+                  <a:schemeClr val="tx1">
+                    <a:lumMod val="50000"/>
+                    <a:lumOff val="50000"/>
+                  </a:schemeClr>
+                </a:solidFill>
+                <a:latin typeface="G마켓 산스 Medium" panose="02000000000000000000" pitchFamily="50" charset="-127"/>
+                <a:ea typeface="G마켓 산스 Medium" panose="02000000000000000000" pitchFamily="50" charset="-127"/>
+              </a:rPr>
               <a:t> </a:t>
             </a:r>
-            <a:endParaRPr lang="en-US" altLang="ko-KR" sz="3200" dirty="0">
-              <a:solidFill>
-                <a:schemeClr val="tx1">
-                  <a:lumMod val="50000"/>
-                  <a:lumOff val="50000"/>
-                </a:schemeClr>
-              </a:solidFill>
-              <a:latin typeface="G마켓 산스 Medium" panose="02000000000000000000" pitchFamily="50" charset="-127"/>
-              <a:ea typeface="G마켓 산스 Medium" panose="02000000000000000000" pitchFamily="50" charset="-127"/>
-            </a:endParaRPr>
           </a:p>
         </p:txBody>
       </p:sp>
@@ -8847,13 +8775,6 @@
   <p:clrMapOvr>
     <a:masterClrMapping/>
   </p:clrMapOvr>
-  <p:timing>
-    <p:tnLst>
-      <p:par>
-        <p:cTn id="1" dur="indefinite" restart="never" nodeType="tmRoot"/>
-      </p:par>
-    </p:tnLst>
-  </p:timing>
 </p:sld>
 </file>
 
@@ -9052,7 +8973,7 @@
           <p:cNvPr id="11" name="TextBox 10">
             <a:extLst>
               <a:ext uri="{FF2B5EF4-FFF2-40B4-BE49-F238E27FC236}">
-                <a16:creationId xmlns="" xmlns:a16="http://schemas.microsoft.com/office/drawing/2014/main" id="{9F88F580-08BE-88C2-D640-13F0026591CB}"/>
+                <a16:creationId xmlns:a16="http://schemas.microsoft.com/office/drawing/2014/main" id="{9F88F580-08BE-88C2-D640-13F0026591CB}"/>
               </a:ext>
             </a:extLst>
           </p:cNvPr>
@@ -9110,7 +9031,7 @@
           <p:cNvPr id="13" name="TextBox 12">
             <a:extLst>
               <a:ext uri="{FF2B5EF4-FFF2-40B4-BE49-F238E27FC236}">
-                <a16:creationId xmlns="" xmlns:a16="http://schemas.microsoft.com/office/drawing/2014/main" id="{72769C28-9BB6-DE9C-7B6F-264B77B8DD0E}"/>
+                <a16:creationId xmlns:a16="http://schemas.microsoft.com/office/drawing/2014/main" id="{72769C28-9BB6-DE9C-7B6F-264B77B8DD0E}"/>
               </a:ext>
             </a:extLst>
           </p:cNvPr>
@@ -9158,7 +9079,7 @@
           <p:cNvPr id="14" name="TextBox 13">
             <a:extLst>
               <a:ext uri="{FF2B5EF4-FFF2-40B4-BE49-F238E27FC236}">
-                <a16:creationId xmlns="" xmlns:a16="http://schemas.microsoft.com/office/drawing/2014/main" id="{270FBB6A-01CE-5637-78DA-58F0C974145C}"/>
+                <a16:creationId xmlns:a16="http://schemas.microsoft.com/office/drawing/2014/main" id="{270FBB6A-01CE-5637-78DA-58F0C974145C}"/>
               </a:ext>
             </a:extLst>
           </p:cNvPr>
@@ -9206,7 +9127,7 @@
           <p:cNvPr id="2" name="Object 17">
             <a:extLst>
               <a:ext uri="{FF2B5EF4-FFF2-40B4-BE49-F238E27FC236}">
-                <a16:creationId xmlns="" xmlns:a16="http://schemas.microsoft.com/office/drawing/2014/main" id="{140B283D-FE58-FA6F-6F7C-E0F1DBB62A65}"/>
+                <a16:creationId xmlns:a16="http://schemas.microsoft.com/office/drawing/2014/main" id="{140B283D-FE58-FA6F-6F7C-E0F1DBB62A65}"/>
               </a:ext>
             </a:extLst>
           </p:cNvPr>
@@ -9236,7 +9157,7 @@
           <p:cNvPr id="4" name="TextBox 3">
             <a:extLst>
               <a:ext uri="{FF2B5EF4-FFF2-40B4-BE49-F238E27FC236}">
-                <a16:creationId xmlns="" xmlns:a16="http://schemas.microsoft.com/office/drawing/2014/main" id="{2C8D0998-79BC-6FD2-59D9-8052B4A25F65}"/>
+                <a16:creationId xmlns:a16="http://schemas.microsoft.com/office/drawing/2014/main" id="{2C8D0998-79BC-6FD2-59D9-8052B4A25F65}"/>
               </a:ext>
             </a:extLst>
           </p:cNvPr>
@@ -9304,7 +9225,7 @@
           <p:cNvPr id="5" name="Object 18">
             <a:extLst>
               <a:ext uri="{FF2B5EF4-FFF2-40B4-BE49-F238E27FC236}">
-                <a16:creationId xmlns="" xmlns:a16="http://schemas.microsoft.com/office/drawing/2014/main" id="{3F58EA3E-1018-64D3-FAB2-4F6B9618FA56}"/>
+                <a16:creationId xmlns:a16="http://schemas.microsoft.com/office/drawing/2014/main" id="{3F58EA3E-1018-64D3-FAB2-4F6B9618FA56}"/>
               </a:ext>
             </a:extLst>
           </p:cNvPr>
@@ -9334,7 +9255,7 @@
           <p:cNvPr id="8" name="TextBox 7">
             <a:extLst>
               <a:ext uri="{FF2B5EF4-FFF2-40B4-BE49-F238E27FC236}">
-                <a16:creationId xmlns="" xmlns:a16="http://schemas.microsoft.com/office/drawing/2014/main" id="{681D3F16-7DCF-41AD-F5F1-0558C78C0E4D}"/>
+                <a16:creationId xmlns:a16="http://schemas.microsoft.com/office/drawing/2014/main" id="{681D3F16-7DCF-41AD-F5F1-0558C78C0E4D}"/>
               </a:ext>
             </a:extLst>
           </p:cNvPr>
@@ -9382,13 +9303,6 @@
   <p:clrMapOvr>
     <a:masterClrMapping/>
   </p:clrMapOvr>
-  <p:timing>
-    <p:tnLst>
-      <p:par>
-        <p:cTn id="1" dur="indefinite" restart="never" nodeType="tmRoot"/>
-      </p:par>
-    </p:tnLst>
-  </p:timing>
 </p:sld>
 </file>
 
@@ -9422,7 +9336,7 @@
           <p:cNvPr id="4" name="Object 1">
             <a:extLst>
               <a:ext uri="{FF2B5EF4-FFF2-40B4-BE49-F238E27FC236}">
-                <a16:creationId xmlns="" xmlns:a16="http://schemas.microsoft.com/office/drawing/2014/main" id="{B0329035-BE76-33A8-0F2E-44624FCC1DED}"/>
+                <a16:creationId xmlns:a16="http://schemas.microsoft.com/office/drawing/2014/main" id="{B0329035-BE76-33A8-0F2E-44624FCC1DED}"/>
               </a:ext>
             </a:extLst>
           </p:cNvPr>
@@ -9452,7 +9366,7 @@
           <p:cNvPr id="7" name="그룹 1001">
             <a:extLst>
               <a:ext uri="{FF2B5EF4-FFF2-40B4-BE49-F238E27FC236}">
-                <a16:creationId xmlns="" xmlns:a16="http://schemas.microsoft.com/office/drawing/2014/main" id="{CD24CE9D-AC18-B6CD-F397-7E8E03D6FE26}"/>
+                <a16:creationId xmlns:a16="http://schemas.microsoft.com/office/drawing/2014/main" id="{CD24CE9D-AC18-B6CD-F397-7E8E03D6FE26}"/>
               </a:ext>
             </a:extLst>
           </p:cNvPr>
@@ -9472,7 +9386,7 @@
             <p:cNvPr id="8" name="Object 5">
               <a:extLst>
                 <a:ext uri="{FF2B5EF4-FFF2-40B4-BE49-F238E27FC236}">
-                  <a16:creationId xmlns="" xmlns:a16="http://schemas.microsoft.com/office/drawing/2014/main" id="{0EEF25E8-3BA8-EBAA-6DC2-66D70C3F9F4D}"/>
+                  <a16:creationId xmlns:a16="http://schemas.microsoft.com/office/drawing/2014/main" id="{0EEF25E8-3BA8-EBAA-6DC2-66D70C3F9F4D}"/>
                 </a:ext>
               </a:extLst>
             </p:cNvPr>
@@ -9503,7 +9417,7 @@
           <p:cNvPr id="9" name="그룹 1002">
             <a:extLst>
               <a:ext uri="{FF2B5EF4-FFF2-40B4-BE49-F238E27FC236}">
-                <a16:creationId xmlns="" xmlns:a16="http://schemas.microsoft.com/office/drawing/2014/main" id="{0F281BC9-DE1F-D1FE-E64C-C4640398F00C}"/>
+                <a16:creationId xmlns:a16="http://schemas.microsoft.com/office/drawing/2014/main" id="{0F281BC9-DE1F-D1FE-E64C-C4640398F00C}"/>
               </a:ext>
             </a:extLst>
           </p:cNvPr>
@@ -9523,7 +9437,7 @@
             <p:cNvPr id="10" name="Object 8">
               <a:extLst>
                 <a:ext uri="{FF2B5EF4-FFF2-40B4-BE49-F238E27FC236}">
-                  <a16:creationId xmlns="" xmlns:a16="http://schemas.microsoft.com/office/drawing/2014/main" id="{F669DCEF-04BB-7046-3F7F-5B513213556E}"/>
+                  <a16:creationId xmlns:a16="http://schemas.microsoft.com/office/drawing/2014/main" id="{F669DCEF-04BB-7046-3F7F-5B513213556E}"/>
                 </a:ext>
               </a:extLst>
             </p:cNvPr>
@@ -9554,7 +9468,7 @@
           <p:cNvPr id="11" name="그룹 1003">
             <a:extLst>
               <a:ext uri="{FF2B5EF4-FFF2-40B4-BE49-F238E27FC236}">
-                <a16:creationId xmlns="" xmlns:a16="http://schemas.microsoft.com/office/drawing/2014/main" id="{1F91EEF9-13EA-BB7F-B056-D35E7DB989AC}"/>
+                <a16:creationId xmlns:a16="http://schemas.microsoft.com/office/drawing/2014/main" id="{1F91EEF9-13EA-BB7F-B056-D35E7DB989AC}"/>
               </a:ext>
             </a:extLst>
           </p:cNvPr>
@@ -9574,7 +9488,7 @@
             <p:cNvPr id="12" name="Object 11">
               <a:extLst>
                 <a:ext uri="{FF2B5EF4-FFF2-40B4-BE49-F238E27FC236}">
-                  <a16:creationId xmlns="" xmlns:a16="http://schemas.microsoft.com/office/drawing/2014/main" id="{2CFFB217-AEFB-2C9E-5F86-6EE19510FFC6}"/>
+                  <a16:creationId xmlns:a16="http://schemas.microsoft.com/office/drawing/2014/main" id="{2CFFB217-AEFB-2C9E-5F86-6EE19510FFC6}"/>
                 </a:ext>
               </a:extLst>
             </p:cNvPr>
@@ -9605,7 +9519,7 @@
           <p:cNvPr id="13" name="그룹 1004">
             <a:extLst>
               <a:ext uri="{FF2B5EF4-FFF2-40B4-BE49-F238E27FC236}">
-                <a16:creationId xmlns="" xmlns:a16="http://schemas.microsoft.com/office/drawing/2014/main" id="{123B9C7E-94E8-E7E1-81BE-D59EA0299187}"/>
+                <a16:creationId xmlns:a16="http://schemas.microsoft.com/office/drawing/2014/main" id="{123B9C7E-94E8-E7E1-81BE-D59EA0299187}"/>
               </a:ext>
             </a:extLst>
           </p:cNvPr>
@@ -9625,7 +9539,7 @@
             <p:cNvPr id="14" name="Object 14">
               <a:extLst>
                 <a:ext uri="{FF2B5EF4-FFF2-40B4-BE49-F238E27FC236}">
-                  <a16:creationId xmlns="" xmlns:a16="http://schemas.microsoft.com/office/drawing/2014/main" id="{B6291552-2D89-A79F-7ACD-EA0EF9A4C389}"/>
+                  <a16:creationId xmlns:a16="http://schemas.microsoft.com/office/drawing/2014/main" id="{B6291552-2D89-A79F-7ACD-EA0EF9A4C389}"/>
                 </a:ext>
               </a:extLst>
             </p:cNvPr>
@@ -9656,7 +9570,7 @@
           <p:cNvPr id="15" name="TextBox 14">
             <a:extLst>
               <a:ext uri="{FF2B5EF4-FFF2-40B4-BE49-F238E27FC236}">
-                <a16:creationId xmlns="" xmlns:a16="http://schemas.microsoft.com/office/drawing/2014/main" id="{7D99763A-FC24-23F5-5BA9-D7B042E0F323}"/>
+                <a16:creationId xmlns:a16="http://schemas.microsoft.com/office/drawing/2014/main" id="{7D99763A-FC24-23F5-5BA9-D7B042E0F323}"/>
               </a:ext>
             </a:extLst>
           </p:cNvPr>
@@ -9687,17 +9601,7 @@
                 <a:latin typeface="G마켓 산스 Medium" panose="02000000000000000000" pitchFamily="50" charset="-127"/>
                 <a:ea typeface="G마켓 산스 Medium" panose="02000000000000000000" pitchFamily="50" charset="-127"/>
               </a:rPr>
-              <a:t>d</a:t>
-            </a:r>
-            <a:r>
-              <a:rPr lang="en-US" altLang="ko-KR" sz="6600" smtClean="0">
-                <a:solidFill>
-                  <a:schemeClr val="bg1"/>
-                </a:solidFill>
-                <a:latin typeface="G마켓 산스 Medium" panose="02000000000000000000" pitchFamily="50" charset="-127"/>
-                <a:ea typeface="G마켓 산스 Medium" panose="02000000000000000000" pitchFamily="50" charset="-127"/>
-              </a:rPr>
-              <a:t>o while</a:t>
+              <a:t>do while</a:t>
             </a:r>
             <a:endParaRPr lang="ko-KR" altLang="en-US" sz="2800" dirty="0">
               <a:solidFill>
@@ -9719,13 +9623,6 @@
   <p:clrMapOvr>
     <a:masterClrMapping/>
   </p:clrMapOvr>
-  <p:timing>
-    <p:tnLst>
-      <p:par>
-        <p:cTn id="1" dur="indefinite" restart="never" nodeType="tmRoot"/>
-      </p:par>
-    </p:tnLst>
-  </p:timing>
 </p:sld>
 </file>
 
@@ -9751,7 +9648,7 @@
           <p:cNvPr id="4" name="TextBox 3">
             <a:extLst>
               <a:ext uri="{FF2B5EF4-FFF2-40B4-BE49-F238E27FC236}">
-                <a16:creationId xmlns="" xmlns:a16="http://schemas.microsoft.com/office/drawing/2014/main" id="{FC45ADBF-CAA8-348D-E57F-358AF9FAC5C1}"/>
+                <a16:creationId xmlns:a16="http://schemas.microsoft.com/office/drawing/2014/main" id="{FC45ADBF-CAA8-348D-E57F-358AF9FAC5C1}"/>
               </a:ext>
             </a:extLst>
           </p:cNvPr>
@@ -9775,7 +9672,7 @@
           <a:lstStyle/>
           <a:p>
             <a:r>
-              <a:rPr lang="en-US" altLang="ko-KR" sz="4800" smtClean="0">
+              <a:rPr lang="en-US" altLang="ko-KR" sz="4800">
                 <a:solidFill>
                   <a:srgbClr val="4C50BC"/>
                 </a:solidFill>
@@ -9823,7 +9720,7 @@
           <p:cNvPr id="6" name="직선 화살표 연결선 5">
             <a:extLst>
               <a:ext uri="{FF2B5EF4-FFF2-40B4-BE49-F238E27FC236}">
-                <a16:creationId xmlns:a16="http://schemas.microsoft.com/office/drawing/2014/main" xmlns="" id="{299DF5EC-9DF4-5255-06AC-0A7CE4FF58C3}"/>
+                <a16:creationId xmlns:a16="http://schemas.microsoft.com/office/drawing/2014/main" id="{299DF5EC-9DF4-5255-06AC-0A7CE4FF58C3}"/>
               </a:ext>
             </a:extLst>
           </p:cNvPr>
@@ -9864,7 +9761,7 @@
           <p:cNvPr id="7" name="직사각형 6">
             <a:extLst>
               <a:ext uri="{FF2B5EF4-FFF2-40B4-BE49-F238E27FC236}">
-                <a16:creationId xmlns:a16="http://schemas.microsoft.com/office/drawing/2014/main" xmlns="" id="{FFF506F9-840A-0508-4CAF-3AC711D8D5CE}"/>
+                <a16:creationId xmlns:a16="http://schemas.microsoft.com/office/drawing/2014/main" id="{FFF506F9-840A-0508-4CAF-3AC711D8D5CE}"/>
               </a:ext>
             </a:extLst>
           </p:cNvPr>
@@ -9916,7 +9813,7 @@
           <p:cNvPr id="8" name="TextBox 7">
             <a:extLst>
               <a:ext uri="{FF2B5EF4-FFF2-40B4-BE49-F238E27FC236}">
-                <a16:creationId xmlns:a16="http://schemas.microsoft.com/office/drawing/2014/main" xmlns="" id="{C6D113C6-EA5C-788F-0C77-E7CE6EBB865F}"/>
+                <a16:creationId xmlns:a16="http://schemas.microsoft.com/office/drawing/2014/main" id="{C6D113C6-EA5C-788F-0C77-E7CE6EBB865F}"/>
               </a:ext>
             </a:extLst>
           </p:cNvPr>
@@ -9940,7 +9837,7 @@
           <a:lstStyle/>
           <a:p>
             <a:r>
-              <a:rPr lang="ko-KR" altLang="en-US" sz="4000" smtClean="0">
+              <a:rPr lang="ko-KR" altLang="en-US" sz="4000">
                 <a:solidFill>
                   <a:srgbClr val="FF0000"/>
                 </a:solidFill>
@@ -9950,7 +9847,7 @@
               <a:t>최초 </a:t>
             </a:r>
             <a:r>
-              <a:rPr lang="en-US" altLang="ko-KR" sz="4000" smtClean="0">
+              <a:rPr lang="en-US" altLang="ko-KR" sz="4000">
                 <a:solidFill>
                   <a:srgbClr val="FF0000"/>
                 </a:solidFill>
@@ -9960,7 +9857,7 @@
               <a:t>1</a:t>
             </a:r>
             <a:r>
-              <a:rPr lang="ko-KR" altLang="en-US" sz="4000" smtClean="0">
+              <a:rPr lang="ko-KR" altLang="en-US" sz="4000">
                 <a:solidFill>
                   <a:srgbClr val="FF0000"/>
                 </a:solidFill>
@@ -9970,7 +9867,7 @@
               <a:t>번은 무조건 실행된다</a:t>
             </a:r>
             <a:r>
-              <a:rPr lang="en-US" altLang="ko-KR" sz="4000" smtClean="0">
+              <a:rPr lang="en-US" altLang="ko-KR" sz="4000">
                 <a:solidFill>
                   <a:srgbClr val="FF0000"/>
                 </a:solidFill>
@@ -9994,7 +9891,7 @@
           <p:cNvPr id="9" name="직사각형 8">
             <a:extLst>
               <a:ext uri="{FF2B5EF4-FFF2-40B4-BE49-F238E27FC236}">
-                <a16:creationId xmlns:a16="http://schemas.microsoft.com/office/drawing/2014/main" xmlns="" id="{FFF506F9-840A-0508-4CAF-3AC711D8D5CE}"/>
+                <a16:creationId xmlns:a16="http://schemas.microsoft.com/office/drawing/2014/main" id="{FFF506F9-840A-0508-4CAF-3AC711D8D5CE}"/>
               </a:ext>
             </a:extLst>
           </p:cNvPr>
@@ -10046,7 +9943,7 @@
           <p:cNvPr id="10" name="직선 화살표 연결선 9">
             <a:extLst>
               <a:ext uri="{FF2B5EF4-FFF2-40B4-BE49-F238E27FC236}">
-                <a16:creationId xmlns:a16="http://schemas.microsoft.com/office/drawing/2014/main" xmlns="" id="{299DF5EC-9DF4-5255-06AC-0A7CE4FF58C3}"/>
+                <a16:creationId xmlns:a16="http://schemas.microsoft.com/office/drawing/2014/main" id="{299DF5EC-9DF4-5255-06AC-0A7CE4FF58C3}"/>
               </a:ext>
             </a:extLst>
           </p:cNvPr>
@@ -10087,7 +9984,7 @@
           <p:cNvPr id="11" name="TextBox 10">
             <a:extLst>
               <a:ext uri="{FF2B5EF4-FFF2-40B4-BE49-F238E27FC236}">
-                <a16:creationId xmlns:a16="http://schemas.microsoft.com/office/drawing/2014/main" xmlns="" id="{C6D113C6-EA5C-788F-0C77-E7CE6EBB865F}"/>
+                <a16:creationId xmlns:a16="http://schemas.microsoft.com/office/drawing/2014/main" id="{C6D113C6-EA5C-788F-0C77-E7CE6EBB865F}"/>
               </a:ext>
             </a:extLst>
           </p:cNvPr>
@@ -10111,7 +10008,7 @@
           <a:lstStyle/>
           <a:p>
             <a:r>
-              <a:rPr lang="ko-KR" altLang="en-US" sz="4000" smtClean="0">
+              <a:rPr lang="ko-KR" altLang="en-US" sz="4000">
                 <a:solidFill>
                   <a:srgbClr val="FF0000"/>
                 </a:solidFill>
@@ -10121,7 +10018,7 @@
               <a:t>세미콜론을 붙여 줘야 한다</a:t>
             </a:r>
             <a:r>
-              <a:rPr lang="en-US" altLang="ko-KR" sz="4000" smtClean="0">
+              <a:rPr lang="en-US" altLang="ko-KR" sz="4000">
                 <a:solidFill>
                   <a:srgbClr val="FF0000"/>
                 </a:solidFill>
@@ -10150,13 +10047,6 @@
   <p:clrMapOvr>
     <a:masterClrMapping/>
   </p:clrMapOvr>
-  <p:timing>
-    <p:tnLst>
-      <p:par>
-        <p:cTn id="1" dur="indefinite" restart="never" nodeType="tmRoot"/>
-      </p:par>
-    </p:tnLst>
-  </p:timing>
 </p:sld>
 </file>
 
@@ -10182,7 +10072,7 @@
           <p:cNvPr id="4" name="TextBox 3">
             <a:extLst>
               <a:ext uri="{FF2B5EF4-FFF2-40B4-BE49-F238E27FC236}">
-                <a16:creationId xmlns="" xmlns:a16="http://schemas.microsoft.com/office/drawing/2014/main" id="{FC45ADBF-CAA8-348D-E57F-358AF9FAC5C1}"/>
+                <a16:creationId xmlns:a16="http://schemas.microsoft.com/office/drawing/2014/main" id="{FC45ADBF-CAA8-348D-E57F-358AF9FAC5C1}"/>
               </a:ext>
             </a:extLst>
           </p:cNvPr>
@@ -10206,7 +10096,7 @@
           <a:lstStyle/>
           <a:p>
             <a:r>
-              <a:rPr lang="ko-KR" altLang="en-US" sz="4800" smtClean="0">
+              <a:rPr lang="ko-KR" altLang="en-US" sz="4800">
                 <a:solidFill>
                   <a:srgbClr val="4C50BC"/>
                 </a:solidFill>
@@ -10216,7 +10106,7 @@
               <a:t>실습문제</a:t>
             </a:r>
             <a:r>
-              <a:rPr lang="en-US" altLang="ko-KR" sz="4800" smtClean="0">
+              <a:rPr lang="en-US" altLang="ko-KR" sz="4800">
                 <a:solidFill>
                   <a:srgbClr val="4C50BC"/>
                 </a:solidFill>
@@ -10240,7 +10130,7 @@
           <p:cNvPr id="5" name="TextBox 4">
             <a:extLst>
               <a:ext uri="{FF2B5EF4-FFF2-40B4-BE49-F238E27FC236}">
-                <a16:creationId xmlns="" xmlns:a16="http://schemas.microsoft.com/office/drawing/2014/main" id="{A56A5DDA-8708-D8BE-1148-536DAE867ED1}"/>
+                <a16:creationId xmlns:a16="http://schemas.microsoft.com/office/drawing/2014/main" id="{A56A5DDA-8708-D8BE-1148-536DAE867ED1}"/>
               </a:ext>
             </a:extLst>
           </p:cNvPr>
@@ -10264,7 +10154,7 @@
           <a:lstStyle/>
           <a:p>
             <a:r>
-              <a:rPr lang="en-US" altLang="ko-KR" sz="3200">
+              <a:rPr lang="en-US" altLang="ko-KR" sz="3200" dirty="0">
                 <a:solidFill>
                   <a:schemeClr val="tx1">
                     <a:lumMod val="50000"/>
@@ -10274,10 +10164,10 @@
                 <a:latin typeface="G마켓 산스 Medium" panose="02000000000000000000" pitchFamily="50" charset="-127"/>
                 <a:ea typeface="G마켓 산스 Medium" panose="02000000000000000000" pitchFamily="50" charset="-127"/>
               </a:rPr>
-              <a:t>2</a:t>
-            </a:r>
-            <a:r>
-              <a:rPr lang="en-US" altLang="ko-KR" sz="3200" smtClean="0">
+              <a:t>2. do while</a:t>
+            </a:r>
+            <a:r>
+              <a:rPr lang="ko-KR" altLang="en-US" sz="3200" dirty="0">
                 <a:solidFill>
                   <a:schemeClr val="tx1">
                     <a:lumMod val="50000"/>
@@ -10287,149 +10177,7 @@
                 <a:latin typeface="G마켓 산스 Medium" panose="02000000000000000000" pitchFamily="50" charset="-127"/>
                 <a:ea typeface="G마켓 산스 Medium" panose="02000000000000000000" pitchFamily="50" charset="-127"/>
               </a:rPr>
-              <a:t>. </a:t>
-            </a:r>
-            <a:r>
-              <a:rPr lang="en-US" altLang="ko-KR" sz="3200">
-                <a:solidFill>
-                  <a:schemeClr val="tx1">
-                    <a:lumMod val="50000"/>
-                    <a:lumOff val="50000"/>
-                  </a:schemeClr>
-                </a:solidFill>
-                <a:latin typeface="G마켓 산스 Medium" panose="02000000000000000000" pitchFamily="50" charset="-127"/>
-                <a:ea typeface="G마켓 산스 Medium" panose="02000000000000000000" pitchFamily="50" charset="-127"/>
-              </a:rPr>
-              <a:t>d</a:t>
-            </a:r>
-            <a:r>
-              <a:rPr lang="en-US" altLang="ko-KR" sz="3200" smtClean="0">
-                <a:solidFill>
-                  <a:schemeClr val="tx1">
-                    <a:lumMod val="50000"/>
-                    <a:lumOff val="50000"/>
-                  </a:schemeClr>
-                </a:solidFill>
-                <a:latin typeface="G마켓 산스 Medium" panose="02000000000000000000" pitchFamily="50" charset="-127"/>
-                <a:ea typeface="G마켓 산스 Medium" panose="02000000000000000000" pitchFamily="50" charset="-127"/>
-              </a:rPr>
-              <a:t>o while</a:t>
-            </a:r>
-            <a:r>
-              <a:rPr lang="ko-KR" altLang="en-US" sz="3200" smtClean="0">
-                <a:solidFill>
-                  <a:schemeClr val="tx1">
-                    <a:lumMod val="50000"/>
-                    <a:lumOff val="50000"/>
-                  </a:schemeClr>
-                </a:solidFill>
-                <a:latin typeface="G마켓 산스 Medium" panose="02000000000000000000" pitchFamily="50" charset="-127"/>
-                <a:ea typeface="G마켓 산스 Medium" panose="02000000000000000000" pitchFamily="50" charset="-127"/>
-              </a:rPr>
               <a:t>문을 이용하여 숫자 맞추기 게임을 만들어보자</a:t>
-            </a:r>
-            <a:endParaRPr lang="en-US" altLang="ko-KR" sz="3200" smtClean="0">
-              <a:solidFill>
-                <a:schemeClr val="tx1">
-                  <a:lumMod val="50000"/>
-                  <a:lumOff val="50000"/>
-                </a:schemeClr>
-              </a:solidFill>
-              <a:latin typeface="G마켓 산스 Medium" panose="02000000000000000000" pitchFamily="50" charset="-127"/>
-              <a:ea typeface="G마켓 산스 Medium" panose="02000000000000000000" pitchFamily="50" charset="-127"/>
-            </a:endParaRPr>
-          </a:p>
-          <a:p>
-            <a:r>
-              <a:rPr lang="en-US" altLang="ko-KR" sz="3200">
-                <a:solidFill>
-                  <a:schemeClr val="tx1">
-                    <a:lumMod val="50000"/>
-                    <a:lumOff val="50000"/>
-                  </a:schemeClr>
-                </a:solidFill>
-                <a:latin typeface="G마켓 산스 Medium" panose="02000000000000000000" pitchFamily="50" charset="-127"/>
-                <a:ea typeface="G마켓 산스 Medium" panose="02000000000000000000" pitchFamily="50" charset="-127"/>
-              </a:rPr>
-              <a:t> </a:t>
-            </a:r>
-            <a:r>
-              <a:rPr lang="ko-KR" altLang="en-US" sz="3200" smtClean="0">
-                <a:solidFill>
-                  <a:schemeClr val="tx1">
-                    <a:lumMod val="50000"/>
-                    <a:lumOff val="50000"/>
-                  </a:schemeClr>
-                </a:solidFill>
-                <a:latin typeface="G마켓 산스 Medium" panose="02000000000000000000" pitchFamily="50" charset="-127"/>
-                <a:ea typeface="G마켓 산스 Medium" panose="02000000000000000000" pitchFamily="50" charset="-127"/>
-              </a:rPr>
-              <a:t>컴퓨터는 </a:t>
-            </a:r>
-            <a:r>
-              <a:rPr lang="en-US" altLang="ko-KR" sz="3200" smtClean="0">
-                <a:solidFill>
-                  <a:schemeClr val="tx1">
-                    <a:lumMod val="50000"/>
-                    <a:lumOff val="50000"/>
-                  </a:schemeClr>
-                </a:solidFill>
-                <a:latin typeface="G마켓 산스 Medium" panose="02000000000000000000" pitchFamily="50" charset="-127"/>
-                <a:ea typeface="G마켓 산스 Medium" panose="02000000000000000000" pitchFamily="50" charset="-127"/>
-              </a:rPr>
-              <a:t>1~100</a:t>
-            </a:r>
-            <a:r>
-              <a:rPr lang="ko-KR" altLang="en-US" sz="3200" smtClean="0">
-                <a:solidFill>
-                  <a:schemeClr val="tx1">
-                    <a:lumMod val="50000"/>
-                    <a:lumOff val="50000"/>
-                  </a:schemeClr>
-                </a:solidFill>
-                <a:latin typeface="G마켓 산스 Medium" panose="02000000000000000000" pitchFamily="50" charset="-127"/>
-                <a:ea typeface="G마켓 산스 Medium" panose="02000000000000000000" pitchFamily="50" charset="-127"/>
-              </a:rPr>
-              <a:t>사이의 랜덤한 숫자를 저장하고 유저는  숫자를 입력받아 값을 맞추도록하자</a:t>
-            </a:r>
-            <a:r>
-              <a:rPr lang="en-US" altLang="ko-KR" sz="3200" smtClean="0">
-                <a:solidFill>
-                  <a:schemeClr val="tx1">
-                    <a:lumMod val="50000"/>
-                    <a:lumOff val="50000"/>
-                  </a:schemeClr>
-                </a:solidFill>
-                <a:latin typeface="G마켓 산스 Medium" panose="02000000000000000000" pitchFamily="50" charset="-127"/>
-                <a:ea typeface="G마켓 산스 Medium" panose="02000000000000000000" pitchFamily="50" charset="-127"/>
-              </a:rPr>
-              <a:t>(</a:t>
-            </a:r>
-            <a:r>
-              <a:rPr lang="ko-KR" altLang="en-US" sz="3200" smtClean="0">
-                <a:solidFill>
-                  <a:schemeClr val="tx1">
-                    <a:lumMod val="50000"/>
-                    <a:lumOff val="50000"/>
-                  </a:schemeClr>
-                </a:solidFill>
-                <a:latin typeface="G마켓 산스 Medium" panose="02000000000000000000" pitchFamily="50" charset="-127"/>
-                <a:ea typeface="G마켓 산스 Medium" panose="02000000000000000000" pitchFamily="50" charset="-127"/>
-              </a:rPr>
-              <a:t>정답을 맞출시 몇번만에 성공한것인지 출력</a:t>
-            </a:r>
-            <a:r>
-              <a:rPr lang="en-US" altLang="ko-KR" sz="3200" smtClean="0">
-                <a:solidFill>
-                  <a:schemeClr val="tx1">
-                    <a:lumMod val="50000"/>
-                    <a:lumOff val="50000"/>
-                  </a:schemeClr>
-                </a:solidFill>
-                <a:latin typeface="G마켓 산스 Medium" panose="02000000000000000000" pitchFamily="50" charset="-127"/>
-                <a:ea typeface="G마켓 산스 Medium" panose="02000000000000000000" pitchFamily="50" charset="-127"/>
-              </a:rPr>
-              <a:t>)</a:t>
             </a:r>
             <a:endParaRPr lang="en-US" altLang="ko-KR" sz="3200" dirty="0">
               <a:solidFill>
@@ -10442,6 +10190,242 @@
               <a:ea typeface="G마켓 산스 Medium" panose="02000000000000000000" pitchFamily="50" charset="-127"/>
             </a:endParaRPr>
           </a:p>
+          <a:p>
+            <a:r>
+              <a:rPr lang="en-US" altLang="ko-KR" sz="3200" dirty="0">
+                <a:solidFill>
+                  <a:schemeClr val="tx1">
+                    <a:lumMod val="50000"/>
+                    <a:lumOff val="50000"/>
+                  </a:schemeClr>
+                </a:solidFill>
+                <a:latin typeface="G마켓 산스 Medium" panose="02000000000000000000" pitchFamily="50" charset="-127"/>
+                <a:ea typeface="G마켓 산스 Medium" panose="02000000000000000000" pitchFamily="50" charset="-127"/>
+              </a:rPr>
+              <a:t> </a:t>
+            </a:r>
+            <a:r>
+              <a:rPr lang="ko-KR" altLang="en-US" sz="3200" dirty="0">
+                <a:solidFill>
+                  <a:schemeClr val="tx1">
+                    <a:lumMod val="50000"/>
+                    <a:lumOff val="50000"/>
+                  </a:schemeClr>
+                </a:solidFill>
+                <a:latin typeface="G마켓 산스 Medium" panose="02000000000000000000" pitchFamily="50" charset="-127"/>
+                <a:ea typeface="G마켓 산스 Medium" panose="02000000000000000000" pitchFamily="50" charset="-127"/>
+              </a:rPr>
+              <a:t>컴퓨터는 </a:t>
+            </a:r>
+            <a:r>
+              <a:rPr lang="en-US" altLang="ko-KR" sz="3200" dirty="0">
+                <a:solidFill>
+                  <a:schemeClr val="tx1">
+                    <a:lumMod val="50000"/>
+                    <a:lumOff val="50000"/>
+                  </a:schemeClr>
+                </a:solidFill>
+                <a:latin typeface="G마켓 산스 Medium" panose="02000000000000000000" pitchFamily="50" charset="-127"/>
+                <a:ea typeface="G마켓 산스 Medium" panose="02000000000000000000" pitchFamily="50" charset="-127"/>
+              </a:rPr>
+              <a:t>1~100</a:t>
+            </a:r>
+            <a:r>
+              <a:rPr lang="ko-KR" altLang="en-US" sz="3200" dirty="0">
+                <a:solidFill>
+                  <a:schemeClr val="tx1">
+                    <a:lumMod val="50000"/>
+                    <a:lumOff val="50000"/>
+                  </a:schemeClr>
+                </a:solidFill>
+                <a:latin typeface="G마켓 산스 Medium" panose="02000000000000000000" pitchFamily="50" charset="-127"/>
+                <a:ea typeface="G마켓 산스 Medium" panose="02000000000000000000" pitchFamily="50" charset="-127"/>
+              </a:rPr>
+              <a:t>사이의 </a:t>
+            </a:r>
+            <a:r>
+              <a:rPr lang="ko-KR" altLang="en-US" sz="3200" dirty="0" err="1">
+                <a:solidFill>
+                  <a:schemeClr val="tx1">
+                    <a:lumMod val="50000"/>
+                    <a:lumOff val="50000"/>
+                  </a:schemeClr>
+                </a:solidFill>
+                <a:latin typeface="G마켓 산스 Medium" panose="02000000000000000000" pitchFamily="50" charset="-127"/>
+                <a:ea typeface="G마켓 산스 Medium" panose="02000000000000000000" pitchFamily="50" charset="-127"/>
+              </a:rPr>
+              <a:t>랜덤한</a:t>
+            </a:r>
+            <a:r>
+              <a:rPr lang="ko-KR" altLang="en-US" sz="3200" dirty="0">
+                <a:solidFill>
+                  <a:schemeClr val="tx1">
+                    <a:lumMod val="50000"/>
+                    <a:lumOff val="50000"/>
+                  </a:schemeClr>
+                </a:solidFill>
+                <a:latin typeface="G마켓 산스 Medium" panose="02000000000000000000" pitchFamily="50" charset="-127"/>
+                <a:ea typeface="G마켓 산스 Medium" panose="02000000000000000000" pitchFamily="50" charset="-127"/>
+              </a:rPr>
+              <a:t> 숫자를 저장하고 유저는  숫자를 </a:t>
+            </a:r>
+            <a:r>
+              <a:rPr lang="ko-KR" altLang="en-US" sz="3200" dirty="0" err="1">
+                <a:solidFill>
+                  <a:schemeClr val="tx1">
+                    <a:lumMod val="50000"/>
+                    <a:lumOff val="50000"/>
+                  </a:schemeClr>
+                </a:solidFill>
+                <a:latin typeface="G마켓 산스 Medium" panose="02000000000000000000" pitchFamily="50" charset="-127"/>
+                <a:ea typeface="G마켓 산스 Medium" panose="02000000000000000000" pitchFamily="50" charset="-127"/>
+              </a:rPr>
+              <a:t>입력받아</a:t>
+            </a:r>
+            <a:r>
+              <a:rPr lang="ko-KR" altLang="en-US" sz="3200" dirty="0">
+                <a:solidFill>
+                  <a:schemeClr val="tx1">
+                    <a:lumMod val="50000"/>
+                    <a:lumOff val="50000"/>
+                  </a:schemeClr>
+                </a:solidFill>
+                <a:latin typeface="G마켓 산스 Medium" panose="02000000000000000000" pitchFamily="50" charset="-127"/>
+                <a:ea typeface="G마켓 산스 Medium" panose="02000000000000000000" pitchFamily="50" charset="-127"/>
+              </a:rPr>
+              <a:t> 값을 </a:t>
+            </a:r>
+            <a:r>
+              <a:rPr lang="ko-KR" altLang="en-US" sz="3200" dirty="0" err="1">
+                <a:solidFill>
+                  <a:schemeClr val="tx1">
+                    <a:lumMod val="50000"/>
+                    <a:lumOff val="50000"/>
+                  </a:schemeClr>
+                </a:solidFill>
+                <a:latin typeface="G마켓 산스 Medium" panose="02000000000000000000" pitchFamily="50" charset="-127"/>
+                <a:ea typeface="G마켓 산스 Medium" panose="02000000000000000000" pitchFamily="50" charset="-127"/>
+              </a:rPr>
+              <a:t>맞추도록하자</a:t>
+            </a:r>
+            <a:r>
+              <a:rPr lang="en-US" altLang="ko-KR" sz="3200" dirty="0">
+                <a:solidFill>
+                  <a:schemeClr val="tx1">
+                    <a:lumMod val="50000"/>
+                    <a:lumOff val="50000"/>
+                  </a:schemeClr>
+                </a:solidFill>
+                <a:latin typeface="G마켓 산스 Medium" panose="02000000000000000000" pitchFamily="50" charset="-127"/>
+                <a:ea typeface="G마켓 산스 Medium" panose="02000000000000000000" pitchFamily="50" charset="-127"/>
+              </a:rPr>
+              <a:t>(</a:t>
+            </a:r>
+            <a:r>
+              <a:rPr lang="ko-KR" altLang="en-US" sz="3200" dirty="0">
+                <a:solidFill>
+                  <a:schemeClr val="tx1">
+                    <a:lumMod val="50000"/>
+                    <a:lumOff val="50000"/>
+                  </a:schemeClr>
+                </a:solidFill>
+                <a:latin typeface="G마켓 산스 Medium" panose="02000000000000000000" pitchFamily="50" charset="-127"/>
+                <a:ea typeface="G마켓 산스 Medium" panose="02000000000000000000" pitchFamily="50" charset="-127"/>
+              </a:rPr>
+              <a:t>정답을 </a:t>
+            </a:r>
+            <a:r>
+              <a:rPr lang="ko-KR" altLang="en-US" sz="3200" dirty="0" err="1">
+                <a:solidFill>
+                  <a:schemeClr val="tx1">
+                    <a:lumMod val="50000"/>
+                    <a:lumOff val="50000"/>
+                  </a:schemeClr>
+                </a:solidFill>
+                <a:latin typeface="G마켓 산스 Medium" panose="02000000000000000000" pitchFamily="50" charset="-127"/>
+                <a:ea typeface="G마켓 산스 Medium" panose="02000000000000000000" pitchFamily="50" charset="-127"/>
+              </a:rPr>
+              <a:t>맞출시</a:t>
+            </a:r>
+            <a:r>
+              <a:rPr lang="ko-KR" altLang="en-US" sz="3200" dirty="0">
+                <a:solidFill>
+                  <a:schemeClr val="tx1">
+                    <a:lumMod val="50000"/>
+                    <a:lumOff val="50000"/>
+                  </a:schemeClr>
+                </a:solidFill>
+                <a:latin typeface="G마켓 산스 Medium" panose="02000000000000000000" pitchFamily="50" charset="-127"/>
+                <a:ea typeface="G마켓 산스 Medium" panose="02000000000000000000" pitchFamily="50" charset="-127"/>
+              </a:rPr>
+              <a:t> </a:t>
+            </a:r>
+            <a:r>
+              <a:rPr lang="ko-KR" altLang="en-US" sz="3200" dirty="0" err="1">
+                <a:solidFill>
+                  <a:schemeClr val="tx1">
+                    <a:lumMod val="50000"/>
+                    <a:lumOff val="50000"/>
+                  </a:schemeClr>
+                </a:solidFill>
+                <a:latin typeface="G마켓 산스 Medium" panose="02000000000000000000" pitchFamily="50" charset="-127"/>
+                <a:ea typeface="G마켓 산스 Medium" panose="02000000000000000000" pitchFamily="50" charset="-127"/>
+              </a:rPr>
+              <a:t>몇번만에</a:t>
+            </a:r>
+            <a:r>
+              <a:rPr lang="ko-KR" altLang="en-US" sz="3200" dirty="0">
+                <a:solidFill>
+                  <a:schemeClr val="tx1">
+                    <a:lumMod val="50000"/>
+                    <a:lumOff val="50000"/>
+                  </a:schemeClr>
+                </a:solidFill>
+                <a:latin typeface="G마켓 산스 Medium" panose="02000000000000000000" pitchFamily="50" charset="-127"/>
+                <a:ea typeface="G마켓 산스 Medium" panose="02000000000000000000" pitchFamily="50" charset="-127"/>
+              </a:rPr>
+              <a:t> </a:t>
+            </a:r>
+            <a:r>
+              <a:rPr lang="ko-KR" altLang="en-US" sz="3200" dirty="0" err="1">
+                <a:solidFill>
+                  <a:schemeClr val="tx1">
+                    <a:lumMod val="50000"/>
+                    <a:lumOff val="50000"/>
+                  </a:schemeClr>
+                </a:solidFill>
+                <a:latin typeface="G마켓 산스 Medium" panose="02000000000000000000" pitchFamily="50" charset="-127"/>
+                <a:ea typeface="G마켓 산스 Medium" panose="02000000000000000000" pitchFamily="50" charset="-127"/>
+              </a:rPr>
+              <a:t>성공한것인지</a:t>
+            </a:r>
+            <a:r>
+              <a:rPr lang="ko-KR" altLang="en-US" sz="3200" dirty="0">
+                <a:solidFill>
+                  <a:schemeClr val="tx1">
+                    <a:lumMod val="50000"/>
+                    <a:lumOff val="50000"/>
+                  </a:schemeClr>
+                </a:solidFill>
+                <a:latin typeface="G마켓 산스 Medium" panose="02000000000000000000" pitchFamily="50" charset="-127"/>
+                <a:ea typeface="G마켓 산스 Medium" panose="02000000000000000000" pitchFamily="50" charset="-127"/>
+              </a:rPr>
+              <a:t> 출력</a:t>
+            </a:r>
+            <a:r>
+              <a:rPr lang="en-US" altLang="ko-KR" sz="3200" dirty="0">
+                <a:solidFill>
+                  <a:schemeClr val="tx1">
+                    <a:lumMod val="50000"/>
+                    <a:lumOff val="50000"/>
+                  </a:schemeClr>
+                </a:solidFill>
+                <a:latin typeface="G마켓 산스 Medium" panose="02000000000000000000" pitchFamily="50" charset="-127"/>
+                <a:ea typeface="G마켓 산스 Medium" panose="02000000000000000000" pitchFamily="50" charset="-127"/>
+              </a:rPr>
+              <a:t>)</a:t>
+            </a:r>
+          </a:p>
         </p:txBody>
       </p:sp>
       <p:sp>
@@ -10449,7 +10433,7 @@
           <p:cNvPr id="6" name="TextBox 5">
             <a:extLst>
               <a:ext uri="{FF2B5EF4-FFF2-40B4-BE49-F238E27FC236}">
-                <a16:creationId xmlns="" xmlns:a16="http://schemas.microsoft.com/office/drawing/2014/main" id="{A56A5DDA-8708-D8BE-1148-536DAE867ED1}"/>
+                <a16:creationId xmlns:a16="http://schemas.microsoft.com/office/drawing/2014/main" id="{A56A5DDA-8708-D8BE-1148-536DAE867ED1}"/>
               </a:ext>
             </a:extLst>
           </p:cNvPr>
@@ -10459,7 +10443,7 @@
         <p:spPr>
           <a:xfrm>
             <a:off x="609600" y="1257300"/>
-            <a:ext cx="11125200" cy="584775"/>
+            <a:ext cx="12725400" cy="584775"/>
           </a:xfrm>
           <a:prstGeom prst="rect">
             <a:avLst/>
@@ -10473,7 +10457,7 @@
           <a:lstStyle/>
           <a:p>
             <a:r>
-              <a:rPr lang="en-US" altLang="ko-KR" sz="3200" smtClean="0">
+              <a:rPr lang="en-US" altLang="ko-KR" sz="3200" dirty="0">
                 <a:solidFill>
                   <a:schemeClr val="tx1">
                     <a:lumMod val="50000"/>
@@ -10483,10 +10467,10 @@
                 <a:latin typeface="G마켓 산스 Medium" panose="02000000000000000000" pitchFamily="50" charset="-127"/>
                 <a:ea typeface="G마켓 산스 Medium" panose="02000000000000000000" pitchFamily="50" charset="-127"/>
               </a:rPr>
-              <a:t>1. </a:t>
-            </a:r>
-            <a:r>
-              <a:rPr lang="en-US" altLang="ko-KR" sz="3200">
+              <a:t>1. do while</a:t>
+            </a:r>
+            <a:r>
+              <a:rPr lang="ko-KR" altLang="en-US" sz="3200" dirty="0">
                 <a:solidFill>
                   <a:schemeClr val="tx1">
                     <a:lumMod val="50000"/>
@@ -10496,10 +10480,10 @@
                 <a:latin typeface="G마켓 산스 Medium" panose="02000000000000000000" pitchFamily="50" charset="-127"/>
                 <a:ea typeface="G마켓 산스 Medium" panose="02000000000000000000" pitchFamily="50" charset="-127"/>
               </a:rPr>
-              <a:t>d</a:t>
-            </a:r>
-            <a:r>
-              <a:rPr lang="en-US" altLang="ko-KR" sz="3200" smtClean="0">
+              <a:t>문을 이용하여 </a:t>
+            </a:r>
+            <a:r>
+              <a:rPr lang="en-US" altLang="ko-KR" sz="3200" dirty="0">
                 <a:solidFill>
                   <a:schemeClr val="tx1">
                     <a:lumMod val="50000"/>
@@ -10509,10 +10493,10 @@
                 <a:latin typeface="G마켓 산스 Medium" panose="02000000000000000000" pitchFamily="50" charset="-127"/>
                 <a:ea typeface="G마켓 산스 Medium" panose="02000000000000000000" pitchFamily="50" charset="-127"/>
               </a:rPr>
-              <a:t>o while</a:t>
-            </a:r>
-            <a:r>
-              <a:rPr lang="ko-KR" altLang="en-US" sz="3200" smtClean="0">
+              <a:t>0~10</a:t>
+            </a:r>
+            <a:r>
+              <a:rPr lang="ko-KR" altLang="en-US" sz="3200" dirty="0">
                 <a:solidFill>
                   <a:schemeClr val="tx1">
                     <a:lumMod val="50000"/>
@@ -10522,46 +10506,7 @@
                 <a:latin typeface="G마켓 산스 Medium" panose="02000000000000000000" pitchFamily="50" charset="-127"/>
                 <a:ea typeface="G마켓 산스 Medium" panose="02000000000000000000" pitchFamily="50" charset="-127"/>
               </a:rPr>
-              <a:t>문을 이용하여 </a:t>
-            </a:r>
-            <a:r>
-              <a:rPr lang="en-US" altLang="ko-KR" sz="3200">
-                <a:solidFill>
-                  <a:schemeClr val="tx1">
-                    <a:lumMod val="50000"/>
-                    <a:lumOff val="50000"/>
-                  </a:schemeClr>
-                </a:solidFill>
-                <a:latin typeface="G마켓 산스 Medium" panose="02000000000000000000" pitchFamily="50" charset="-127"/>
-                <a:ea typeface="G마켓 산스 Medium" panose="02000000000000000000" pitchFamily="50" charset="-127"/>
-              </a:rPr>
-              <a:t>0</a:t>
-            </a:r>
-            <a:r>
-              <a:rPr lang="en-US" altLang="ko-KR" sz="3200" smtClean="0">
-                <a:solidFill>
-                  <a:schemeClr val="tx1">
-                    <a:lumMod val="50000"/>
-                    <a:lumOff val="50000"/>
-                  </a:schemeClr>
-                </a:solidFill>
-                <a:latin typeface="G마켓 산스 Medium" panose="02000000000000000000" pitchFamily="50" charset="-127"/>
-                <a:ea typeface="G마켓 산스 Medium" panose="02000000000000000000" pitchFamily="50" charset="-127"/>
-              </a:rPr>
-              <a:t>~10</a:t>
-            </a:r>
-            <a:r>
-              <a:rPr lang="ko-KR" altLang="en-US" sz="3200" smtClean="0">
-                <a:solidFill>
-                  <a:schemeClr val="tx1">
-                    <a:lumMod val="50000"/>
-                    <a:lumOff val="50000"/>
-                  </a:schemeClr>
-                </a:solidFill>
-                <a:latin typeface="G마켓 산스 Medium" panose="02000000000000000000" pitchFamily="50" charset="-127"/>
-                <a:ea typeface="G마켓 산스 Medium" panose="02000000000000000000" pitchFamily="50" charset="-127"/>
-              </a:rPr>
-              <a:t>까지 숫자중 짝수를 출력하자</a:t>
+              <a:t>까지 숫자 중 짝수를 출력하자</a:t>
             </a:r>
             <a:endParaRPr lang="en-US" altLang="ko-KR" sz="3200" dirty="0">
               <a:solidFill>
@@ -10634,13 +10579,6 @@
   <p:clrMapOvr>
     <a:masterClrMapping/>
   </p:clrMapOvr>
-  <p:timing>
-    <p:tnLst>
-      <p:par>
-        <p:cTn id="1" dur="indefinite" restart="never" nodeType="tmRoot"/>
-      </p:par>
-    </p:tnLst>
-  </p:timing>
 </p:sld>
 </file>
 
@@ -10666,7 +10604,7 @@
           <p:cNvPr id="4" name="TextBox 3">
             <a:extLst>
               <a:ext uri="{FF2B5EF4-FFF2-40B4-BE49-F238E27FC236}">
-                <a16:creationId xmlns="" xmlns:a16="http://schemas.microsoft.com/office/drawing/2014/main" id="{FC45ADBF-CAA8-348D-E57F-358AF9FAC5C1}"/>
+                <a16:creationId xmlns:a16="http://schemas.microsoft.com/office/drawing/2014/main" id="{FC45ADBF-CAA8-348D-E57F-358AF9FAC5C1}"/>
               </a:ext>
             </a:extLst>
           </p:cNvPr>
@@ -10690,7 +10628,7 @@
           <a:lstStyle/>
           <a:p>
             <a:r>
-              <a:rPr lang="en-US" altLang="ko-KR" sz="4800" smtClean="0">
+              <a:rPr lang="en-US" altLang="ko-KR" sz="4800">
                 <a:solidFill>
                   <a:srgbClr val="4C50BC"/>
                 </a:solidFill>
@@ -10738,7 +10676,7 @@
           <p:cNvPr id="6" name="직선 화살표 연결선 5">
             <a:extLst>
               <a:ext uri="{FF2B5EF4-FFF2-40B4-BE49-F238E27FC236}">
-                <a16:creationId xmlns:a16="http://schemas.microsoft.com/office/drawing/2014/main" xmlns="" id="{299DF5EC-9DF4-5255-06AC-0A7CE4FF58C3}"/>
+                <a16:creationId xmlns:a16="http://schemas.microsoft.com/office/drawing/2014/main" id="{299DF5EC-9DF4-5255-06AC-0A7CE4FF58C3}"/>
               </a:ext>
             </a:extLst>
           </p:cNvPr>
@@ -10779,7 +10717,7 @@
           <p:cNvPr id="7" name="직사각형 6">
             <a:extLst>
               <a:ext uri="{FF2B5EF4-FFF2-40B4-BE49-F238E27FC236}">
-                <a16:creationId xmlns:a16="http://schemas.microsoft.com/office/drawing/2014/main" xmlns="" id="{FFF506F9-840A-0508-4CAF-3AC711D8D5CE}"/>
+                <a16:creationId xmlns:a16="http://schemas.microsoft.com/office/drawing/2014/main" id="{FFF506F9-840A-0508-4CAF-3AC711D8D5CE}"/>
               </a:ext>
             </a:extLst>
           </p:cNvPr>
@@ -10831,7 +10769,7 @@
           <p:cNvPr id="8" name="TextBox 7">
             <a:extLst>
               <a:ext uri="{FF2B5EF4-FFF2-40B4-BE49-F238E27FC236}">
-                <a16:creationId xmlns:a16="http://schemas.microsoft.com/office/drawing/2014/main" xmlns="" id="{C6D113C6-EA5C-788F-0C77-E7CE6EBB865F}"/>
+                <a16:creationId xmlns:a16="http://schemas.microsoft.com/office/drawing/2014/main" id="{C6D113C6-EA5C-788F-0C77-E7CE6EBB865F}"/>
               </a:ext>
             </a:extLst>
           </p:cNvPr>
@@ -10855,7 +10793,7 @@
           <a:lstStyle/>
           <a:p>
             <a:r>
-              <a:rPr lang="en-US" altLang="ko-KR" sz="4000" smtClean="0">
+              <a:rPr lang="en-US" altLang="ko-KR" sz="4000">
                 <a:solidFill>
                   <a:srgbClr val="FF0000"/>
                 </a:solidFill>
@@ -10865,37 +10803,17 @@
               <a:t>Break</a:t>
             </a:r>
             <a:r>
-              <a:rPr lang="ko-KR" altLang="en-US" sz="4000" smtClean="0">
+              <a:rPr lang="ko-KR" altLang="en-US" sz="4000">
                 <a:solidFill>
                   <a:srgbClr val="FF0000"/>
                 </a:solidFill>
                 <a:latin typeface="G마켓 산스 Medium" panose="02000000000000000000" pitchFamily="50" charset="-127"/>
                 <a:ea typeface="G마켓 산스 Medium" panose="02000000000000000000" pitchFamily="50" charset="-127"/>
               </a:rPr>
-              <a:t>문을 만나면 그 뒤는 더 이상 실행되지 않고 </a:t>
-            </a:r>
-            <a:r>
-              <a:rPr lang="ko-KR" altLang="en-US" sz="4000" smtClean="0">
-                <a:solidFill>
-                  <a:srgbClr val="FF0000"/>
-                </a:solidFill>
-                <a:latin typeface="G마켓 산스 Medium" panose="02000000000000000000" pitchFamily="50" charset="-127"/>
-                <a:ea typeface="G마켓 산스 Medium" panose="02000000000000000000" pitchFamily="50" charset="-127"/>
-              </a:rPr>
-              <a:t>반복문이 </a:t>
-            </a:r>
-            <a:r>
-              <a:rPr lang="ko-KR" altLang="en-US" sz="4000" smtClean="0">
-                <a:solidFill>
-                  <a:srgbClr val="FF0000"/>
-                </a:solidFill>
-                <a:latin typeface="G마켓 산스 Medium" panose="02000000000000000000" pitchFamily="50" charset="-127"/>
-                <a:ea typeface="G마켓 산스 Medium" panose="02000000000000000000" pitchFamily="50" charset="-127"/>
-              </a:rPr>
-              <a:t>종료된다</a:t>
-            </a:r>
-            <a:r>
-              <a:rPr lang="en-US" altLang="ko-KR" sz="4000" smtClean="0">
+              <a:t>문을 만나면 그 뒤는 더 이상 실행되지 않고 반복문이 종료된다</a:t>
+            </a:r>
+            <a:r>
+              <a:rPr lang="en-US" altLang="ko-KR" sz="4000">
                 <a:solidFill>
                   <a:srgbClr val="FF0000"/>
                 </a:solidFill>
@@ -10919,7 +10837,7 @@
           <p:cNvPr id="9" name="직선 화살표 연결선 8">
             <a:extLst>
               <a:ext uri="{FF2B5EF4-FFF2-40B4-BE49-F238E27FC236}">
-                <a16:creationId xmlns:a16="http://schemas.microsoft.com/office/drawing/2014/main" xmlns="" id="{299DF5EC-9DF4-5255-06AC-0A7CE4FF58C3}"/>
+                <a16:creationId xmlns:a16="http://schemas.microsoft.com/office/drawing/2014/main" id="{299DF5EC-9DF4-5255-06AC-0A7CE4FF58C3}"/>
               </a:ext>
             </a:extLst>
           </p:cNvPr>
@@ -11065,7 +10983,7 @@
           <p:cNvPr id="4" name="TextBox 3">
             <a:extLst>
               <a:ext uri="{FF2B5EF4-FFF2-40B4-BE49-F238E27FC236}">
-                <a16:creationId xmlns="" xmlns:a16="http://schemas.microsoft.com/office/drawing/2014/main" id="{FC45ADBF-CAA8-348D-E57F-358AF9FAC5C1}"/>
+                <a16:creationId xmlns:a16="http://schemas.microsoft.com/office/drawing/2014/main" id="{FC45ADBF-CAA8-348D-E57F-358AF9FAC5C1}"/>
               </a:ext>
             </a:extLst>
           </p:cNvPr>
@@ -11089,7 +11007,7 @@
           <a:lstStyle/>
           <a:p>
             <a:r>
-              <a:rPr lang="en-US" altLang="ko-KR" sz="4800" smtClean="0">
+              <a:rPr lang="en-US" altLang="ko-KR" sz="4800">
                 <a:solidFill>
                   <a:srgbClr val="4C50BC"/>
                 </a:solidFill>
@@ -11137,7 +11055,7 @@
           <p:cNvPr id="6" name="직선 화살표 연결선 5">
             <a:extLst>
               <a:ext uri="{FF2B5EF4-FFF2-40B4-BE49-F238E27FC236}">
-                <a16:creationId xmlns:a16="http://schemas.microsoft.com/office/drawing/2014/main" xmlns="" id="{299DF5EC-9DF4-5255-06AC-0A7CE4FF58C3}"/>
+                <a16:creationId xmlns:a16="http://schemas.microsoft.com/office/drawing/2014/main" id="{299DF5EC-9DF4-5255-06AC-0A7CE4FF58C3}"/>
               </a:ext>
             </a:extLst>
           </p:cNvPr>
@@ -11178,7 +11096,7 @@
           <p:cNvPr id="7" name="직사각형 6">
             <a:extLst>
               <a:ext uri="{FF2B5EF4-FFF2-40B4-BE49-F238E27FC236}">
-                <a16:creationId xmlns:a16="http://schemas.microsoft.com/office/drawing/2014/main" xmlns="" id="{FFF506F9-840A-0508-4CAF-3AC711D8D5CE}"/>
+                <a16:creationId xmlns:a16="http://schemas.microsoft.com/office/drawing/2014/main" id="{FFF506F9-840A-0508-4CAF-3AC711D8D5CE}"/>
               </a:ext>
             </a:extLst>
           </p:cNvPr>
@@ -11254,7 +11172,7 @@
           <p:cNvPr id="14" name="TextBox 13">
             <a:extLst>
               <a:ext uri="{FF2B5EF4-FFF2-40B4-BE49-F238E27FC236}">
-                <a16:creationId xmlns:a16="http://schemas.microsoft.com/office/drawing/2014/main" xmlns="" id="{C6D113C6-EA5C-788F-0C77-E7CE6EBB865F}"/>
+                <a16:creationId xmlns:a16="http://schemas.microsoft.com/office/drawing/2014/main" id="{C6D113C6-EA5C-788F-0C77-E7CE6EBB865F}"/>
               </a:ext>
             </a:extLst>
           </p:cNvPr>
@@ -11278,7 +11196,7 @@
           <a:lstStyle/>
           <a:p>
             <a:r>
-              <a:rPr lang="en-US" altLang="ko-KR" sz="4000" smtClean="0">
+              <a:rPr lang="en-US" altLang="ko-KR" sz="4000">
                 <a:solidFill>
                   <a:srgbClr val="FF0000"/>
                 </a:solidFill>
@@ -11288,7 +11206,7 @@
               <a:t>Continue</a:t>
             </a:r>
             <a:r>
-              <a:rPr lang="ko-KR" altLang="en-US" sz="4000" smtClean="0">
+              <a:rPr lang="ko-KR" altLang="en-US" sz="4000">
                 <a:solidFill>
                   <a:srgbClr val="FF0000"/>
                 </a:solidFill>
@@ -11298,7 +11216,7 @@
               <a:t>문을 만나면  반복문 내부의 끝지점으로 간다</a:t>
             </a:r>
             <a:r>
-              <a:rPr lang="en-US" altLang="ko-KR" sz="4000" smtClean="0">
+              <a:rPr lang="en-US" altLang="ko-KR" sz="4000">
                 <a:solidFill>
                   <a:srgbClr val="FF0000"/>
                 </a:solidFill>
@@ -11327,13 +11245,6 @@
   <p:clrMapOvr>
     <a:masterClrMapping/>
   </p:clrMapOvr>
-  <p:timing>
-    <p:tnLst>
-      <p:par>
-        <p:cTn id="1" dur="indefinite" restart="never" nodeType="tmRoot"/>
-      </p:par>
-    </p:tnLst>
-  </p:timing>
 </p:sld>
 </file>
 
@@ -11367,7 +11278,7 @@
           <p:cNvPr id="5" name="Object 2">
             <a:extLst>
               <a:ext uri="{FF2B5EF4-FFF2-40B4-BE49-F238E27FC236}">
-                <a16:creationId xmlns="" xmlns:a16="http://schemas.microsoft.com/office/drawing/2014/main" id="{EB9768FE-76B0-709F-3C4D-0ECBB41147CD}"/>
+                <a16:creationId xmlns:a16="http://schemas.microsoft.com/office/drawing/2014/main" id="{EB9768FE-76B0-709F-3C4D-0ECBB41147CD}"/>
               </a:ext>
             </a:extLst>
           </p:cNvPr>
@@ -11397,7 +11308,7 @@
           <p:cNvPr id="7" name="그룹 1001">
             <a:extLst>
               <a:ext uri="{FF2B5EF4-FFF2-40B4-BE49-F238E27FC236}">
-                <a16:creationId xmlns="" xmlns:a16="http://schemas.microsoft.com/office/drawing/2014/main" id="{0637F47C-891C-2B90-8647-32B84C264D42}"/>
+                <a16:creationId xmlns:a16="http://schemas.microsoft.com/office/drawing/2014/main" id="{0637F47C-891C-2B90-8647-32B84C264D42}"/>
               </a:ext>
             </a:extLst>
           </p:cNvPr>
@@ -11417,7 +11328,7 @@
             <p:cNvPr id="8" name="Object 5">
               <a:extLst>
                 <a:ext uri="{FF2B5EF4-FFF2-40B4-BE49-F238E27FC236}">
-                  <a16:creationId xmlns="" xmlns:a16="http://schemas.microsoft.com/office/drawing/2014/main" id="{710F969D-8259-9328-33C3-C6DB500C60D4}"/>
+                  <a16:creationId xmlns:a16="http://schemas.microsoft.com/office/drawing/2014/main" id="{710F969D-8259-9328-33C3-C6DB500C60D4}"/>
                 </a:ext>
               </a:extLst>
             </p:cNvPr>
@@ -11448,7 +11359,7 @@
           <p:cNvPr id="9" name="그룹 1002">
             <a:extLst>
               <a:ext uri="{FF2B5EF4-FFF2-40B4-BE49-F238E27FC236}">
-                <a16:creationId xmlns="" xmlns:a16="http://schemas.microsoft.com/office/drawing/2014/main" id="{A87796A8-251B-F38A-5AE9-11F8D847B25D}"/>
+                <a16:creationId xmlns:a16="http://schemas.microsoft.com/office/drawing/2014/main" id="{A87796A8-251B-F38A-5AE9-11F8D847B25D}"/>
               </a:ext>
             </a:extLst>
           </p:cNvPr>
@@ -11468,7 +11379,7 @@
             <p:cNvPr id="10" name="Object 8">
               <a:extLst>
                 <a:ext uri="{FF2B5EF4-FFF2-40B4-BE49-F238E27FC236}">
-                  <a16:creationId xmlns="" xmlns:a16="http://schemas.microsoft.com/office/drawing/2014/main" id="{9E806C19-D323-E705-F3B8-EEABB39F0993}"/>
+                  <a16:creationId xmlns:a16="http://schemas.microsoft.com/office/drawing/2014/main" id="{9E806C19-D323-E705-F3B8-EEABB39F0993}"/>
                 </a:ext>
               </a:extLst>
             </p:cNvPr>
@@ -11499,7 +11410,7 @@
           <p:cNvPr id="11" name="그룹 1003">
             <a:extLst>
               <a:ext uri="{FF2B5EF4-FFF2-40B4-BE49-F238E27FC236}">
-                <a16:creationId xmlns="" xmlns:a16="http://schemas.microsoft.com/office/drawing/2014/main" id="{701795E0-24B6-38E6-7308-FED7AD2B6900}"/>
+                <a16:creationId xmlns:a16="http://schemas.microsoft.com/office/drawing/2014/main" id="{701795E0-24B6-38E6-7308-FED7AD2B6900}"/>
               </a:ext>
             </a:extLst>
           </p:cNvPr>
@@ -11519,7 +11430,7 @@
             <p:cNvPr id="12" name="Object 11">
               <a:extLst>
                 <a:ext uri="{FF2B5EF4-FFF2-40B4-BE49-F238E27FC236}">
-                  <a16:creationId xmlns="" xmlns:a16="http://schemas.microsoft.com/office/drawing/2014/main" id="{D8C68167-7FB5-1F8E-D53C-DEA682F465F5}"/>
+                  <a16:creationId xmlns:a16="http://schemas.microsoft.com/office/drawing/2014/main" id="{D8C68167-7FB5-1F8E-D53C-DEA682F465F5}"/>
                 </a:ext>
               </a:extLst>
             </p:cNvPr>
@@ -11550,7 +11461,7 @@
           <p:cNvPr id="13" name="그룹 1004">
             <a:extLst>
               <a:ext uri="{FF2B5EF4-FFF2-40B4-BE49-F238E27FC236}">
-                <a16:creationId xmlns="" xmlns:a16="http://schemas.microsoft.com/office/drawing/2014/main" id="{03226A72-764D-99F3-A14F-47C351CB448B}"/>
+                <a16:creationId xmlns:a16="http://schemas.microsoft.com/office/drawing/2014/main" id="{03226A72-764D-99F3-A14F-47C351CB448B}"/>
               </a:ext>
             </a:extLst>
           </p:cNvPr>
@@ -11570,7 +11481,7 @@
             <p:cNvPr id="14" name="Object 14">
               <a:extLst>
                 <a:ext uri="{FF2B5EF4-FFF2-40B4-BE49-F238E27FC236}">
-                  <a16:creationId xmlns="" xmlns:a16="http://schemas.microsoft.com/office/drawing/2014/main" id="{77C5B9A8-AEBA-093B-4CD6-4F1ECF519068}"/>
+                  <a16:creationId xmlns:a16="http://schemas.microsoft.com/office/drawing/2014/main" id="{77C5B9A8-AEBA-093B-4CD6-4F1ECF519068}"/>
                 </a:ext>
               </a:extLst>
             </p:cNvPr>
@@ -11601,7 +11512,7 @@
           <p:cNvPr id="15" name="TextBox 14">
             <a:extLst>
               <a:ext uri="{FF2B5EF4-FFF2-40B4-BE49-F238E27FC236}">
-                <a16:creationId xmlns="" xmlns:a16="http://schemas.microsoft.com/office/drawing/2014/main" id="{E44AB10B-96D7-19D1-5C7A-D2761E62F16E}"/>
+                <a16:creationId xmlns:a16="http://schemas.microsoft.com/office/drawing/2014/main" id="{E44AB10B-96D7-19D1-5C7A-D2761E62F16E}"/>
               </a:ext>
             </a:extLst>
           </p:cNvPr>
@@ -11654,13 +11565,6 @@
   <p:clrMapOvr>
     <a:masterClrMapping/>
   </p:clrMapOvr>
-  <p:timing>
-    <p:tnLst>
-      <p:par>
-        <p:cTn id="1" dur="indefinite" restart="never" nodeType="tmRoot"/>
-      </p:par>
-    </p:tnLst>
-  </p:timing>
 </p:sld>
 </file>
 
@@ -11686,7 +11590,7 @@
           <p:cNvPr id="4" name="TextBox 3">
             <a:extLst>
               <a:ext uri="{FF2B5EF4-FFF2-40B4-BE49-F238E27FC236}">
-                <a16:creationId xmlns="" xmlns:a16="http://schemas.microsoft.com/office/drawing/2014/main" id="{5ADC00B6-990A-40DC-3CEA-505258F5E8DA}"/>
+                <a16:creationId xmlns:a16="http://schemas.microsoft.com/office/drawing/2014/main" id="{5ADC00B6-990A-40DC-3CEA-505258F5E8DA}"/>
               </a:ext>
             </a:extLst>
           </p:cNvPr>
@@ -11744,7 +11648,7 @@
           <p:cNvPr id="5" name="TextBox 4">
             <a:extLst>
               <a:ext uri="{FF2B5EF4-FFF2-40B4-BE49-F238E27FC236}">
-                <a16:creationId xmlns="" xmlns:a16="http://schemas.microsoft.com/office/drawing/2014/main" id="{4EDAA912-8FA0-0F11-119B-EA9F8B36A489}"/>
+                <a16:creationId xmlns:a16="http://schemas.microsoft.com/office/drawing/2014/main" id="{4EDAA912-8FA0-0F11-119B-EA9F8B36A489}"/>
               </a:ext>
             </a:extLst>
           </p:cNvPr>
@@ -11768,7 +11672,7 @@
           <a:lstStyle/>
           <a:p>
             <a:r>
-              <a:rPr lang="en-US" altLang="ko-KR" sz="3200" smtClean="0">
+              <a:rPr lang="en-US" altLang="ko-KR" sz="3200" dirty="0">
                 <a:solidFill>
                   <a:srgbClr val="4D4848"/>
                 </a:solidFill>
@@ -11778,16 +11682,26 @@
               <a:t>1~100 </a:t>
             </a:r>
             <a:r>
-              <a:rPr lang="ko-KR" altLang="en-US" sz="3200" smtClean="0">
+              <a:rPr lang="ko-KR" altLang="en-US" sz="3200" dirty="0">
                 <a:solidFill>
                   <a:srgbClr val="4D4848"/>
                 </a:solidFill>
                 <a:latin typeface="G마켓 산스 Medium" panose="02000000000000000000" pitchFamily="50" charset="-127"/>
                 <a:ea typeface="G마켓 산스 Medium" panose="02000000000000000000" pitchFamily="50" charset="-127"/>
               </a:rPr>
-              <a:t>사이의 소수를 출력하여보자</a:t>
-            </a:r>
-            <a:endParaRPr lang="en-US" altLang="ko-KR" sz="3200" smtClean="0">
+              <a:t>사이의 소수를 </a:t>
+            </a:r>
+            <a:r>
+              <a:rPr lang="ko-KR" altLang="en-US" sz="3200" dirty="0" err="1">
+                <a:solidFill>
+                  <a:srgbClr val="4D4848"/>
+                </a:solidFill>
+                <a:latin typeface="G마켓 산스 Medium" panose="02000000000000000000" pitchFamily="50" charset="-127"/>
+                <a:ea typeface="G마켓 산스 Medium" panose="02000000000000000000" pitchFamily="50" charset="-127"/>
+              </a:rPr>
+              <a:t>출력하여보자</a:t>
+            </a:r>
+            <a:endParaRPr lang="en-US" altLang="ko-KR" sz="3200" dirty="0">
               <a:solidFill>
                 <a:srgbClr val="4D4848"/>
               </a:solidFill>
@@ -11797,7 +11711,7 @@
           </a:p>
           <a:p>
             <a:r>
-              <a:rPr lang="ko-KR" altLang="en-US" sz="3200" smtClean="0">
+              <a:rPr lang="ko-KR" altLang="en-US" sz="3200" dirty="0">
                 <a:solidFill>
                   <a:srgbClr val="00B0F0"/>
                 </a:solidFill>
@@ -11807,7 +11721,7 @@
               <a:t>소수</a:t>
             </a:r>
             <a:r>
-              <a:rPr lang="en-US" altLang="ko-KR" sz="3200" smtClean="0">
+              <a:rPr lang="en-US" altLang="ko-KR" sz="3200" dirty="0">
                 <a:solidFill>
                   <a:srgbClr val="00B0F0"/>
                 </a:solidFill>
@@ -11817,16 +11731,26 @@
               <a:t>: 1</a:t>
             </a:r>
             <a:r>
-              <a:rPr lang="ko-KR" altLang="en-US" sz="3200" smtClean="0">
+              <a:rPr lang="ko-KR" altLang="en-US" sz="3200" dirty="0">
                 <a:solidFill>
                   <a:srgbClr val="00B0F0"/>
                 </a:solidFill>
                 <a:latin typeface="G마켓 산스 Medium" panose="02000000000000000000" pitchFamily="50" charset="-127"/>
                 <a:ea typeface="G마켓 산스 Medium" panose="02000000000000000000" pitchFamily="50" charset="-127"/>
               </a:rPr>
-              <a:t>과 자기자신으로만 나누어 떨어지는수</a:t>
-            </a:r>
-            <a:endParaRPr lang="en-US" altLang="ko-KR" sz="3200">
+              <a:t>과 자기자신으로만 나누어 </a:t>
+            </a:r>
+            <a:r>
+              <a:rPr lang="ko-KR" altLang="en-US" sz="3200" dirty="0" err="1">
+                <a:solidFill>
+                  <a:srgbClr val="00B0F0"/>
+                </a:solidFill>
+                <a:latin typeface="G마켓 산스 Medium" panose="02000000000000000000" pitchFamily="50" charset="-127"/>
+                <a:ea typeface="G마켓 산스 Medium" panose="02000000000000000000" pitchFamily="50" charset="-127"/>
+              </a:rPr>
+              <a:t>떨어지는수</a:t>
+            </a:r>
+            <a:endParaRPr lang="en-US" altLang="ko-KR" sz="3200" dirty="0">
               <a:solidFill>
                 <a:srgbClr val="00B0F0"/>
               </a:solidFill>
@@ -11841,7 +11765,7 @@
           <p:cNvPr id="7" name="TextBox 6">
             <a:extLst>
               <a:ext uri="{FF2B5EF4-FFF2-40B4-BE49-F238E27FC236}">
-                <a16:creationId xmlns="" xmlns:a16="http://schemas.microsoft.com/office/drawing/2014/main" id="{5ADC00B6-990A-40DC-3CEA-505258F5E8DA}"/>
+                <a16:creationId xmlns:a16="http://schemas.microsoft.com/office/drawing/2014/main" id="{5ADC00B6-990A-40DC-3CEA-505258F5E8DA}"/>
               </a:ext>
             </a:extLst>
           </p:cNvPr>
@@ -11899,7 +11823,7 @@
           <p:cNvPr id="8" name="TextBox 7">
             <a:extLst>
               <a:ext uri="{FF2B5EF4-FFF2-40B4-BE49-F238E27FC236}">
-                <a16:creationId xmlns="" xmlns:a16="http://schemas.microsoft.com/office/drawing/2014/main" id="{4EDAA912-8FA0-0F11-119B-EA9F8B36A489}"/>
+                <a16:creationId xmlns:a16="http://schemas.microsoft.com/office/drawing/2014/main" id="{4EDAA912-8FA0-0F11-119B-EA9F8B36A489}"/>
               </a:ext>
             </a:extLst>
           </p:cNvPr>
@@ -11923,16 +11847,26 @@
           <a:lstStyle/>
           <a:p>
             <a:r>
-              <a:rPr lang="ko-KR" altLang="en-US" sz="3600" smtClean="0">
+              <a:rPr lang="ko-KR" altLang="en-US" sz="3600" dirty="0">
                 <a:solidFill>
                   <a:srgbClr val="4D4848"/>
                 </a:solidFill>
                 <a:latin typeface="G마켓 산스 Medium" panose="02000000000000000000" pitchFamily="50" charset="-127"/>
                 <a:ea typeface="G마켓 산스 Medium" panose="02000000000000000000" pitchFamily="50" charset="-127"/>
               </a:rPr>
-              <a:t>오른쪽의 그림과 같이 구구단을 출력하시오</a:t>
-            </a:r>
-            <a:endParaRPr lang="en-US" altLang="ko-KR" sz="3600">
+              <a:t>오른쪽의 그림과 같이 구구단을 </a:t>
+            </a:r>
+            <a:r>
+              <a:rPr lang="ko-KR" altLang="en-US" sz="3600" dirty="0" err="1">
+                <a:solidFill>
+                  <a:srgbClr val="4D4848"/>
+                </a:solidFill>
+                <a:latin typeface="G마켓 산스 Medium" panose="02000000000000000000" pitchFamily="50" charset="-127"/>
+                <a:ea typeface="G마켓 산스 Medium" panose="02000000000000000000" pitchFamily="50" charset="-127"/>
+              </a:rPr>
+              <a:t>출력하시오</a:t>
+            </a:r>
+            <a:endParaRPr lang="en-US" altLang="ko-KR" sz="3600" dirty="0">
               <a:solidFill>
                 <a:srgbClr val="4D4848"/>
               </a:solidFill>
@@ -11947,7 +11881,7 @@
           <p:cNvPr id="10" name="TextBox 9">
             <a:extLst>
               <a:ext uri="{FF2B5EF4-FFF2-40B4-BE49-F238E27FC236}">
-                <a16:creationId xmlns="" xmlns:a16="http://schemas.microsoft.com/office/drawing/2014/main" id="{5ADC00B6-990A-40DC-3CEA-505258F5E8DA}"/>
+                <a16:creationId xmlns:a16="http://schemas.microsoft.com/office/drawing/2014/main" id="{5ADC00B6-990A-40DC-3CEA-505258F5E8DA}"/>
               </a:ext>
             </a:extLst>
           </p:cNvPr>
@@ -12005,7 +11939,7 @@
           <p:cNvPr id="11" name="TextBox 10">
             <a:extLst>
               <a:ext uri="{FF2B5EF4-FFF2-40B4-BE49-F238E27FC236}">
-                <a16:creationId xmlns="" xmlns:a16="http://schemas.microsoft.com/office/drawing/2014/main" id="{4EDAA912-8FA0-0F11-119B-EA9F8B36A489}"/>
+                <a16:creationId xmlns:a16="http://schemas.microsoft.com/office/drawing/2014/main" id="{4EDAA912-8FA0-0F11-119B-EA9F8B36A489}"/>
               </a:ext>
             </a:extLst>
           </p:cNvPr>
@@ -12086,29 +12020,9 @@
                 <a:latin typeface="G마켓 산스 Medium" panose="02000000000000000000" pitchFamily="50" charset="-127"/>
                 <a:ea typeface="G마켓 산스 Medium" panose="02000000000000000000" pitchFamily="50" charset="-127"/>
               </a:rPr>
-              <a:t>번째 숫자가 </a:t>
-            </a:r>
-            <a:r>
-              <a:rPr lang="ko-KR" altLang="en-US" sz="3200">
-                <a:solidFill>
-                  <a:srgbClr val="4D4848"/>
-                </a:solidFill>
-                <a:latin typeface="G마켓 산스 Medium" panose="02000000000000000000" pitchFamily="50" charset="-127"/>
-                <a:ea typeface="G마켓 산스 Medium" panose="02000000000000000000" pitchFamily="50" charset="-127"/>
-              </a:rPr>
-              <a:t>무엇인지 </a:t>
-            </a:r>
-            <a:r>
-              <a:rPr lang="ko-KR" altLang="en-US" sz="3200" smtClean="0">
-                <a:solidFill>
-                  <a:srgbClr val="4D4848"/>
-                </a:solidFill>
-                <a:latin typeface="G마켓 산스 Medium" panose="02000000000000000000" pitchFamily="50" charset="-127"/>
-                <a:ea typeface="G마켓 산스 Medium" panose="02000000000000000000" pitchFamily="50" charset="-127"/>
-              </a:rPr>
-              <a:t>출력하여보자</a:t>
-            </a:r>
-            <a:endParaRPr lang="en-US" altLang="ko-KR" sz="3200" smtClean="0">
+              <a:t>번째 숫자가 무엇인지 출력하여보자</a:t>
+            </a:r>
+            <a:endParaRPr lang="en-US" altLang="ko-KR" sz="3200">
               <a:solidFill>
                 <a:srgbClr val="4D4848"/>
               </a:solidFill>
@@ -12118,7 +12032,7 @@
           </a:p>
           <a:p>
             <a:r>
-              <a:rPr lang="ko-KR" altLang="en-US" sz="3200" smtClean="0">
+              <a:rPr lang="ko-KR" altLang="en-US" sz="3200">
                 <a:solidFill>
                   <a:srgbClr val="00B0F0"/>
                 </a:solidFill>
@@ -12128,7 +12042,7 @@
               <a:t>피보나치 수열 </a:t>
             </a:r>
             <a:r>
-              <a:rPr lang="en-US" altLang="ko-KR" sz="3200" smtClean="0">
+              <a:rPr lang="en-US" altLang="ko-KR" sz="3200">
                 <a:solidFill>
                   <a:srgbClr val="00B0F0"/>
                 </a:solidFill>
@@ -12138,7 +12052,7 @@
               <a:t>: </a:t>
             </a:r>
             <a:r>
-              <a:rPr lang="ko-KR" altLang="en-US" sz="3200" smtClean="0">
+              <a:rPr lang="ko-KR" altLang="en-US" sz="3200">
                 <a:solidFill>
                   <a:srgbClr val="00B0F0"/>
                 </a:solidFill>
@@ -12148,7 +12062,7 @@
               <a:t>앞의 두 수를 더하여  다음의 수를 만들어 내는 수열이다</a:t>
             </a:r>
             <a:r>
-              <a:rPr lang="en-US" altLang="ko-KR" sz="3200" smtClean="0">
+              <a:rPr lang="en-US" altLang="ko-KR" sz="3200">
                 <a:solidFill>
                   <a:srgbClr val="00B0F0"/>
                 </a:solidFill>
@@ -12167,17 +12081,7 @@
                 <a:latin typeface="G마켓 산스 Medium" panose="02000000000000000000" pitchFamily="50" charset="-127"/>
                 <a:ea typeface="G마켓 산스 Medium" panose="02000000000000000000" pitchFamily="50" charset="-127"/>
               </a:rPr>
-              <a:t>e</a:t>
-            </a:r>
-            <a:r>
-              <a:rPr lang="en-US" altLang="ko-KR" sz="3200" smtClean="0">
-                <a:solidFill>
-                  <a:srgbClr val="4D4848"/>
-                </a:solidFill>
-                <a:latin typeface="G마켓 산스 Medium" panose="02000000000000000000" pitchFamily="50" charset="-127"/>
-                <a:ea typeface="G마켓 산스 Medium" panose="02000000000000000000" pitchFamily="50" charset="-127"/>
-              </a:rPr>
-              <a:t>x) 1, 1, 2, 3, 5, 8, 13</a:t>
+              <a:t>ex) 1, 1, 2, 3, 5, 8, 13</a:t>
             </a:r>
           </a:p>
         </p:txBody>
@@ -12246,7 +12150,7 @@
         </p:blipFill>
         <p:spPr>
           <a:xfrm>
-            <a:off x="11211211" y="272691"/>
+            <a:off x="11592211" y="272691"/>
             <a:ext cx="3266789" cy="3499209"/>
           </a:xfrm>
           <a:prstGeom prst="rect">
@@ -12264,13 +12168,6 @@
   <p:clrMapOvr>
     <a:masterClrMapping/>
   </p:clrMapOvr>
-  <p:timing>
-    <p:tnLst>
-      <p:par>
-        <p:cTn id="1" dur="indefinite" restart="never" nodeType="tmRoot"/>
-      </p:par>
-    </p:tnLst>
-  </p:timing>
 </p:sld>
 </file>
 
@@ -12562,7 +12459,7 @@
           <p:cNvPr id="2" name="TextBox 1">
             <a:extLst>
               <a:ext uri="{FF2B5EF4-FFF2-40B4-BE49-F238E27FC236}">
-                <a16:creationId xmlns="" xmlns:a16="http://schemas.microsoft.com/office/drawing/2014/main" id="{715D88A2-BD52-978B-A00A-540446126E3D}"/>
+                <a16:creationId xmlns:a16="http://schemas.microsoft.com/office/drawing/2014/main" id="{715D88A2-BD52-978B-A00A-540446126E3D}"/>
               </a:ext>
             </a:extLst>
           </p:cNvPr>
@@ -12823,7 +12720,7 @@
           <p:cNvPr id="2" name="TextBox 1">
             <a:extLst>
               <a:ext uri="{FF2B5EF4-FFF2-40B4-BE49-F238E27FC236}">
-                <a16:creationId xmlns="" xmlns:a16="http://schemas.microsoft.com/office/drawing/2014/main" id="{8D19D88B-9541-32D7-90F1-0C45C993E21C}"/>
+                <a16:creationId xmlns:a16="http://schemas.microsoft.com/office/drawing/2014/main" id="{8D19D88B-9541-32D7-90F1-0C45C993E21C}"/>
               </a:ext>
             </a:extLst>
           </p:cNvPr>
@@ -12864,13 +12761,6 @@
   <p:clrMapOvr>
     <a:masterClrMapping/>
   </p:clrMapOvr>
-  <p:timing>
-    <p:tnLst>
-      <p:par>
-        <p:cTn id="1" dur="indefinite" restart="never" nodeType="tmRoot"/>
-      </p:par>
-    </p:tnLst>
-  </p:timing>
 </p:sld>
 </file>
 
@@ -12977,7 +12867,7 @@
           <p:cNvPr id="21" name="그룹 1021">
             <a:extLst>
               <a:ext uri="{FF2B5EF4-FFF2-40B4-BE49-F238E27FC236}">
-                <a16:creationId xmlns="" xmlns:a16="http://schemas.microsoft.com/office/drawing/2014/main" id="{DAE466EB-8914-A47B-444E-4C193B0D877A}"/>
+                <a16:creationId xmlns:a16="http://schemas.microsoft.com/office/drawing/2014/main" id="{DAE466EB-8914-A47B-444E-4C193B0D877A}"/>
               </a:ext>
             </a:extLst>
           </p:cNvPr>
@@ -12997,7 +12887,7 @@
             <p:cNvPr id="23" name="Object 71">
               <a:extLst>
                 <a:ext uri="{FF2B5EF4-FFF2-40B4-BE49-F238E27FC236}">
-                  <a16:creationId xmlns="" xmlns:a16="http://schemas.microsoft.com/office/drawing/2014/main" id="{44802802-8C0A-9B02-4940-D16EEB7C206A}"/>
+                  <a16:creationId xmlns:a16="http://schemas.microsoft.com/office/drawing/2014/main" id="{44802802-8C0A-9B02-4940-D16EEB7C206A}"/>
                 </a:ext>
               </a:extLst>
             </p:cNvPr>
@@ -13028,7 +12918,7 @@
           <p:cNvPr id="24" name="그룹 1021">
             <a:extLst>
               <a:ext uri="{FF2B5EF4-FFF2-40B4-BE49-F238E27FC236}">
-                <a16:creationId xmlns="" xmlns:a16="http://schemas.microsoft.com/office/drawing/2014/main" id="{DAE466EB-8914-A47B-444E-4C193B0D877A}"/>
+                <a16:creationId xmlns:a16="http://schemas.microsoft.com/office/drawing/2014/main" id="{DAE466EB-8914-A47B-444E-4C193B0D877A}"/>
               </a:ext>
             </a:extLst>
           </p:cNvPr>
@@ -13048,7 +12938,7 @@
             <p:cNvPr id="25" name="Object 71">
               <a:extLst>
                 <a:ext uri="{FF2B5EF4-FFF2-40B4-BE49-F238E27FC236}">
-                  <a16:creationId xmlns="" xmlns:a16="http://schemas.microsoft.com/office/drawing/2014/main" id="{44802802-8C0A-9B02-4940-D16EEB7C206A}"/>
+                  <a16:creationId xmlns:a16="http://schemas.microsoft.com/office/drawing/2014/main" id="{44802802-8C0A-9B02-4940-D16EEB7C206A}"/>
                 </a:ext>
               </a:extLst>
             </p:cNvPr>
@@ -13079,7 +12969,7 @@
           <p:cNvPr id="26" name="직선 화살표 연결선 25">
             <a:extLst>
               <a:ext uri="{FF2B5EF4-FFF2-40B4-BE49-F238E27FC236}">
-                <a16:creationId xmlns="" xmlns:a16="http://schemas.microsoft.com/office/drawing/2014/main" id="{0628D70E-4BD6-EF88-6059-DB86364B2320}"/>
+                <a16:creationId xmlns:a16="http://schemas.microsoft.com/office/drawing/2014/main" id="{0628D70E-4BD6-EF88-6059-DB86364B2320}"/>
               </a:ext>
             </a:extLst>
           </p:cNvPr>
@@ -13121,7 +13011,7 @@
           <p:cNvPr id="27" name="TextBox 26">
             <a:extLst>
               <a:ext uri="{FF2B5EF4-FFF2-40B4-BE49-F238E27FC236}">
-                <a16:creationId xmlns="" xmlns:a16="http://schemas.microsoft.com/office/drawing/2014/main" id="{72769C28-9BB6-DE9C-7B6F-264B77B8DD0E}"/>
+                <a16:creationId xmlns:a16="http://schemas.microsoft.com/office/drawing/2014/main" id="{72769C28-9BB6-DE9C-7B6F-264B77B8DD0E}"/>
               </a:ext>
             </a:extLst>
           </p:cNvPr>
@@ -13162,7 +13052,7 @@
           <p:cNvPr id="28" name="TextBox 27">
             <a:extLst>
               <a:ext uri="{FF2B5EF4-FFF2-40B4-BE49-F238E27FC236}">
-                <a16:creationId xmlns="" xmlns:a16="http://schemas.microsoft.com/office/drawing/2014/main" id="{270932A0-5477-2529-2641-C73A825AFD61}"/>
+                <a16:creationId xmlns:a16="http://schemas.microsoft.com/office/drawing/2014/main" id="{270932A0-5477-2529-2641-C73A825AFD61}"/>
               </a:ext>
             </a:extLst>
           </p:cNvPr>
@@ -13210,7 +13100,7 @@
           <p:cNvPr id="29" name="TextBox 28">
             <a:extLst>
               <a:ext uri="{FF2B5EF4-FFF2-40B4-BE49-F238E27FC236}">
-                <a16:creationId xmlns="" xmlns:a16="http://schemas.microsoft.com/office/drawing/2014/main" id="{270932A0-5477-2529-2641-C73A825AFD61}"/>
+                <a16:creationId xmlns:a16="http://schemas.microsoft.com/office/drawing/2014/main" id="{270932A0-5477-2529-2641-C73A825AFD61}"/>
               </a:ext>
             </a:extLst>
           </p:cNvPr>
@@ -13258,7 +13148,7 @@
           <p:cNvPr id="30" name="TextBox 29">
             <a:extLst>
               <a:ext uri="{FF2B5EF4-FFF2-40B4-BE49-F238E27FC236}">
-                <a16:creationId xmlns="" xmlns:a16="http://schemas.microsoft.com/office/drawing/2014/main" id="{72769C28-9BB6-DE9C-7B6F-264B77B8DD0E}"/>
+                <a16:creationId xmlns:a16="http://schemas.microsoft.com/office/drawing/2014/main" id="{72769C28-9BB6-DE9C-7B6F-264B77B8DD0E}"/>
               </a:ext>
             </a:extLst>
           </p:cNvPr>
@@ -13316,7 +13206,7 @@
           <p:cNvPr id="31" name="TextBox 30">
             <a:extLst>
               <a:ext uri="{FF2B5EF4-FFF2-40B4-BE49-F238E27FC236}">
-                <a16:creationId xmlns="" xmlns:a16="http://schemas.microsoft.com/office/drawing/2014/main" id="{72769C28-9BB6-DE9C-7B6F-264B77B8DD0E}"/>
+                <a16:creationId xmlns:a16="http://schemas.microsoft.com/office/drawing/2014/main" id="{72769C28-9BB6-DE9C-7B6F-264B77B8DD0E}"/>
               </a:ext>
             </a:extLst>
           </p:cNvPr>
@@ -13374,7 +13264,7 @@
           <p:cNvPr id="32" name="TextBox 31">
             <a:extLst>
               <a:ext uri="{FF2B5EF4-FFF2-40B4-BE49-F238E27FC236}">
-                <a16:creationId xmlns="" xmlns:a16="http://schemas.microsoft.com/office/drawing/2014/main" id="{5ADC00B6-990A-40DC-3CEA-505258F5E8DA}"/>
+                <a16:creationId xmlns:a16="http://schemas.microsoft.com/office/drawing/2014/main" id="{5ADC00B6-990A-40DC-3CEA-505258F5E8DA}"/>
               </a:ext>
             </a:extLst>
           </p:cNvPr>
@@ -13442,7 +13332,7 @@
           <p:cNvPr id="2" name="직선 화살표 연결선 1">
             <a:extLst>
               <a:ext uri="{FF2B5EF4-FFF2-40B4-BE49-F238E27FC236}">
-                <a16:creationId xmlns="" xmlns:a16="http://schemas.microsoft.com/office/drawing/2014/main" id="{0C773C2D-7952-42B1-1C14-32B6F531BA11}"/>
+                <a16:creationId xmlns:a16="http://schemas.microsoft.com/office/drawing/2014/main" id="{0C773C2D-7952-42B1-1C14-32B6F531BA11}"/>
               </a:ext>
             </a:extLst>
           </p:cNvPr>
@@ -13483,7 +13373,7 @@
           <p:cNvPr id="4" name="그룹 1021">
             <a:extLst>
               <a:ext uri="{FF2B5EF4-FFF2-40B4-BE49-F238E27FC236}">
-                <a16:creationId xmlns="" xmlns:a16="http://schemas.microsoft.com/office/drawing/2014/main" id="{00BB86B9-E92A-B85A-95D5-5FC9D2623525}"/>
+                <a16:creationId xmlns:a16="http://schemas.microsoft.com/office/drawing/2014/main" id="{00BB86B9-E92A-B85A-95D5-5FC9D2623525}"/>
               </a:ext>
             </a:extLst>
           </p:cNvPr>
@@ -13503,7 +13393,7 @@
             <p:cNvPr id="5" name="Object 71">
               <a:extLst>
                 <a:ext uri="{FF2B5EF4-FFF2-40B4-BE49-F238E27FC236}">
-                  <a16:creationId xmlns="" xmlns:a16="http://schemas.microsoft.com/office/drawing/2014/main" id="{4D9C2CFC-171E-587A-9A19-D40FBD4D4638}"/>
+                  <a16:creationId xmlns:a16="http://schemas.microsoft.com/office/drawing/2014/main" id="{4D9C2CFC-171E-587A-9A19-D40FBD4D4638}"/>
                 </a:ext>
               </a:extLst>
             </p:cNvPr>
@@ -13534,7 +13424,7 @@
           <p:cNvPr id="6" name="TextBox 5">
             <a:extLst>
               <a:ext uri="{FF2B5EF4-FFF2-40B4-BE49-F238E27FC236}">
-                <a16:creationId xmlns="" xmlns:a16="http://schemas.microsoft.com/office/drawing/2014/main" id="{60BB95F0-D042-F4F0-93C1-BBBDEDE0CCEB}"/>
+                <a16:creationId xmlns:a16="http://schemas.microsoft.com/office/drawing/2014/main" id="{60BB95F0-D042-F4F0-93C1-BBBDEDE0CCEB}"/>
               </a:ext>
             </a:extLst>
           </p:cNvPr>
@@ -13575,7 +13465,7 @@
           <p:cNvPr id="7" name="직선 화살표 연결선 6">
             <a:extLst>
               <a:ext uri="{FF2B5EF4-FFF2-40B4-BE49-F238E27FC236}">
-                <a16:creationId xmlns="" xmlns:a16="http://schemas.microsoft.com/office/drawing/2014/main" id="{B4C4A633-0DE2-72B6-C4B7-AAAB1DCA58F4}"/>
+                <a16:creationId xmlns:a16="http://schemas.microsoft.com/office/drawing/2014/main" id="{B4C4A633-0DE2-72B6-C4B7-AAAB1DCA58F4}"/>
               </a:ext>
             </a:extLst>
           </p:cNvPr>
@@ -13622,13 +13512,6 @@
   <p:clrMapOvr>
     <a:masterClrMapping/>
   </p:clrMapOvr>
-  <p:timing>
-    <p:tnLst>
-      <p:par>
-        <p:cTn id="1" dur="indefinite" restart="never" nodeType="tmRoot"/>
-      </p:par>
-    </p:tnLst>
-  </p:timing>
 </p:sld>
 </file>
 
@@ -13654,7 +13537,7 @@
           <p:cNvPr id="6" name="TextBox 5">
             <a:extLst>
               <a:ext uri="{FF2B5EF4-FFF2-40B4-BE49-F238E27FC236}">
-                <a16:creationId xmlns="" xmlns:a16="http://schemas.microsoft.com/office/drawing/2014/main" id="{5ADC00B6-990A-40DC-3CEA-505258F5E8DA}"/>
+                <a16:creationId xmlns:a16="http://schemas.microsoft.com/office/drawing/2014/main" id="{5ADC00B6-990A-40DC-3CEA-505258F5E8DA}"/>
               </a:ext>
             </a:extLst>
           </p:cNvPr>
@@ -13712,7 +13595,7 @@
           <p:cNvPr id="8" name="TextBox 7">
             <a:extLst>
               <a:ext uri="{FF2B5EF4-FFF2-40B4-BE49-F238E27FC236}">
-                <a16:creationId xmlns="" xmlns:a16="http://schemas.microsoft.com/office/drawing/2014/main" id="{5ADC00B6-990A-40DC-3CEA-505258F5E8DA}"/>
+                <a16:creationId xmlns:a16="http://schemas.microsoft.com/office/drawing/2014/main" id="{5ADC00B6-990A-40DC-3CEA-505258F5E8DA}"/>
               </a:ext>
             </a:extLst>
           </p:cNvPr>
@@ -13820,7 +13703,7 @@
           <p:cNvPr id="3" name="그림 2">
             <a:extLst>
               <a:ext uri="{FF2B5EF4-FFF2-40B4-BE49-F238E27FC236}">
-                <a16:creationId xmlns="" xmlns:a16="http://schemas.microsoft.com/office/drawing/2014/main" id="{F5B18E58-C822-3D4A-DC6C-337B77A00346}"/>
+                <a16:creationId xmlns:a16="http://schemas.microsoft.com/office/drawing/2014/main" id="{F5B18E58-C822-3D4A-DC6C-337B77A00346}"/>
               </a:ext>
             </a:extLst>
           </p:cNvPr>
@@ -13850,7 +13733,7 @@
           <p:cNvPr id="5" name="직선 화살표 연결선 4">
             <a:extLst>
               <a:ext uri="{FF2B5EF4-FFF2-40B4-BE49-F238E27FC236}">
-                <a16:creationId xmlns="" xmlns:a16="http://schemas.microsoft.com/office/drawing/2014/main" id="{1531DCE9-8979-540C-770F-532EA63DD581}"/>
+                <a16:creationId xmlns:a16="http://schemas.microsoft.com/office/drawing/2014/main" id="{1531DCE9-8979-540C-770F-532EA63DD581}"/>
               </a:ext>
             </a:extLst>
           </p:cNvPr>
@@ -13891,7 +13774,7 @@
           <p:cNvPr id="11" name="TextBox 10">
             <a:extLst>
               <a:ext uri="{FF2B5EF4-FFF2-40B4-BE49-F238E27FC236}">
-                <a16:creationId xmlns="" xmlns:a16="http://schemas.microsoft.com/office/drawing/2014/main" id="{270C665C-AE90-6805-E0D6-1535A7AD09AB}"/>
+                <a16:creationId xmlns:a16="http://schemas.microsoft.com/office/drawing/2014/main" id="{270C665C-AE90-6805-E0D6-1535A7AD09AB}"/>
               </a:ext>
             </a:extLst>
           </p:cNvPr>
@@ -13971,7 +13854,7 @@
           <p:cNvPr id="15" name="직선 연결선 14">
             <a:extLst>
               <a:ext uri="{FF2B5EF4-FFF2-40B4-BE49-F238E27FC236}">
-                <a16:creationId xmlns="" xmlns:a16="http://schemas.microsoft.com/office/drawing/2014/main" id="{E40D645D-B358-1557-2F13-A243670FCA7A}"/>
+                <a16:creationId xmlns:a16="http://schemas.microsoft.com/office/drawing/2014/main" id="{E40D645D-B358-1557-2F13-A243670FCA7A}"/>
               </a:ext>
             </a:extLst>
           </p:cNvPr>
@@ -14012,7 +13895,7 @@
           <p:cNvPr id="16" name="직선 연결선 15">
             <a:extLst>
               <a:ext uri="{FF2B5EF4-FFF2-40B4-BE49-F238E27FC236}">
-                <a16:creationId xmlns="" xmlns:a16="http://schemas.microsoft.com/office/drawing/2014/main" id="{EBB73448-1B66-9555-EE66-45A1A58DB64F}"/>
+                <a16:creationId xmlns:a16="http://schemas.microsoft.com/office/drawing/2014/main" id="{EBB73448-1B66-9555-EE66-45A1A58DB64F}"/>
               </a:ext>
             </a:extLst>
           </p:cNvPr>
@@ -14055,7 +13938,7 @@
           <p:cNvPr id="18" name="직선 연결선 17">
             <a:extLst>
               <a:ext uri="{FF2B5EF4-FFF2-40B4-BE49-F238E27FC236}">
-                <a16:creationId xmlns="" xmlns:a16="http://schemas.microsoft.com/office/drawing/2014/main" id="{35AAEC27-482D-AAA0-269F-59162F0A70BA}"/>
+                <a16:creationId xmlns:a16="http://schemas.microsoft.com/office/drawing/2014/main" id="{35AAEC27-482D-AAA0-269F-59162F0A70BA}"/>
               </a:ext>
             </a:extLst>
           </p:cNvPr>
@@ -14098,7 +13981,7 @@
           <p:cNvPr id="22" name="직선 화살표 연결선 21">
             <a:extLst>
               <a:ext uri="{FF2B5EF4-FFF2-40B4-BE49-F238E27FC236}">
-                <a16:creationId xmlns="" xmlns:a16="http://schemas.microsoft.com/office/drawing/2014/main" id="{88D55703-962D-4B5F-B944-2FA5E6FFAAA6}"/>
+                <a16:creationId xmlns:a16="http://schemas.microsoft.com/office/drawing/2014/main" id="{88D55703-962D-4B5F-B944-2FA5E6FFAAA6}"/>
               </a:ext>
             </a:extLst>
           </p:cNvPr>
@@ -14139,7 +14022,7 @@
           <p:cNvPr id="23" name="TextBox 22">
             <a:extLst>
               <a:ext uri="{FF2B5EF4-FFF2-40B4-BE49-F238E27FC236}">
-                <a16:creationId xmlns="" xmlns:a16="http://schemas.microsoft.com/office/drawing/2014/main" id="{B01C68AF-C22F-AE31-1BE0-52007B872250}"/>
+                <a16:creationId xmlns:a16="http://schemas.microsoft.com/office/drawing/2014/main" id="{B01C68AF-C22F-AE31-1BE0-52007B872250}"/>
               </a:ext>
             </a:extLst>
           </p:cNvPr>
@@ -14210,7 +14093,7 @@
           <p:cNvPr id="26" name="직선 화살표 연결선 25">
             <a:extLst>
               <a:ext uri="{FF2B5EF4-FFF2-40B4-BE49-F238E27FC236}">
-                <a16:creationId xmlns="" xmlns:a16="http://schemas.microsoft.com/office/drawing/2014/main" id="{E3E3BE3C-1B41-2CD2-E50A-5C5AD79D9AAF}"/>
+                <a16:creationId xmlns:a16="http://schemas.microsoft.com/office/drawing/2014/main" id="{E3E3BE3C-1B41-2CD2-E50A-5C5AD79D9AAF}"/>
               </a:ext>
             </a:extLst>
           </p:cNvPr>
@@ -14251,7 +14134,7 @@
           <p:cNvPr id="28" name="TextBox 27">
             <a:extLst>
               <a:ext uri="{FF2B5EF4-FFF2-40B4-BE49-F238E27FC236}">
-                <a16:creationId xmlns="" xmlns:a16="http://schemas.microsoft.com/office/drawing/2014/main" id="{0AED7062-9061-7061-FAA1-5143175174F0}"/>
+                <a16:creationId xmlns:a16="http://schemas.microsoft.com/office/drawing/2014/main" id="{0AED7062-9061-7061-FAA1-5143175174F0}"/>
               </a:ext>
             </a:extLst>
           </p:cNvPr>
@@ -14312,7 +14195,7 @@
           <p:cNvPr id="30" name="TextBox 29">
             <a:extLst>
               <a:ext uri="{FF2B5EF4-FFF2-40B4-BE49-F238E27FC236}">
-                <a16:creationId xmlns="" xmlns:a16="http://schemas.microsoft.com/office/drawing/2014/main" id="{642BD45E-F7C7-02E1-DAD2-9488C8690BE0}"/>
+                <a16:creationId xmlns:a16="http://schemas.microsoft.com/office/drawing/2014/main" id="{642BD45E-F7C7-02E1-DAD2-9488C8690BE0}"/>
               </a:ext>
             </a:extLst>
           </p:cNvPr>
@@ -14418,13 +14301,6 @@
   <p:clrMapOvr>
     <a:masterClrMapping/>
   </p:clrMapOvr>
-  <p:timing>
-    <p:tnLst>
-      <p:par>
-        <p:cTn id="1" dur="indefinite" restart="never" nodeType="tmRoot"/>
-      </p:par>
-    </p:tnLst>
-  </p:timing>
 </p:sld>
 </file>
 
@@ -14450,7 +14326,7 @@
           <p:cNvPr id="4" name="TextBox 3">
             <a:extLst>
               <a:ext uri="{FF2B5EF4-FFF2-40B4-BE49-F238E27FC236}">
-                <a16:creationId xmlns="" xmlns:a16="http://schemas.microsoft.com/office/drawing/2014/main" id="{689B06B0-68AB-C307-0EBB-9D1982E424B0}"/>
+                <a16:creationId xmlns:a16="http://schemas.microsoft.com/office/drawing/2014/main" id="{689B06B0-68AB-C307-0EBB-9D1982E424B0}"/>
               </a:ext>
             </a:extLst>
           </p:cNvPr>
@@ -14508,7 +14384,7 @@
           <p:cNvPr id="6" name="그림 5">
             <a:extLst>
               <a:ext uri="{FF2B5EF4-FFF2-40B4-BE49-F238E27FC236}">
-                <a16:creationId xmlns="" xmlns:a16="http://schemas.microsoft.com/office/drawing/2014/main" id="{47DB1BEC-83BD-9A81-8F2A-CD1BD70AE5E7}"/>
+                <a16:creationId xmlns:a16="http://schemas.microsoft.com/office/drawing/2014/main" id="{47DB1BEC-83BD-9A81-8F2A-CD1BD70AE5E7}"/>
               </a:ext>
             </a:extLst>
           </p:cNvPr>
@@ -14538,7 +14414,7 @@
           <p:cNvPr id="7" name="직선 화살표 연결선 6">
             <a:extLst>
               <a:ext uri="{FF2B5EF4-FFF2-40B4-BE49-F238E27FC236}">
-                <a16:creationId xmlns="" xmlns:a16="http://schemas.microsoft.com/office/drawing/2014/main" id="{0C626B88-28F7-8151-7B62-0A3D010F91C0}"/>
+                <a16:creationId xmlns:a16="http://schemas.microsoft.com/office/drawing/2014/main" id="{0C626B88-28F7-8151-7B62-0A3D010F91C0}"/>
               </a:ext>
             </a:extLst>
           </p:cNvPr>
@@ -14579,7 +14455,7 @@
           <p:cNvPr id="8" name="직사각형 7">
             <a:extLst>
               <a:ext uri="{FF2B5EF4-FFF2-40B4-BE49-F238E27FC236}">
-                <a16:creationId xmlns="" xmlns:a16="http://schemas.microsoft.com/office/drawing/2014/main" id="{49C2E4F5-8682-2767-5D78-3379E2DFD4F9}"/>
+                <a16:creationId xmlns:a16="http://schemas.microsoft.com/office/drawing/2014/main" id="{49C2E4F5-8682-2767-5D78-3379E2DFD4F9}"/>
               </a:ext>
             </a:extLst>
           </p:cNvPr>
@@ -14631,7 +14507,7 @@
           <p:cNvPr id="10" name="TextBox 9">
             <a:extLst>
               <a:ext uri="{FF2B5EF4-FFF2-40B4-BE49-F238E27FC236}">
-                <a16:creationId xmlns="" xmlns:a16="http://schemas.microsoft.com/office/drawing/2014/main" id="{D75F4B4F-8FD1-6095-2821-D9CC57CE2BC6}"/>
+                <a16:creationId xmlns:a16="http://schemas.microsoft.com/office/drawing/2014/main" id="{D75F4B4F-8FD1-6095-2821-D9CC57CE2BC6}"/>
               </a:ext>
             </a:extLst>
           </p:cNvPr>
@@ -14688,7 +14564,7 @@
           <p:cNvPr id="12" name="그림 11">
             <a:extLst>
               <a:ext uri="{FF2B5EF4-FFF2-40B4-BE49-F238E27FC236}">
-                <a16:creationId xmlns="" xmlns:a16="http://schemas.microsoft.com/office/drawing/2014/main" id="{71FBC67B-133A-2045-477F-F50EA945D0CC}"/>
+                <a16:creationId xmlns:a16="http://schemas.microsoft.com/office/drawing/2014/main" id="{71FBC67B-133A-2045-477F-F50EA945D0CC}"/>
               </a:ext>
             </a:extLst>
           </p:cNvPr>
@@ -14718,7 +14594,7 @@
           <p:cNvPr id="13" name="직선 화살표 연결선 12">
             <a:extLst>
               <a:ext uri="{FF2B5EF4-FFF2-40B4-BE49-F238E27FC236}">
-                <a16:creationId xmlns="" xmlns:a16="http://schemas.microsoft.com/office/drawing/2014/main" id="{FAB6EF14-5D7D-333B-73B0-35022C8DDEC1}"/>
+                <a16:creationId xmlns:a16="http://schemas.microsoft.com/office/drawing/2014/main" id="{FAB6EF14-5D7D-333B-73B0-35022C8DDEC1}"/>
               </a:ext>
             </a:extLst>
           </p:cNvPr>
@@ -14759,7 +14635,7 @@
           <p:cNvPr id="14" name="직사각형 13">
             <a:extLst>
               <a:ext uri="{FF2B5EF4-FFF2-40B4-BE49-F238E27FC236}">
-                <a16:creationId xmlns="" xmlns:a16="http://schemas.microsoft.com/office/drawing/2014/main" id="{101993EF-383B-D715-EF0A-CDE4AC7AB0AF}"/>
+                <a16:creationId xmlns:a16="http://schemas.microsoft.com/office/drawing/2014/main" id="{101993EF-383B-D715-EF0A-CDE4AC7AB0AF}"/>
               </a:ext>
             </a:extLst>
           </p:cNvPr>
@@ -14811,7 +14687,7 @@
           <p:cNvPr id="15" name="TextBox 14">
             <a:extLst>
               <a:ext uri="{FF2B5EF4-FFF2-40B4-BE49-F238E27FC236}">
-                <a16:creationId xmlns="" xmlns:a16="http://schemas.microsoft.com/office/drawing/2014/main" id="{64D6DA13-99A3-812E-B62A-51BDD25B6BD2}"/>
+                <a16:creationId xmlns:a16="http://schemas.microsoft.com/office/drawing/2014/main" id="{64D6DA13-99A3-812E-B62A-51BDD25B6BD2}"/>
               </a:ext>
             </a:extLst>
           </p:cNvPr>
@@ -14957,7 +14833,7 @@
           <p:cNvPr id="18" name="그림 17">
             <a:extLst>
               <a:ext uri="{FF2B5EF4-FFF2-40B4-BE49-F238E27FC236}">
-                <a16:creationId xmlns="" xmlns:a16="http://schemas.microsoft.com/office/drawing/2014/main" id="{00DE21ED-57B3-A7D1-8BA3-1885ED016D2B}"/>
+                <a16:creationId xmlns:a16="http://schemas.microsoft.com/office/drawing/2014/main" id="{00DE21ED-57B3-A7D1-8BA3-1885ED016D2B}"/>
               </a:ext>
             </a:extLst>
           </p:cNvPr>
@@ -14987,7 +14863,7 @@
           <p:cNvPr id="19" name="직선 화살표 연결선 18">
             <a:extLst>
               <a:ext uri="{FF2B5EF4-FFF2-40B4-BE49-F238E27FC236}">
-                <a16:creationId xmlns="" xmlns:a16="http://schemas.microsoft.com/office/drawing/2014/main" id="{A1268EA5-0368-4462-246D-144CDB05B23F}"/>
+                <a16:creationId xmlns:a16="http://schemas.microsoft.com/office/drawing/2014/main" id="{A1268EA5-0368-4462-246D-144CDB05B23F}"/>
               </a:ext>
             </a:extLst>
           </p:cNvPr>
@@ -15028,7 +14904,7 @@
           <p:cNvPr id="20" name="직사각형 19">
             <a:extLst>
               <a:ext uri="{FF2B5EF4-FFF2-40B4-BE49-F238E27FC236}">
-                <a16:creationId xmlns="" xmlns:a16="http://schemas.microsoft.com/office/drawing/2014/main" id="{3CE952E5-50B3-EB4C-0A71-D498B14619AB}"/>
+                <a16:creationId xmlns:a16="http://schemas.microsoft.com/office/drawing/2014/main" id="{3CE952E5-50B3-EB4C-0A71-D498B14619AB}"/>
               </a:ext>
             </a:extLst>
           </p:cNvPr>
@@ -15080,7 +14956,7 @@
           <p:cNvPr id="21" name="TextBox 20">
             <a:extLst>
               <a:ext uri="{FF2B5EF4-FFF2-40B4-BE49-F238E27FC236}">
-                <a16:creationId xmlns="" xmlns:a16="http://schemas.microsoft.com/office/drawing/2014/main" id="{10D2964D-13AA-4BA9-8147-C4D7FFA4E524}"/>
+                <a16:creationId xmlns:a16="http://schemas.microsoft.com/office/drawing/2014/main" id="{10D2964D-13AA-4BA9-8147-C4D7FFA4E524}"/>
               </a:ext>
             </a:extLst>
           </p:cNvPr>
@@ -15147,7 +15023,7 @@
           <p:cNvPr id="23" name="그림 22">
             <a:extLst>
               <a:ext uri="{FF2B5EF4-FFF2-40B4-BE49-F238E27FC236}">
-                <a16:creationId xmlns="" xmlns:a16="http://schemas.microsoft.com/office/drawing/2014/main" id="{2AB563CE-C606-E4F4-F345-DDD7E0A58CA8}"/>
+                <a16:creationId xmlns:a16="http://schemas.microsoft.com/office/drawing/2014/main" id="{2AB563CE-C606-E4F4-F345-DDD7E0A58CA8}"/>
               </a:ext>
             </a:extLst>
           </p:cNvPr>
@@ -15177,7 +15053,7 @@
           <p:cNvPr id="24" name="직사각형 23">
             <a:extLst>
               <a:ext uri="{FF2B5EF4-FFF2-40B4-BE49-F238E27FC236}">
-                <a16:creationId xmlns="" xmlns:a16="http://schemas.microsoft.com/office/drawing/2014/main" id="{C3078241-A31B-7809-4097-6CD7A51122E4}"/>
+                <a16:creationId xmlns:a16="http://schemas.microsoft.com/office/drawing/2014/main" id="{C3078241-A31B-7809-4097-6CD7A51122E4}"/>
               </a:ext>
             </a:extLst>
           </p:cNvPr>
@@ -15229,7 +15105,7 @@
           <p:cNvPr id="25" name="직선 화살표 연결선 24">
             <a:extLst>
               <a:ext uri="{FF2B5EF4-FFF2-40B4-BE49-F238E27FC236}">
-                <a16:creationId xmlns="" xmlns:a16="http://schemas.microsoft.com/office/drawing/2014/main" id="{EE84BD74-6BF6-8540-9210-C3EB82E1CBD1}"/>
+                <a16:creationId xmlns:a16="http://schemas.microsoft.com/office/drawing/2014/main" id="{EE84BD74-6BF6-8540-9210-C3EB82E1CBD1}"/>
               </a:ext>
             </a:extLst>
           </p:cNvPr>
@@ -15270,7 +15146,7 @@
           <p:cNvPr id="26" name="TextBox 25">
             <a:extLst>
               <a:ext uri="{FF2B5EF4-FFF2-40B4-BE49-F238E27FC236}">
-                <a16:creationId xmlns="" xmlns:a16="http://schemas.microsoft.com/office/drawing/2014/main" id="{5DE653FC-7C92-87DA-DB20-513FB91F9C29}"/>
+                <a16:creationId xmlns:a16="http://schemas.microsoft.com/office/drawing/2014/main" id="{5DE653FC-7C92-87DA-DB20-513FB91F9C29}"/>
               </a:ext>
             </a:extLst>
           </p:cNvPr>
@@ -15462,7 +15338,7 @@
           <p:cNvPr id="4" name="TextBox 3">
             <a:extLst>
               <a:ext uri="{FF2B5EF4-FFF2-40B4-BE49-F238E27FC236}">
-                <a16:creationId xmlns="" xmlns:a16="http://schemas.microsoft.com/office/drawing/2014/main" id="{74F623B1-3799-BFD3-69BC-FE06246EB13A}"/>
+                <a16:creationId xmlns:a16="http://schemas.microsoft.com/office/drawing/2014/main" id="{74F623B1-3799-BFD3-69BC-FE06246EB13A}"/>
               </a:ext>
             </a:extLst>
           </p:cNvPr>
@@ -15520,7 +15396,7 @@
           <p:cNvPr id="6" name="그림 5">
             <a:extLst>
               <a:ext uri="{FF2B5EF4-FFF2-40B4-BE49-F238E27FC236}">
-                <a16:creationId xmlns="" xmlns:a16="http://schemas.microsoft.com/office/drawing/2014/main" id="{2859CED2-6E50-1BAA-3A3C-47C036E9E60B}"/>
+                <a16:creationId xmlns:a16="http://schemas.microsoft.com/office/drawing/2014/main" id="{2859CED2-6E50-1BAA-3A3C-47C036E9E60B}"/>
               </a:ext>
             </a:extLst>
           </p:cNvPr>
@@ -15550,7 +15426,7 @@
           <p:cNvPr id="9" name="직선 화살표 연결선 8">
             <a:extLst>
               <a:ext uri="{FF2B5EF4-FFF2-40B4-BE49-F238E27FC236}">
-                <a16:creationId xmlns="" xmlns:a16="http://schemas.microsoft.com/office/drawing/2014/main" id="{0A517102-1A7B-32D6-8B5E-7A602CF28BB4}"/>
+                <a16:creationId xmlns:a16="http://schemas.microsoft.com/office/drawing/2014/main" id="{0A517102-1A7B-32D6-8B5E-7A602CF28BB4}"/>
               </a:ext>
             </a:extLst>
           </p:cNvPr>
@@ -15591,7 +15467,7 @@
           <p:cNvPr id="10" name="직사각형 9">
             <a:extLst>
               <a:ext uri="{FF2B5EF4-FFF2-40B4-BE49-F238E27FC236}">
-                <a16:creationId xmlns="" xmlns:a16="http://schemas.microsoft.com/office/drawing/2014/main" id="{FB68496F-8E91-B36B-A8CC-3A1A4D38F45F}"/>
+                <a16:creationId xmlns:a16="http://schemas.microsoft.com/office/drawing/2014/main" id="{FB68496F-8E91-B36B-A8CC-3A1A4D38F45F}"/>
               </a:ext>
             </a:extLst>
           </p:cNvPr>
@@ -15643,7 +15519,7 @@
           <p:cNvPr id="11" name="TextBox 10">
             <a:extLst>
               <a:ext uri="{FF2B5EF4-FFF2-40B4-BE49-F238E27FC236}">
-                <a16:creationId xmlns="" xmlns:a16="http://schemas.microsoft.com/office/drawing/2014/main" id="{9B6AB948-57E9-D33B-D848-3E89213C4BC0}"/>
+                <a16:creationId xmlns:a16="http://schemas.microsoft.com/office/drawing/2014/main" id="{9B6AB948-57E9-D33B-D848-3E89213C4BC0}"/>
               </a:ext>
             </a:extLst>
           </p:cNvPr>
@@ -15752,7 +15628,7 @@
           <p:cNvPr id="14" name="그림 13">
             <a:extLst>
               <a:ext uri="{FF2B5EF4-FFF2-40B4-BE49-F238E27FC236}">
-                <a16:creationId xmlns="" xmlns:a16="http://schemas.microsoft.com/office/drawing/2014/main" id="{B3BFF180-C4C5-4F68-024B-8D0BD9CD80A0}"/>
+                <a16:creationId xmlns:a16="http://schemas.microsoft.com/office/drawing/2014/main" id="{B3BFF180-C4C5-4F68-024B-8D0BD9CD80A0}"/>
               </a:ext>
             </a:extLst>
           </p:cNvPr>
@@ -15782,7 +15658,7 @@
           <p:cNvPr id="15" name="직선 화살표 연결선 14">
             <a:extLst>
               <a:ext uri="{FF2B5EF4-FFF2-40B4-BE49-F238E27FC236}">
-                <a16:creationId xmlns="" xmlns:a16="http://schemas.microsoft.com/office/drawing/2014/main" id="{9758FD75-DB03-FDB7-C01E-990F959B0FAE}"/>
+                <a16:creationId xmlns:a16="http://schemas.microsoft.com/office/drawing/2014/main" id="{9758FD75-DB03-FDB7-C01E-990F959B0FAE}"/>
               </a:ext>
             </a:extLst>
           </p:cNvPr>
@@ -15823,7 +15699,7 @@
           <p:cNvPr id="16" name="직사각형 15">
             <a:extLst>
               <a:ext uri="{FF2B5EF4-FFF2-40B4-BE49-F238E27FC236}">
-                <a16:creationId xmlns="" xmlns:a16="http://schemas.microsoft.com/office/drawing/2014/main" id="{92D792A0-FDE7-8AB9-B54C-2C0BF71FB3E8}"/>
+                <a16:creationId xmlns:a16="http://schemas.microsoft.com/office/drawing/2014/main" id="{92D792A0-FDE7-8AB9-B54C-2C0BF71FB3E8}"/>
               </a:ext>
             </a:extLst>
           </p:cNvPr>
@@ -15875,7 +15751,7 @@
           <p:cNvPr id="17" name="TextBox 16">
             <a:extLst>
               <a:ext uri="{FF2B5EF4-FFF2-40B4-BE49-F238E27FC236}">
-                <a16:creationId xmlns="" xmlns:a16="http://schemas.microsoft.com/office/drawing/2014/main" id="{210B69DC-4AF4-C38B-EEB0-7D8F8D0F4EA5}"/>
+                <a16:creationId xmlns:a16="http://schemas.microsoft.com/office/drawing/2014/main" id="{210B69DC-4AF4-C38B-EEB0-7D8F8D0F4EA5}"/>
               </a:ext>
             </a:extLst>
           </p:cNvPr>
@@ -15968,7 +15844,7 @@
           <p:cNvPr id="19" name="그림 18">
             <a:extLst>
               <a:ext uri="{FF2B5EF4-FFF2-40B4-BE49-F238E27FC236}">
-                <a16:creationId xmlns="" xmlns:a16="http://schemas.microsoft.com/office/drawing/2014/main" id="{E723CE96-C6A4-1D96-576C-F088644208A2}"/>
+                <a16:creationId xmlns:a16="http://schemas.microsoft.com/office/drawing/2014/main" id="{E723CE96-C6A4-1D96-576C-F088644208A2}"/>
               </a:ext>
             </a:extLst>
           </p:cNvPr>
@@ -15998,7 +15874,7 @@
           <p:cNvPr id="20" name="직선 화살표 연결선 19">
             <a:extLst>
               <a:ext uri="{FF2B5EF4-FFF2-40B4-BE49-F238E27FC236}">
-                <a16:creationId xmlns="" xmlns:a16="http://schemas.microsoft.com/office/drawing/2014/main" id="{FC547289-CBE4-8017-DC97-5EEC8635BE87}"/>
+                <a16:creationId xmlns:a16="http://schemas.microsoft.com/office/drawing/2014/main" id="{FC547289-CBE4-8017-DC97-5EEC8635BE87}"/>
               </a:ext>
             </a:extLst>
           </p:cNvPr>
@@ -16039,7 +15915,7 @@
           <p:cNvPr id="21" name="TextBox 20">
             <a:extLst>
               <a:ext uri="{FF2B5EF4-FFF2-40B4-BE49-F238E27FC236}">
-                <a16:creationId xmlns="" xmlns:a16="http://schemas.microsoft.com/office/drawing/2014/main" id="{1207E87C-0459-BCE8-BFCC-964AA68220DA}"/>
+                <a16:creationId xmlns:a16="http://schemas.microsoft.com/office/drawing/2014/main" id="{1207E87C-0459-BCE8-BFCC-964AA68220DA}"/>
               </a:ext>
             </a:extLst>
           </p:cNvPr>
@@ -16146,7 +16022,7 @@
           <p:cNvPr id="18" name="직선 화살표 연결선 17">
             <a:extLst>
               <a:ext uri="{FF2B5EF4-FFF2-40B4-BE49-F238E27FC236}">
-                <a16:creationId xmlns="" xmlns:a16="http://schemas.microsoft.com/office/drawing/2014/main" id="{FC547289-CBE4-8017-DC97-5EEC8635BE87}"/>
+                <a16:creationId xmlns:a16="http://schemas.microsoft.com/office/drawing/2014/main" id="{FC547289-CBE4-8017-DC97-5EEC8635BE87}"/>
               </a:ext>
             </a:extLst>
           </p:cNvPr>
@@ -16187,7 +16063,7 @@
           <p:cNvPr id="22" name="TextBox 21">
             <a:extLst>
               <a:ext uri="{FF2B5EF4-FFF2-40B4-BE49-F238E27FC236}">
-                <a16:creationId xmlns="" xmlns:a16="http://schemas.microsoft.com/office/drawing/2014/main" id="{1207E87C-0459-BCE8-BFCC-964AA68220DA}"/>
+                <a16:creationId xmlns:a16="http://schemas.microsoft.com/office/drawing/2014/main" id="{1207E87C-0459-BCE8-BFCC-964AA68220DA}"/>
               </a:ext>
             </a:extLst>
           </p:cNvPr>
@@ -16270,7 +16146,7 @@
           <p:cNvPr id="23" name="직사각형 22">
             <a:extLst>
               <a:ext uri="{FF2B5EF4-FFF2-40B4-BE49-F238E27FC236}">
-                <a16:creationId xmlns="" xmlns:a16="http://schemas.microsoft.com/office/drawing/2014/main" id="{92D792A0-FDE7-8AB9-B54C-2C0BF71FB3E8}"/>
+                <a16:creationId xmlns:a16="http://schemas.microsoft.com/office/drawing/2014/main" id="{92D792A0-FDE7-8AB9-B54C-2C0BF71FB3E8}"/>
               </a:ext>
             </a:extLst>
           </p:cNvPr>
@@ -16530,7 +16406,7 @@
           <p:cNvPr id="4" name="TextBox 3">
             <a:extLst>
               <a:ext uri="{FF2B5EF4-FFF2-40B4-BE49-F238E27FC236}">
-                <a16:creationId xmlns="" xmlns:a16="http://schemas.microsoft.com/office/drawing/2014/main" id="{FC45ADBF-CAA8-348D-E57F-358AF9FAC5C1}"/>
+                <a16:creationId xmlns:a16="http://schemas.microsoft.com/office/drawing/2014/main" id="{FC45ADBF-CAA8-348D-E57F-358AF9FAC5C1}"/>
               </a:ext>
             </a:extLst>
           </p:cNvPr>
@@ -16598,7 +16474,7 @@
           <p:cNvPr id="5" name="그림 4">
             <a:extLst>
               <a:ext uri="{FF2B5EF4-FFF2-40B4-BE49-F238E27FC236}">
-                <a16:creationId xmlns="" xmlns:a16="http://schemas.microsoft.com/office/drawing/2014/main" id="{F3D6648B-496B-FC8A-75B1-27D9F63E6256}"/>
+                <a16:creationId xmlns:a16="http://schemas.microsoft.com/office/drawing/2014/main" id="{F3D6648B-496B-FC8A-75B1-27D9F63E6256}"/>
               </a:ext>
             </a:extLst>
           </p:cNvPr>
@@ -16628,7 +16504,7 @@
           <p:cNvPr id="6" name="직선 화살표 연결선 5">
             <a:extLst>
               <a:ext uri="{FF2B5EF4-FFF2-40B4-BE49-F238E27FC236}">
-                <a16:creationId xmlns="" xmlns:a16="http://schemas.microsoft.com/office/drawing/2014/main" id="{BFCC77D2-478B-FE81-F1C3-2D8FB1B2B539}"/>
+                <a16:creationId xmlns:a16="http://schemas.microsoft.com/office/drawing/2014/main" id="{BFCC77D2-478B-FE81-F1C3-2D8FB1B2B539}"/>
               </a:ext>
             </a:extLst>
           </p:cNvPr>
@@ -16669,7 +16545,7 @@
           <p:cNvPr id="7" name="직사각형 6">
             <a:extLst>
               <a:ext uri="{FF2B5EF4-FFF2-40B4-BE49-F238E27FC236}">
-                <a16:creationId xmlns="" xmlns:a16="http://schemas.microsoft.com/office/drawing/2014/main" id="{769A9CD3-BBAA-9398-29F4-6CA0FB117667}"/>
+                <a16:creationId xmlns:a16="http://schemas.microsoft.com/office/drawing/2014/main" id="{769A9CD3-BBAA-9398-29F4-6CA0FB117667}"/>
               </a:ext>
             </a:extLst>
           </p:cNvPr>
@@ -16721,7 +16597,7 @@
           <p:cNvPr id="8" name="TextBox 7">
             <a:extLst>
               <a:ext uri="{FF2B5EF4-FFF2-40B4-BE49-F238E27FC236}">
-                <a16:creationId xmlns="" xmlns:a16="http://schemas.microsoft.com/office/drawing/2014/main" id="{A56A5DDA-8708-D8BE-1148-536DAE867ED1}"/>
+                <a16:creationId xmlns:a16="http://schemas.microsoft.com/office/drawing/2014/main" id="{A56A5DDA-8708-D8BE-1148-536DAE867ED1}"/>
               </a:ext>
             </a:extLst>
           </p:cNvPr>
@@ -16843,7 +16719,7 @@
           <p:cNvPr id="11" name="그림 10">
             <a:extLst>
               <a:ext uri="{FF2B5EF4-FFF2-40B4-BE49-F238E27FC236}">
-                <a16:creationId xmlns="" xmlns:a16="http://schemas.microsoft.com/office/drawing/2014/main" id="{5037AA5F-E822-583D-6081-38FA492341D9}"/>
+                <a16:creationId xmlns:a16="http://schemas.microsoft.com/office/drawing/2014/main" id="{5037AA5F-E822-583D-6081-38FA492341D9}"/>
               </a:ext>
             </a:extLst>
           </p:cNvPr>
@@ -16873,7 +16749,7 @@
           <p:cNvPr id="12" name="직선 화살표 연결선 11">
             <a:extLst>
               <a:ext uri="{FF2B5EF4-FFF2-40B4-BE49-F238E27FC236}">
-                <a16:creationId xmlns="" xmlns:a16="http://schemas.microsoft.com/office/drawing/2014/main" id="{1FFE4224-75E0-E7D7-6120-C4CA05A76D18}"/>
+                <a16:creationId xmlns:a16="http://schemas.microsoft.com/office/drawing/2014/main" id="{1FFE4224-75E0-E7D7-6120-C4CA05A76D18}"/>
               </a:ext>
             </a:extLst>
           </p:cNvPr>
@@ -16914,7 +16790,7 @@
           <p:cNvPr id="13" name="직사각형 12">
             <a:extLst>
               <a:ext uri="{FF2B5EF4-FFF2-40B4-BE49-F238E27FC236}">
-                <a16:creationId xmlns="" xmlns:a16="http://schemas.microsoft.com/office/drawing/2014/main" id="{8C3F0F5A-409B-3EFD-AE4C-D8CEBA1A6095}"/>
+                <a16:creationId xmlns:a16="http://schemas.microsoft.com/office/drawing/2014/main" id="{8C3F0F5A-409B-3EFD-AE4C-D8CEBA1A6095}"/>
               </a:ext>
             </a:extLst>
           </p:cNvPr>
@@ -16966,7 +16842,7 @@
           <p:cNvPr id="14" name="TextBox 13">
             <a:extLst>
               <a:ext uri="{FF2B5EF4-FFF2-40B4-BE49-F238E27FC236}">
-                <a16:creationId xmlns="" xmlns:a16="http://schemas.microsoft.com/office/drawing/2014/main" id="{63EF7F6E-BCF0-FB9F-8345-C8FF376EEBE5}"/>
+                <a16:creationId xmlns:a16="http://schemas.microsoft.com/office/drawing/2014/main" id="{63EF7F6E-BCF0-FB9F-8345-C8FF376EEBE5}"/>
               </a:ext>
             </a:extLst>
           </p:cNvPr>
@@ -17023,7 +16899,7 @@
           <p:cNvPr id="16" name="그림 15">
             <a:extLst>
               <a:ext uri="{FF2B5EF4-FFF2-40B4-BE49-F238E27FC236}">
-                <a16:creationId xmlns="" xmlns:a16="http://schemas.microsoft.com/office/drawing/2014/main" id="{34D78C32-807C-E668-F49D-74DF9DD4778D}"/>
+                <a16:creationId xmlns:a16="http://schemas.microsoft.com/office/drawing/2014/main" id="{34D78C32-807C-E668-F49D-74DF9DD4778D}"/>
               </a:ext>
             </a:extLst>
           </p:cNvPr>
@@ -17053,7 +16929,7 @@
           <p:cNvPr id="17" name="직선 화살표 연결선 16">
             <a:extLst>
               <a:ext uri="{FF2B5EF4-FFF2-40B4-BE49-F238E27FC236}">
-                <a16:creationId xmlns="" xmlns:a16="http://schemas.microsoft.com/office/drawing/2014/main" id="{D2E83BD8-C339-6ABD-321D-FC24F4C49A36}"/>
+                <a16:creationId xmlns:a16="http://schemas.microsoft.com/office/drawing/2014/main" id="{D2E83BD8-C339-6ABD-321D-FC24F4C49A36}"/>
               </a:ext>
             </a:extLst>
           </p:cNvPr>
@@ -17094,7 +16970,7 @@
           <p:cNvPr id="18" name="직사각형 17">
             <a:extLst>
               <a:ext uri="{FF2B5EF4-FFF2-40B4-BE49-F238E27FC236}">
-                <a16:creationId xmlns="" xmlns:a16="http://schemas.microsoft.com/office/drawing/2014/main" id="{9285AF3F-315F-7CD9-280F-A0BC3767EFC8}"/>
+                <a16:creationId xmlns:a16="http://schemas.microsoft.com/office/drawing/2014/main" id="{9285AF3F-315F-7CD9-280F-A0BC3767EFC8}"/>
               </a:ext>
             </a:extLst>
           </p:cNvPr>
@@ -17146,7 +17022,7 @@
           <p:cNvPr id="19" name="TextBox 18">
             <a:extLst>
               <a:ext uri="{FF2B5EF4-FFF2-40B4-BE49-F238E27FC236}">
-                <a16:creationId xmlns="" xmlns:a16="http://schemas.microsoft.com/office/drawing/2014/main" id="{B0233F3D-93AE-D5FC-BD44-132A61029CED}"/>
+                <a16:creationId xmlns:a16="http://schemas.microsoft.com/office/drawing/2014/main" id="{B0233F3D-93AE-D5FC-BD44-132A61029CED}"/>
               </a:ext>
             </a:extLst>
           </p:cNvPr>
@@ -17170,7 +17046,7 @@
           <a:lstStyle/>
           <a:p>
             <a:r>
-              <a:rPr lang="ko-KR" altLang="en-US" sz="4000" smtClean="0">
+              <a:rPr lang="ko-KR" altLang="en-US" sz="4000">
                 <a:solidFill>
                   <a:schemeClr val="tx1">
                     <a:lumMod val="50000"/>
@@ -17183,7 +17059,7 @@
               <a:t>다른 형태의 증감식도 가능하다</a:t>
             </a:r>
             <a:r>
-              <a:rPr lang="en-US" altLang="ko-KR" sz="4000" smtClean="0">
+              <a:rPr lang="en-US" altLang="ko-KR" sz="4000">
                 <a:solidFill>
                   <a:schemeClr val="tx1">
                     <a:lumMod val="50000"/>
@@ -17213,7 +17089,7 @@
           <p:cNvPr id="21" name="그림 20">
             <a:extLst>
               <a:ext uri="{FF2B5EF4-FFF2-40B4-BE49-F238E27FC236}">
-                <a16:creationId xmlns="" xmlns:a16="http://schemas.microsoft.com/office/drawing/2014/main" id="{A90F8540-BF25-9F80-10D1-731438E88BD3}"/>
+                <a16:creationId xmlns:a16="http://schemas.microsoft.com/office/drawing/2014/main" id="{A90F8540-BF25-9F80-10D1-731438E88BD3}"/>
               </a:ext>
             </a:extLst>
           </p:cNvPr>
@@ -17243,7 +17119,7 @@
           <p:cNvPr id="22" name="직선 화살표 연결선 21">
             <a:extLst>
               <a:ext uri="{FF2B5EF4-FFF2-40B4-BE49-F238E27FC236}">
-                <a16:creationId xmlns="" xmlns:a16="http://schemas.microsoft.com/office/drawing/2014/main" id="{F3D0979F-FC76-A99F-1B23-87C99675D57B}"/>
+                <a16:creationId xmlns:a16="http://schemas.microsoft.com/office/drawing/2014/main" id="{F3D0979F-FC76-A99F-1B23-87C99675D57B}"/>
               </a:ext>
             </a:extLst>
           </p:cNvPr>
@@ -17284,7 +17160,7 @@
           <p:cNvPr id="23" name="직사각형 22">
             <a:extLst>
               <a:ext uri="{FF2B5EF4-FFF2-40B4-BE49-F238E27FC236}">
-                <a16:creationId xmlns="" xmlns:a16="http://schemas.microsoft.com/office/drawing/2014/main" id="{320E4E90-7BA9-1446-FCCF-E85BB8B561B7}"/>
+                <a16:creationId xmlns:a16="http://schemas.microsoft.com/office/drawing/2014/main" id="{320E4E90-7BA9-1446-FCCF-E85BB8B561B7}"/>
               </a:ext>
             </a:extLst>
           </p:cNvPr>
@@ -17336,7 +17212,7 @@
           <p:cNvPr id="24" name="TextBox 23">
             <a:extLst>
               <a:ext uri="{FF2B5EF4-FFF2-40B4-BE49-F238E27FC236}">
-                <a16:creationId xmlns="" xmlns:a16="http://schemas.microsoft.com/office/drawing/2014/main" id="{4E3958A6-103B-4EE1-DA27-19AC6985C9C4}"/>
+                <a16:creationId xmlns:a16="http://schemas.microsoft.com/office/drawing/2014/main" id="{4E3958A6-103B-4EE1-DA27-19AC6985C9C4}"/>
               </a:ext>
             </a:extLst>
           </p:cNvPr>
@@ -17495,7 +17371,7 @@
           <p:cNvPr id="20" name="직사각형 19">
             <a:extLst>
               <a:ext uri="{FF2B5EF4-FFF2-40B4-BE49-F238E27FC236}">
-                <a16:creationId xmlns="" xmlns:a16="http://schemas.microsoft.com/office/drawing/2014/main" id="{9285AF3F-315F-7CD9-280F-A0BC3767EFC8}"/>
+                <a16:creationId xmlns:a16="http://schemas.microsoft.com/office/drawing/2014/main" id="{9285AF3F-315F-7CD9-280F-A0BC3767EFC8}"/>
               </a:ext>
             </a:extLst>
           </p:cNvPr>
@@ -17547,7 +17423,7 @@
           <p:cNvPr id="25" name="직선 화살표 연결선 24">
             <a:extLst>
               <a:ext uri="{FF2B5EF4-FFF2-40B4-BE49-F238E27FC236}">
-                <a16:creationId xmlns="" xmlns:a16="http://schemas.microsoft.com/office/drawing/2014/main" id="{F3D0979F-FC76-A99F-1B23-87C99675D57B}"/>
+                <a16:creationId xmlns:a16="http://schemas.microsoft.com/office/drawing/2014/main" id="{F3D0979F-FC76-A99F-1B23-87C99675D57B}"/>
               </a:ext>
             </a:extLst>
           </p:cNvPr>
@@ -17588,7 +17464,7 @@
           <p:cNvPr id="26" name="TextBox 25">
             <a:extLst>
               <a:ext uri="{FF2B5EF4-FFF2-40B4-BE49-F238E27FC236}">
-                <a16:creationId xmlns="" xmlns:a16="http://schemas.microsoft.com/office/drawing/2014/main" id="{4E3958A6-103B-4EE1-DA27-19AC6985C9C4}"/>
+                <a16:creationId xmlns:a16="http://schemas.microsoft.com/office/drawing/2014/main" id="{4E3958A6-103B-4EE1-DA27-19AC6985C9C4}"/>
               </a:ext>
             </a:extLst>
           </p:cNvPr>
@@ -17612,7 +17488,7 @@
           <a:lstStyle/>
           <a:p>
             <a:r>
-              <a:rPr lang="ko-KR" altLang="en-US" sz="3200" smtClean="0">
+              <a:rPr lang="ko-KR" altLang="en-US" sz="3200">
                 <a:solidFill>
                   <a:schemeClr val="tx1">
                     <a:lumMod val="50000"/>
@@ -17625,7 +17501,7 @@
               <a:t>생략가능하며 </a:t>
             </a:r>
             <a:r>
-              <a:rPr lang="en-US" altLang="ko-KR" sz="3200" smtClean="0">
+              <a:rPr lang="en-US" altLang="ko-KR" sz="3200">
                 <a:solidFill>
                   <a:schemeClr val="tx1">
                     <a:lumMod val="50000"/>
@@ -17638,7 +17514,7 @@
               <a:t>for</a:t>
             </a:r>
             <a:r>
-              <a:rPr lang="ko-KR" altLang="en-US" sz="3200" smtClean="0">
+              <a:rPr lang="ko-KR" altLang="en-US" sz="3200">
                 <a:solidFill>
                   <a:schemeClr val="tx1">
                     <a:lumMod val="50000"/>
@@ -17651,7 +17527,7 @@
               <a:t>문 내부에서 증감을 해도 된다</a:t>
             </a:r>
             <a:r>
-              <a:rPr lang="en-US" altLang="ko-KR" sz="3200" smtClean="0">
+              <a:rPr lang="en-US" altLang="ko-KR" sz="3200">
                 <a:solidFill>
                   <a:schemeClr val="tx1">
                     <a:lumMod val="50000"/>
@@ -17705,7 +17581,7 @@
           <p:cNvPr id="27" name="직선 화살표 연결선 26">
             <a:extLst>
               <a:ext uri="{FF2B5EF4-FFF2-40B4-BE49-F238E27FC236}">
-                <a16:creationId xmlns="" xmlns:a16="http://schemas.microsoft.com/office/drawing/2014/main" id="{F3D0979F-FC76-A99F-1B23-87C99675D57B}"/>
+                <a16:creationId xmlns:a16="http://schemas.microsoft.com/office/drawing/2014/main" id="{F3D0979F-FC76-A99F-1B23-87C99675D57B}"/>
               </a:ext>
             </a:extLst>
           </p:cNvPr>
@@ -17746,7 +17622,7 @@
           <p:cNvPr id="28" name="TextBox 27">
             <a:extLst>
               <a:ext uri="{FF2B5EF4-FFF2-40B4-BE49-F238E27FC236}">
-                <a16:creationId xmlns="" xmlns:a16="http://schemas.microsoft.com/office/drawing/2014/main" id="{4E3958A6-103B-4EE1-DA27-19AC6985C9C4}"/>
+                <a16:creationId xmlns:a16="http://schemas.microsoft.com/office/drawing/2014/main" id="{4E3958A6-103B-4EE1-DA27-19AC6985C9C4}"/>
               </a:ext>
             </a:extLst>
           </p:cNvPr>
@@ -17770,7 +17646,7 @@
           <a:lstStyle/>
           <a:p>
             <a:r>
-              <a:rPr lang="ko-KR" altLang="en-US" sz="3200" smtClean="0">
+              <a:rPr lang="ko-KR" altLang="en-US" sz="3200">
                 <a:solidFill>
                   <a:schemeClr val="tx1">
                     <a:lumMod val="50000"/>
@@ -17783,7 +17659,7 @@
               <a:t>무한루프</a:t>
             </a:r>
             <a:r>
-              <a:rPr lang="en-US" altLang="ko-KR" sz="3200" smtClean="0">
+              <a:rPr lang="en-US" altLang="ko-KR" sz="3200">
                 <a:solidFill>
                   <a:schemeClr val="tx1">
                     <a:lumMod val="50000"/>
@@ -18094,7 +17970,7 @@
           <p:cNvPr id="4" name="TextBox 3">
             <a:extLst>
               <a:ext uri="{FF2B5EF4-FFF2-40B4-BE49-F238E27FC236}">
-                <a16:creationId xmlns="" xmlns:a16="http://schemas.microsoft.com/office/drawing/2014/main" id="{FC45ADBF-CAA8-348D-E57F-358AF9FAC5C1}"/>
+                <a16:creationId xmlns:a16="http://schemas.microsoft.com/office/drawing/2014/main" id="{FC45ADBF-CAA8-348D-E57F-358AF9FAC5C1}"/>
               </a:ext>
             </a:extLst>
           </p:cNvPr>
@@ -18118,7 +17994,7 @@
           <a:lstStyle/>
           <a:p>
             <a:r>
-              <a:rPr lang="en-US" altLang="ko-KR" sz="4800" smtClean="0">
+              <a:rPr lang="en-US" altLang="ko-KR" sz="4800">
                 <a:solidFill>
                   <a:srgbClr val="4C50BC"/>
                 </a:solidFill>
@@ -18128,7 +18004,7 @@
               <a:t>1</a:t>
             </a:r>
             <a:r>
-              <a:rPr lang="ko-KR" altLang="en-US" sz="4800" smtClean="0">
+              <a:rPr lang="ko-KR" altLang="en-US" sz="4800">
                 <a:solidFill>
                   <a:srgbClr val="4C50BC"/>
                 </a:solidFill>
@@ -18138,7 +18014,7 @@
               <a:t>부터 시작하면 편할텐데 왜 예제들이 </a:t>
             </a:r>
             <a:r>
-              <a:rPr lang="en-US" altLang="ko-KR" sz="4800" smtClean="0">
+              <a:rPr lang="en-US" altLang="ko-KR" sz="4800">
                 <a:solidFill>
                   <a:srgbClr val="4C50BC"/>
                 </a:solidFill>
@@ -18148,7 +18024,7 @@
               <a:t>0</a:t>
             </a:r>
             <a:r>
-              <a:rPr lang="ko-KR" altLang="en-US" sz="4800" smtClean="0">
+              <a:rPr lang="ko-KR" altLang="en-US" sz="4800">
                 <a:solidFill>
                   <a:srgbClr val="4C50BC"/>
                 </a:solidFill>
@@ -18158,7 +18034,7 @@
               <a:t>부터 시작할까</a:t>
             </a:r>
             <a:r>
-              <a:rPr lang="en-US" altLang="ko-KR" sz="4800" smtClean="0">
+              <a:rPr lang="en-US" altLang="ko-KR" sz="4800">
                 <a:solidFill>
                   <a:srgbClr val="4C50BC"/>
                 </a:solidFill>
@@ -18187,13 +18063,6 @@
   <p:clrMapOvr>
     <a:masterClrMapping/>
   </p:clrMapOvr>
-  <p:timing>
-    <p:tnLst>
-      <p:par>
-        <p:cTn id="1" dur="indefinite" restart="never" nodeType="tmRoot"/>
-      </p:par>
-    </p:tnLst>
-  </p:timing>
 </p:sld>
 </file>
 
